--- a/capstone_project_2/reports/capstone_project_2_presentation.pptx
+++ b/capstone_project_2/reports/capstone_project_2_presentation.pptx
@@ -4,6 +4,9 @@
   <p:sldMasterIdLst>
     <p:sldMasterId id="2147483648" r:id="rId1"/>
   </p:sldMasterIdLst>
+  <p:notesMasterIdLst>
+    <p:notesMasterId r:id="rId45"/>
+  </p:notesMasterIdLst>
   <p:sldIdLst>
     <p:sldId id="256" r:id="rId2"/>
     <p:sldId id="257" r:id="rId3"/>
@@ -28,7 +31,26 @@
     <p:sldId id="278" r:id="rId22"/>
     <p:sldId id="279" r:id="rId23"/>
     <p:sldId id="261" r:id="rId24"/>
-    <p:sldId id="262" r:id="rId25"/>
+    <p:sldId id="280" r:id="rId25"/>
+    <p:sldId id="281" r:id="rId26"/>
+    <p:sldId id="282" r:id="rId27"/>
+    <p:sldId id="283" r:id="rId28"/>
+    <p:sldId id="284" r:id="rId29"/>
+    <p:sldId id="285" r:id="rId30"/>
+    <p:sldId id="286" r:id="rId31"/>
+    <p:sldId id="287" r:id="rId32"/>
+    <p:sldId id="288" r:id="rId33"/>
+    <p:sldId id="289" r:id="rId34"/>
+    <p:sldId id="290" r:id="rId35"/>
+    <p:sldId id="291" r:id="rId36"/>
+    <p:sldId id="292" r:id="rId37"/>
+    <p:sldId id="293" r:id="rId38"/>
+    <p:sldId id="294" r:id="rId39"/>
+    <p:sldId id="295" r:id="rId40"/>
+    <p:sldId id="297" r:id="rId41"/>
+    <p:sldId id="262" r:id="rId42"/>
+    <p:sldId id="296" r:id="rId43"/>
+    <p:sldId id="298" r:id="rId44"/>
   </p:sldIdLst>
   <p:sldSz cx="12192000" cy="6858000"/>
   <p:notesSz cx="6858000" cy="9144000"/>
@@ -127,7 +149,457 @@
       </a:defRPr>
     </a:lvl9pPr>
   </p:defaultTextStyle>
+  <p:extLst>
+    <p:ext uri="{EFAFB233-063F-42B5-8137-9DF3F51BA10A}">
+      <p15:sldGuideLst xmlns:p15="http://schemas.microsoft.com/office/powerpoint/2012/main"/>
+    </p:ext>
+  </p:extLst>
 </p:presentation>
+</file>
+
+<file path=ppt/notesMasters/notesMaster1.xml><?xml version="1.0" encoding="utf-8"?>
+<p:notesMaster xmlns:a="http://schemas.openxmlformats.org/drawingml/2006/main" xmlns:r="http://schemas.openxmlformats.org/officeDocument/2006/relationships" xmlns:p="http://schemas.openxmlformats.org/presentationml/2006/main">
+  <p:cSld>
+    <p:bg>
+      <p:bgRef idx="1001">
+        <a:schemeClr val="bg1"/>
+      </p:bgRef>
+    </p:bg>
+    <p:spTree>
+      <p:nvGrpSpPr>
+        <p:cNvPr id="1" name=""/>
+        <p:cNvGrpSpPr/>
+        <p:nvPr/>
+      </p:nvGrpSpPr>
+      <p:grpSpPr>
+        <a:xfrm>
+          <a:off x="0" y="0"/>
+          <a:ext cx="0" cy="0"/>
+          <a:chOff x="0" y="0"/>
+          <a:chExt cx="0" cy="0"/>
+        </a:xfrm>
+      </p:grpSpPr>
+      <p:sp>
+        <p:nvSpPr>
+          <p:cNvPr id="2" name="Header Placeholder 1"/>
+          <p:cNvSpPr>
+            <a:spLocks noGrp="1"/>
+          </p:cNvSpPr>
+          <p:nvPr>
+            <p:ph type="hdr" sz="quarter"/>
+          </p:nvPr>
+        </p:nvSpPr>
+        <p:spPr>
+          <a:xfrm>
+            <a:off x="0" y="0"/>
+            <a:ext cx="2971800" cy="458788"/>
+          </a:xfrm>
+          <a:prstGeom prst="rect">
+            <a:avLst/>
+          </a:prstGeom>
+        </p:spPr>
+        <p:txBody>
+          <a:bodyPr vert="horz" lIns="91440" tIns="45720" rIns="91440" bIns="45720" rtlCol="0"/>
+          <a:lstStyle>
+            <a:lvl1pPr algn="l">
+              <a:defRPr sz="1200"/>
+            </a:lvl1pPr>
+          </a:lstStyle>
+          <a:p>
+            <a:endParaRPr lang="en-US"/>
+          </a:p>
+        </p:txBody>
+      </p:sp>
+      <p:sp>
+        <p:nvSpPr>
+          <p:cNvPr id="3" name="Date Placeholder 2"/>
+          <p:cNvSpPr>
+            <a:spLocks noGrp="1"/>
+          </p:cNvSpPr>
+          <p:nvPr>
+            <p:ph type="dt" idx="1"/>
+          </p:nvPr>
+        </p:nvSpPr>
+        <p:spPr>
+          <a:xfrm>
+            <a:off x="3884613" y="0"/>
+            <a:ext cx="2971800" cy="458788"/>
+          </a:xfrm>
+          <a:prstGeom prst="rect">
+            <a:avLst/>
+          </a:prstGeom>
+        </p:spPr>
+        <p:txBody>
+          <a:bodyPr vert="horz" lIns="91440" tIns="45720" rIns="91440" bIns="45720" rtlCol="0"/>
+          <a:lstStyle>
+            <a:lvl1pPr algn="r">
+              <a:defRPr sz="1200"/>
+            </a:lvl1pPr>
+          </a:lstStyle>
+          <a:p>
+            <a:fld id="{91270B54-2322-4E1C-8800-4E24EFB21EEE}" type="datetimeFigureOut">
+              <a:rPr lang="en-US" smtClean="0"/>
+              <a:t>5/3/2019</a:t>
+            </a:fld>
+            <a:endParaRPr lang="en-US"/>
+          </a:p>
+        </p:txBody>
+      </p:sp>
+      <p:sp>
+        <p:nvSpPr>
+          <p:cNvPr id="4" name="Slide Image Placeholder 3"/>
+          <p:cNvSpPr>
+            <a:spLocks noGrp="1" noRot="1" noChangeAspect="1"/>
+          </p:cNvSpPr>
+          <p:nvPr>
+            <p:ph type="sldImg" idx="2"/>
+          </p:nvPr>
+        </p:nvSpPr>
+        <p:spPr>
+          <a:xfrm>
+            <a:off x="685800" y="1143000"/>
+            <a:ext cx="5486400" cy="3086100"/>
+          </a:xfrm>
+          <a:prstGeom prst="rect">
+            <a:avLst/>
+          </a:prstGeom>
+          <a:noFill/>
+          <a:ln w="12700">
+            <a:solidFill>
+              <a:prstClr val="black"/>
+            </a:solidFill>
+          </a:ln>
+        </p:spPr>
+        <p:txBody>
+          <a:bodyPr vert="horz" lIns="91440" tIns="45720" rIns="91440" bIns="45720" rtlCol="0" anchor="ctr"/>
+          <a:lstStyle/>
+          <a:p>
+            <a:endParaRPr lang="en-US"/>
+          </a:p>
+        </p:txBody>
+      </p:sp>
+      <p:sp>
+        <p:nvSpPr>
+          <p:cNvPr id="5" name="Notes Placeholder 4"/>
+          <p:cNvSpPr>
+            <a:spLocks noGrp="1"/>
+          </p:cNvSpPr>
+          <p:nvPr>
+            <p:ph type="body" sz="quarter" idx="3"/>
+          </p:nvPr>
+        </p:nvSpPr>
+        <p:spPr>
+          <a:xfrm>
+            <a:off x="685800" y="4400550"/>
+            <a:ext cx="5486400" cy="3600450"/>
+          </a:xfrm>
+          <a:prstGeom prst="rect">
+            <a:avLst/>
+          </a:prstGeom>
+        </p:spPr>
+        <p:txBody>
+          <a:bodyPr vert="horz" lIns="91440" tIns="45720" rIns="91440" bIns="45720" rtlCol="0"/>
+          <a:lstStyle/>
+          <a:p>
+            <a:pPr lvl="0"/>
+            <a:r>
+              <a:rPr lang="en-US"/>
+              <a:t>Click to edit Master text styles</a:t>
+            </a:r>
+          </a:p>
+          <a:p>
+            <a:pPr lvl="1"/>
+            <a:r>
+              <a:rPr lang="en-US"/>
+              <a:t>Second level</a:t>
+            </a:r>
+          </a:p>
+          <a:p>
+            <a:pPr lvl="2"/>
+            <a:r>
+              <a:rPr lang="en-US"/>
+              <a:t>Third level</a:t>
+            </a:r>
+          </a:p>
+          <a:p>
+            <a:pPr lvl="3"/>
+            <a:r>
+              <a:rPr lang="en-US"/>
+              <a:t>Fourth level</a:t>
+            </a:r>
+          </a:p>
+          <a:p>
+            <a:pPr lvl="4"/>
+            <a:r>
+              <a:rPr lang="en-US"/>
+              <a:t>Fifth level</a:t>
+            </a:r>
+          </a:p>
+        </p:txBody>
+      </p:sp>
+      <p:sp>
+        <p:nvSpPr>
+          <p:cNvPr id="6" name="Footer Placeholder 5"/>
+          <p:cNvSpPr>
+            <a:spLocks noGrp="1"/>
+          </p:cNvSpPr>
+          <p:nvPr>
+            <p:ph type="ftr" sz="quarter" idx="4"/>
+          </p:nvPr>
+        </p:nvSpPr>
+        <p:spPr>
+          <a:xfrm>
+            <a:off x="0" y="8685213"/>
+            <a:ext cx="2971800" cy="458787"/>
+          </a:xfrm>
+          <a:prstGeom prst="rect">
+            <a:avLst/>
+          </a:prstGeom>
+        </p:spPr>
+        <p:txBody>
+          <a:bodyPr vert="horz" lIns="91440" tIns="45720" rIns="91440" bIns="45720" rtlCol="0" anchor="b"/>
+          <a:lstStyle>
+            <a:lvl1pPr algn="l">
+              <a:defRPr sz="1200"/>
+            </a:lvl1pPr>
+          </a:lstStyle>
+          <a:p>
+            <a:endParaRPr lang="en-US"/>
+          </a:p>
+        </p:txBody>
+      </p:sp>
+      <p:sp>
+        <p:nvSpPr>
+          <p:cNvPr id="7" name="Slide Number Placeholder 6"/>
+          <p:cNvSpPr>
+            <a:spLocks noGrp="1"/>
+          </p:cNvSpPr>
+          <p:nvPr>
+            <p:ph type="sldNum" sz="quarter" idx="5"/>
+          </p:nvPr>
+        </p:nvSpPr>
+        <p:spPr>
+          <a:xfrm>
+            <a:off x="3884613" y="8685213"/>
+            <a:ext cx="2971800" cy="458787"/>
+          </a:xfrm>
+          <a:prstGeom prst="rect">
+            <a:avLst/>
+          </a:prstGeom>
+        </p:spPr>
+        <p:txBody>
+          <a:bodyPr vert="horz" lIns="91440" tIns="45720" rIns="91440" bIns="45720" rtlCol="0" anchor="b"/>
+          <a:lstStyle>
+            <a:lvl1pPr algn="r">
+              <a:defRPr sz="1200"/>
+            </a:lvl1pPr>
+          </a:lstStyle>
+          <a:p>
+            <a:fld id="{B603C3AA-84E4-4A28-9167-E30261252DF9}" type="slidenum">
+              <a:rPr lang="en-US" smtClean="0"/>
+              <a:t>‹#›</a:t>
+            </a:fld>
+            <a:endParaRPr lang="en-US"/>
+          </a:p>
+        </p:txBody>
+      </p:sp>
+    </p:spTree>
+    <p:extLst>
+      <p:ext uri="{BB962C8B-B14F-4D97-AF65-F5344CB8AC3E}">
+        <p14:creationId xmlns:p14="http://schemas.microsoft.com/office/powerpoint/2010/main" val="891917187"/>
+      </p:ext>
+    </p:extLst>
+  </p:cSld>
+  <p:clrMap bg1="lt1" tx1="dk1" bg2="lt2" tx2="dk2" accent1="accent1" accent2="accent2" accent3="accent3" accent4="accent4" accent5="accent5" accent6="accent6" hlink="hlink" folHlink="folHlink"/>
+  <p:notesStyle>
+    <a:lvl1pPr marL="0" algn="l" defTabSz="914400" rtl="0" eaLnBrk="1" latinLnBrk="0" hangingPunct="1">
+      <a:defRPr sz="1200" kern="1200">
+        <a:solidFill>
+          <a:schemeClr val="tx1"/>
+        </a:solidFill>
+        <a:latin typeface="+mn-lt"/>
+        <a:ea typeface="+mn-ea"/>
+        <a:cs typeface="+mn-cs"/>
+      </a:defRPr>
+    </a:lvl1pPr>
+    <a:lvl2pPr marL="457200" algn="l" defTabSz="914400" rtl="0" eaLnBrk="1" latinLnBrk="0" hangingPunct="1">
+      <a:defRPr sz="1200" kern="1200">
+        <a:solidFill>
+          <a:schemeClr val="tx1"/>
+        </a:solidFill>
+        <a:latin typeface="+mn-lt"/>
+        <a:ea typeface="+mn-ea"/>
+        <a:cs typeface="+mn-cs"/>
+      </a:defRPr>
+    </a:lvl2pPr>
+    <a:lvl3pPr marL="914400" algn="l" defTabSz="914400" rtl="0" eaLnBrk="1" latinLnBrk="0" hangingPunct="1">
+      <a:defRPr sz="1200" kern="1200">
+        <a:solidFill>
+          <a:schemeClr val="tx1"/>
+        </a:solidFill>
+        <a:latin typeface="+mn-lt"/>
+        <a:ea typeface="+mn-ea"/>
+        <a:cs typeface="+mn-cs"/>
+      </a:defRPr>
+    </a:lvl3pPr>
+    <a:lvl4pPr marL="1371600" algn="l" defTabSz="914400" rtl="0" eaLnBrk="1" latinLnBrk="0" hangingPunct="1">
+      <a:defRPr sz="1200" kern="1200">
+        <a:solidFill>
+          <a:schemeClr val="tx1"/>
+        </a:solidFill>
+        <a:latin typeface="+mn-lt"/>
+        <a:ea typeface="+mn-ea"/>
+        <a:cs typeface="+mn-cs"/>
+      </a:defRPr>
+    </a:lvl4pPr>
+    <a:lvl5pPr marL="1828800" algn="l" defTabSz="914400" rtl="0" eaLnBrk="1" latinLnBrk="0" hangingPunct="1">
+      <a:defRPr sz="1200" kern="1200">
+        <a:solidFill>
+          <a:schemeClr val="tx1"/>
+        </a:solidFill>
+        <a:latin typeface="+mn-lt"/>
+        <a:ea typeface="+mn-ea"/>
+        <a:cs typeface="+mn-cs"/>
+      </a:defRPr>
+    </a:lvl5pPr>
+    <a:lvl6pPr marL="2286000" algn="l" defTabSz="914400" rtl="0" eaLnBrk="1" latinLnBrk="0" hangingPunct="1">
+      <a:defRPr sz="1200" kern="1200">
+        <a:solidFill>
+          <a:schemeClr val="tx1"/>
+        </a:solidFill>
+        <a:latin typeface="+mn-lt"/>
+        <a:ea typeface="+mn-ea"/>
+        <a:cs typeface="+mn-cs"/>
+      </a:defRPr>
+    </a:lvl6pPr>
+    <a:lvl7pPr marL="2743200" algn="l" defTabSz="914400" rtl="0" eaLnBrk="1" latinLnBrk="0" hangingPunct="1">
+      <a:defRPr sz="1200" kern="1200">
+        <a:solidFill>
+          <a:schemeClr val="tx1"/>
+        </a:solidFill>
+        <a:latin typeface="+mn-lt"/>
+        <a:ea typeface="+mn-ea"/>
+        <a:cs typeface="+mn-cs"/>
+      </a:defRPr>
+    </a:lvl7pPr>
+    <a:lvl8pPr marL="3200400" algn="l" defTabSz="914400" rtl="0" eaLnBrk="1" latinLnBrk="0" hangingPunct="1">
+      <a:defRPr sz="1200" kern="1200">
+        <a:solidFill>
+          <a:schemeClr val="tx1"/>
+        </a:solidFill>
+        <a:latin typeface="+mn-lt"/>
+        <a:ea typeface="+mn-ea"/>
+        <a:cs typeface="+mn-cs"/>
+      </a:defRPr>
+    </a:lvl8pPr>
+    <a:lvl9pPr marL="3657600" algn="l" defTabSz="914400" rtl="0" eaLnBrk="1" latinLnBrk="0" hangingPunct="1">
+      <a:defRPr sz="1200" kern="1200">
+        <a:solidFill>
+          <a:schemeClr val="tx1"/>
+        </a:solidFill>
+        <a:latin typeface="+mn-lt"/>
+        <a:ea typeface="+mn-ea"/>
+        <a:cs typeface="+mn-cs"/>
+      </a:defRPr>
+    </a:lvl9pPr>
+  </p:notesStyle>
+</p:notesMaster>
+</file>
+
+<file path=ppt/notesSlides/notesSlide1.xml><?xml version="1.0" encoding="utf-8"?>
+<p:notes xmlns:a="http://schemas.openxmlformats.org/drawingml/2006/main" xmlns:r="http://schemas.openxmlformats.org/officeDocument/2006/relationships" xmlns:p="http://schemas.openxmlformats.org/presentationml/2006/main">
+  <p:cSld>
+    <p:spTree>
+      <p:nvGrpSpPr>
+        <p:cNvPr id="1" name=""/>
+        <p:cNvGrpSpPr/>
+        <p:nvPr/>
+      </p:nvGrpSpPr>
+      <p:grpSpPr>
+        <a:xfrm>
+          <a:off x="0" y="0"/>
+          <a:ext cx="0" cy="0"/>
+          <a:chOff x="0" y="0"/>
+          <a:chExt cx="0" cy="0"/>
+        </a:xfrm>
+      </p:grpSpPr>
+      <p:sp>
+        <p:nvSpPr>
+          <p:cNvPr id="2" name="Slide Image Placeholder 1"/>
+          <p:cNvSpPr>
+            <a:spLocks noGrp="1" noRot="1" noChangeAspect="1"/>
+          </p:cNvSpPr>
+          <p:nvPr>
+            <p:ph type="sldImg"/>
+          </p:nvPr>
+        </p:nvSpPr>
+        <p:spPr/>
+      </p:sp>
+      <p:sp>
+        <p:nvSpPr>
+          <p:cNvPr id="3" name="Notes Placeholder 2"/>
+          <p:cNvSpPr>
+            <a:spLocks noGrp="1"/>
+          </p:cNvSpPr>
+          <p:nvPr>
+            <p:ph type="body" idx="1"/>
+          </p:nvPr>
+        </p:nvSpPr>
+        <p:spPr/>
+        <p:txBody>
+          <a:bodyPr/>
+          <a:lstStyle/>
+          <a:p>
+            <a:r>
+              <a:rPr lang="en-US" dirty="0"/>
+              <a:t>\U0001f633 is flushed face</a:t>
+            </a:r>
+          </a:p>
+          <a:p>
+            <a:r>
+              <a:rPr lang="en-US" dirty="0">
+                <a:sym typeface="Wingdings" panose="05000000000000000000" pitchFamily="2" charset="2"/>
+              </a:rPr>
+              <a:t>\U0001f4a0 is diamond shape with a dot inside</a:t>
+            </a:r>
+            <a:endParaRPr lang="en-US" dirty="0"/>
+          </a:p>
+        </p:txBody>
+      </p:sp>
+      <p:sp>
+        <p:nvSpPr>
+          <p:cNvPr id="4" name="Slide Number Placeholder 3"/>
+          <p:cNvSpPr>
+            <a:spLocks noGrp="1"/>
+          </p:cNvSpPr>
+          <p:nvPr>
+            <p:ph type="sldNum" sz="quarter" idx="5"/>
+          </p:nvPr>
+        </p:nvSpPr>
+        <p:spPr/>
+        <p:txBody>
+          <a:bodyPr/>
+          <a:lstStyle/>
+          <a:p>
+            <a:fld id="{B603C3AA-84E4-4A28-9167-E30261252DF9}" type="slidenum">
+              <a:rPr lang="en-US" smtClean="0"/>
+              <a:t>27</a:t>
+            </a:fld>
+            <a:endParaRPr lang="en-US"/>
+          </a:p>
+        </p:txBody>
+      </p:sp>
+    </p:spTree>
+    <p:extLst>
+      <p:ext uri="{BB962C8B-B14F-4D97-AF65-F5344CB8AC3E}">
+        <p14:creationId xmlns:p14="http://schemas.microsoft.com/office/powerpoint/2010/main" val="4279700128"/>
+      </p:ext>
+    </p:extLst>
+  </p:cSld>
+  <p:clrMapOvr>
+    <a:masterClrMapping/>
+  </p:clrMapOvr>
+</p:notes>
 </file>
 
 <file path=ppt/slideLayouts/slideLayout1.xml><?xml version="1.0" encoding="utf-8"?>
@@ -277,7 +749,7 @@
           <a:p>
             <a:fld id="{B0163545-E1C9-4676-B411-087136DE031F}" type="datetimeFigureOut">
               <a:rPr lang="en-US" smtClean="0"/>
-              <a:t>4/4/2019</a:t>
+              <a:t>5/3/2019</a:t>
             </a:fld>
             <a:endParaRPr lang="en-US"/>
           </a:p>
@@ -475,7 +947,7 @@
           <a:p>
             <a:fld id="{B0163545-E1C9-4676-B411-087136DE031F}" type="datetimeFigureOut">
               <a:rPr lang="en-US" smtClean="0"/>
-              <a:t>4/4/2019</a:t>
+              <a:t>5/3/2019</a:t>
             </a:fld>
             <a:endParaRPr lang="en-US"/>
           </a:p>
@@ -683,7 +1155,7 @@
           <a:p>
             <a:fld id="{B0163545-E1C9-4676-B411-087136DE031F}" type="datetimeFigureOut">
               <a:rPr lang="en-US" smtClean="0"/>
-              <a:t>4/4/2019</a:t>
+              <a:t>5/3/2019</a:t>
             </a:fld>
             <a:endParaRPr lang="en-US"/>
           </a:p>
@@ -881,7 +1353,7 @@
           <a:p>
             <a:fld id="{B0163545-E1C9-4676-B411-087136DE031F}" type="datetimeFigureOut">
               <a:rPr lang="en-US" smtClean="0"/>
-              <a:t>4/4/2019</a:t>
+              <a:t>5/3/2019</a:t>
             </a:fld>
             <a:endParaRPr lang="en-US"/>
           </a:p>
@@ -1156,7 +1628,7 @@
           <a:p>
             <a:fld id="{B0163545-E1C9-4676-B411-087136DE031F}" type="datetimeFigureOut">
               <a:rPr lang="en-US" smtClean="0"/>
-              <a:t>4/4/2019</a:t>
+              <a:t>5/3/2019</a:t>
             </a:fld>
             <a:endParaRPr lang="en-US"/>
           </a:p>
@@ -1421,7 +1893,7 @@
           <a:p>
             <a:fld id="{B0163545-E1C9-4676-B411-087136DE031F}" type="datetimeFigureOut">
               <a:rPr lang="en-US" smtClean="0"/>
-              <a:t>4/4/2019</a:t>
+              <a:t>5/3/2019</a:t>
             </a:fld>
             <a:endParaRPr lang="en-US"/>
           </a:p>
@@ -1833,7 +2305,7 @@
           <a:p>
             <a:fld id="{B0163545-E1C9-4676-B411-087136DE031F}" type="datetimeFigureOut">
               <a:rPr lang="en-US" smtClean="0"/>
-              <a:t>4/4/2019</a:t>
+              <a:t>5/3/2019</a:t>
             </a:fld>
             <a:endParaRPr lang="en-US"/>
           </a:p>
@@ -1974,7 +2446,7 @@
           <a:p>
             <a:fld id="{B0163545-E1C9-4676-B411-087136DE031F}" type="datetimeFigureOut">
               <a:rPr lang="en-US" smtClean="0"/>
-              <a:t>4/4/2019</a:t>
+              <a:t>5/3/2019</a:t>
             </a:fld>
             <a:endParaRPr lang="en-US"/>
           </a:p>
@@ -2087,7 +2559,7 @@
           <a:p>
             <a:fld id="{B0163545-E1C9-4676-B411-087136DE031F}" type="datetimeFigureOut">
               <a:rPr lang="en-US" smtClean="0"/>
-              <a:t>4/4/2019</a:t>
+              <a:t>5/3/2019</a:t>
             </a:fld>
             <a:endParaRPr lang="en-US"/>
           </a:p>
@@ -2398,7 +2870,7 @@
           <a:p>
             <a:fld id="{B0163545-E1C9-4676-B411-087136DE031F}" type="datetimeFigureOut">
               <a:rPr lang="en-US" smtClean="0"/>
-              <a:t>4/4/2019</a:t>
+              <a:t>5/3/2019</a:t>
             </a:fld>
             <a:endParaRPr lang="en-US"/>
           </a:p>
@@ -2686,7 +3158,7 @@
           <a:p>
             <a:fld id="{B0163545-E1C9-4676-B411-087136DE031F}" type="datetimeFigureOut">
               <a:rPr lang="en-US" smtClean="0"/>
-              <a:t>4/4/2019</a:t>
+              <a:t>5/3/2019</a:t>
             </a:fld>
             <a:endParaRPr lang="en-US"/>
           </a:p>
@@ -2927,7 +3399,7 @@
           <a:p>
             <a:fld id="{B0163545-E1C9-4676-B411-087136DE031F}" type="datetimeFigureOut">
               <a:rPr lang="en-US" smtClean="0"/>
-              <a:t>4/4/2019</a:t>
+              <a:t>5/3/2019</a:t>
             </a:fld>
             <a:endParaRPr lang="en-US"/>
           </a:p>
@@ -3503,7 +3975,7 @@
             <a:pPr lvl="1"/>
             <a:r>
               <a:rPr lang="en-US" dirty="0"/>
-              <a:t>Official accounts don’t get many compared to others</a:t>
+              <a:t>Official accounts don’t get many compared to other accounts</a:t>
             </a:r>
           </a:p>
           <a:p>
@@ -3798,21 +4270,14 @@
           <a:p>
             <a:r>
               <a:rPr lang="en-US" dirty="0"/>
-              <a:t>Generally more retweets than favorites</a:t>
+              <a:t>Generally more favorites than retweets!</a:t>
             </a:r>
           </a:p>
           <a:p>
             <a:pPr lvl="1"/>
             <a:r>
               <a:rPr lang="en-US" dirty="0"/>
-              <a:t>CHECK THIS</a:t>
-            </a:r>
-          </a:p>
-          <a:p>
-            <a:pPr lvl="1"/>
-            <a:r>
-              <a:rPr lang="en-US" dirty="0"/>
-              <a:t>DID I MIX UP AXES</a:t>
+              <a:t>The outliers ruin the visuals</a:t>
             </a:r>
           </a:p>
         </p:txBody>
@@ -3946,10 +4411,10 @@
       </p:sp>
       <p:pic>
         <p:nvPicPr>
-          <p:cNvPr id="5" name="Picture 4">
-            <a:extLst>
-              <a:ext uri="{FF2B5EF4-FFF2-40B4-BE49-F238E27FC236}">
-                <a16:creationId xmlns:a16="http://schemas.microsoft.com/office/drawing/2014/main" id="{43F4D810-E58D-4BB4-9561-4812838EA6BA}"/>
+          <p:cNvPr id="8" name="Picture 7" descr="A screenshot of a cell phone&#10;&#10;Description automatically generated">
+            <a:extLst>
+              <a:ext uri="{FF2B5EF4-FFF2-40B4-BE49-F238E27FC236}">
+                <a16:creationId xmlns:a16="http://schemas.microsoft.com/office/drawing/2014/main" id="{2434F7B0-725D-446D-873A-366EC1165BE8}"/>
               </a:ext>
             </a:extLst>
           </p:cNvPr>
@@ -3966,13 +4431,13 @@
               </a:ext>
             </a:extLst>
           </a:blip>
-          <a:srcRect b="14620"/>
+          <a:srcRect b="13723"/>
           <a:stretch/>
         </p:blipFill>
         <p:spPr>
           <a:xfrm>
-            <a:off x="1826794" y="2488406"/>
-            <a:ext cx="8538411" cy="4374063"/>
+            <a:off x="838200" y="2292700"/>
+            <a:ext cx="8819147" cy="4565299"/>
           </a:xfrm>
           <a:prstGeom prst="rect">
             <a:avLst/>
@@ -5200,7 +5665,7 @@
           <a:p>
             <a:r>
               <a:rPr lang="en-US" dirty="0"/>
-              <a:t>Can check time of day (SHOULD)</a:t>
+              <a:t>Can check time of day </a:t>
             </a:r>
           </a:p>
           <a:p>
@@ -5311,7 +5776,7 @@
           <a:p>
             <a:r>
               <a:rPr lang="en-US" dirty="0"/>
-              <a:t>Can check time of day (SHOULD)</a:t>
+              <a:t>Can check time of day</a:t>
             </a:r>
           </a:p>
           <a:p>
@@ -5472,7 +5937,7 @@
           <a:p>
             <a:r>
               <a:rPr lang="en-US" dirty="0"/>
-              <a:t>Can check time of day (SHOULD)</a:t>
+              <a:t>Can check time of day </a:t>
             </a:r>
           </a:p>
           <a:p>
@@ -5710,7 +6175,7 @@
           <p:cNvPr id="2" name="Title 1">
             <a:extLst>
               <a:ext uri="{FF2B5EF4-FFF2-40B4-BE49-F238E27FC236}">
-                <a16:creationId xmlns:a16="http://schemas.microsoft.com/office/drawing/2014/main" id="{9B3F8442-422C-463B-B47A-4093FCDF3013}"/>
+                <a16:creationId xmlns:a16="http://schemas.microsoft.com/office/drawing/2014/main" id="{A792A411-9C2F-44D4-8251-61F1A41DCE7F}"/>
               </a:ext>
             </a:extLst>
           </p:cNvPr>
@@ -5728,7 +6193,7 @@
           <a:p>
             <a:r>
               <a:rPr lang="en-US" dirty="0"/>
-              <a:t>Overview</a:t>
+              <a:t>NLP</a:t>
             </a:r>
           </a:p>
         </p:txBody>
@@ -5738,7 +6203,7 @@
           <p:cNvPr id="3" name="Content Placeholder 2">
             <a:extLst>
               <a:ext uri="{FF2B5EF4-FFF2-40B4-BE49-F238E27FC236}">
-                <a16:creationId xmlns:a16="http://schemas.microsoft.com/office/drawing/2014/main" id="{6AB39684-CE4E-4FF8-ADE9-CFC2B3DF6186}"/>
+                <a16:creationId xmlns:a16="http://schemas.microsoft.com/office/drawing/2014/main" id="{D48A90F3-3225-4484-B08A-C1A862B49712}"/>
               </a:ext>
             </a:extLst>
           </p:cNvPr>
@@ -5755,56 +6220,34 @@
           <a:lstStyle/>
           <a:p>
             <a:r>
-              <a:rPr lang="en-US" dirty="0">
-                <a:solidFill>
-                  <a:schemeClr val="bg2">
-                    <a:lumMod val="75000"/>
-                  </a:schemeClr>
-                </a:solidFill>
-              </a:rPr>
-              <a:t>What’s Bungie / Destiny 2?</a:t>
-            </a:r>
-          </a:p>
-          <a:p>
-            <a:r>
-              <a:rPr lang="en-US" dirty="0">
-                <a:solidFill>
-                  <a:schemeClr val="bg2">
-                    <a:lumMod val="75000"/>
-                  </a:schemeClr>
-                </a:solidFill>
-              </a:rPr>
-              <a:t>Getting Data From Twitter</a:t>
-            </a:r>
-          </a:p>
-          <a:p>
-            <a:r>
-              <a:rPr lang="en-US" dirty="0">
-                <a:solidFill>
-                  <a:schemeClr val="bg2">
-                    <a:lumMod val="75000"/>
-                  </a:schemeClr>
-                </a:solidFill>
-              </a:rPr>
-              <a:t>Exploratory Data Analysis</a:t>
-            </a:r>
-          </a:p>
-          <a:p>
-            <a:r>
-              <a:rPr lang="en-US" dirty="0">
-                <a:solidFill>
-                  <a:schemeClr val="bg2">
-                    <a:lumMod val="75000"/>
-                  </a:schemeClr>
-                </a:solidFill>
-              </a:rPr>
-              <a:t>Machine Learning Analysis</a:t>
-            </a:r>
-          </a:p>
-          <a:p>
-            <a:r>
-              <a:rPr lang="en-US" dirty="0"/>
-              <a:t>Conclusions</a:t>
+              <a:rPr lang="en-US" dirty="0"/>
+              <a:t>Don’t want to label ~48k tweets with sentiments</a:t>
+            </a:r>
+          </a:p>
+          <a:p>
+            <a:r>
+              <a:rPr lang="en-US" dirty="0"/>
+              <a:t>Package to do that for me?</a:t>
+            </a:r>
+          </a:p>
+          <a:p>
+            <a:pPr lvl="1"/>
+            <a:r>
+              <a:rPr lang="en-US" dirty="0"/>
+              <a:t>Feature Engineering rather than Machine Learning</a:t>
+            </a:r>
+          </a:p>
+          <a:p>
+            <a:r>
+              <a:rPr lang="en-US" dirty="0"/>
+              <a:t>VADER</a:t>
+            </a:r>
+          </a:p>
+          <a:p>
+            <a:pPr lvl="1"/>
+            <a:r>
+              <a:rPr lang="en-US" dirty="0"/>
+              <a:t>In NLTK</a:t>
             </a:r>
           </a:p>
         </p:txBody>
@@ -5812,7 +6255,1085 @@
     </p:spTree>
     <p:extLst>
       <p:ext uri="{BB962C8B-B14F-4D97-AF65-F5344CB8AC3E}">
-        <p14:creationId xmlns:p14="http://schemas.microsoft.com/office/powerpoint/2010/main" val="2939528607"/>
+        <p14:creationId xmlns:p14="http://schemas.microsoft.com/office/powerpoint/2010/main" val="994181292"/>
+      </p:ext>
+    </p:extLst>
+  </p:cSld>
+  <p:clrMapOvr>
+    <a:masterClrMapping/>
+  </p:clrMapOvr>
+</p:sld>
+</file>
+
+<file path=ppt/slides/slide25.xml><?xml version="1.0" encoding="utf-8"?>
+<p:sld xmlns:a="http://schemas.openxmlformats.org/drawingml/2006/main" xmlns:r="http://schemas.openxmlformats.org/officeDocument/2006/relationships" xmlns:p="http://schemas.openxmlformats.org/presentationml/2006/main">
+  <p:cSld>
+    <p:spTree>
+      <p:nvGrpSpPr>
+        <p:cNvPr id="1" name=""/>
+        <p:cNvGrpSpPr/>
+        <p:nvPr/>
+      </p:nvGrpSpPr>
+      <p:grpSpPr>
+        <a:xfrm>
+          <a:off x="0" y="0"/>
+          <a:ext cx="0" cy="0"/>
+          <a:chOff x="0" y="0"/>
+          <a:chExt cx="0" cy="0"/>
+        </a:xfrm>
+      </p:grpSpPr>
+      <p:sp>
+        <p:nvSpPr>
+          <p:cNvPr id="2" name="Title 1">
+            <a:extLst>
+              <a:ext uri="{FF2B5EF4-FFF2-40B4-BE49-F238E27FC236}">
+                <a16:creationId xmlns:a16="http://schemas.microsoft.com/office/drawing/2014/main" id="{F9DB6EF8-7B53-4C77-838F-B7F2E9BC172D}"/>
+              </a:ext>
+            </a:extLst>
+          </p:cNvPr>
+          <p:cNvSpPr>
+            <a:spLocks noGrp="1"/>
+          </p:cNvSpPr>
+          <p:nvPr>
+            <p:ph type="title"/>
+          </p:nvPr>
+        </p:nvSpPr>
+        <p:spPr/>
+        <p:txBody>
+          <a:bodyPr/>
+          <a:lstStyle/>
+          <a:p>
+            <a:r>
+              <a:rPr lang="en-US" dirty="0"/>
+              <a:t>Valence Aware Dictionary and </a:t>
+            </a:r>
+            <a:r>
+              <a:rPr lang="en-US" dirty="0" err="1"/>
+              <a:t>sEntiment</a:t>
+            </a:r>
+            <a:r>
+              <a:rPr lang="en-US" dirty="0"/>
+              <a:t> Reasoner</a:t>
+            </a:r>
+          </a:p>
+        </p:txBody>
+      </p:sp>
+      <p:sp>
+        <p:nvSpPr>
+          <p:cNvPr id="3" name="Content Placeholder 2">
+            <a:extLst>
+              <a:ext uri="{FF2B5EF4-FFF2-40B4-BE49-F238E27FC236}">
+                <a16:creationId xmlns:a16="http://schemas.microsoft.com/office/drawing/2014/main" id="{1AA4655D-0830-46C1-B2A7-EA1F6340CD1B}"/>
+              </a:ext>
+            </a:extLst>
+          </p:cNvPr>
+          <p:cNvSpPr>
+            <a:spLocks noGrp="1"/>
+          </p:cNvSpPr>
+          <p:nvPr>
+            <p:ph idx="1"/>
+          </p:nvPr>
+        </p:nvSpPr>
+        <p:spPr>
+          <a:xfrm>
+            <a:off x="838200" y="1825625"/>
+            <a:ext cx="10515600" cy="1325563"/>
+          </a:xfrm>
+        </p:spPr>
+        <p:txBody>
+          <a:bodyPr/>
+          <a:lstStyle/>
+          <a:p>
+            <a:r>
+              <a:rPr lang="en-US" dirty="0">
+                <a:hlinkClick r:id="rId2"/>
+              </a:rPr>
+              <a:t>https://github.com/cjhutto/vaderSentiment</a:t>
+            </a:r>
+            <a:endParaRPr lang="en-US" dirty="0"/>
+          </a:p>
+        </p:txBody>
+      </p:sp>
+      <p:pic>
+        <p:nvPicPr>
+          <p:cNvPr id="5" name="Picture 4" descr="A screenshot of a social media post&#10;&#10;Description automatically generated">
+            <a:extLst>
+              <a:ext uri="{FF2B5EF4-FFF2-40B4-BE49-F238E27FC236}">
+                <a16:creationId xmlns:a16="http://schemas.microsoft.com/office/drawing/2014/main" id="{71919FEF-2C89-4BE0-839C-E902F3B0F809}"/>
+              </a:ext>
+            </a:extLst>
+          </p:cNvPr>
+          <p:cNvPicPr>
+            <a:picLocks noChangeAspect="1"/>
+          </p:cNvPicPr>
+          <p:nvPr/>
+        </p:nvPicPr>
+        <p:blipFill>
+          <a:blip r:embed="rId3">
+            <a:extLst>
+              <a:ext uri="{28A0092B-C50C-407E-A947-70E740481C1C}">
+                <a14:useLocalDpi xmlns:a14="http://schemas.microsoft.com/office/drawing/2010/main" val="0"/>
+              </a:ext>
+            </a:extLst>
+          </a:blip>
+          <a:stretch>
+            <a:fillRect/>
+          </a:stretch>
+        </p:blipFill>
+        <p:spPr>
+          <a:xfrm>
+            <a:off x="838200" y="2468353"/>
+            <a:ext cx="9140540" cy="934496"/>
+          </a:xfrm>
+          <a:prstGeom prst="rect">
+            <a:avLst/>
+          </a:prstGeom>
+        </p:spPr>
+      </p:pic>
+      <p:sp>
+        <p:nvSpPr>
+          <p:cNvPr id="6" name="Content Placeholder 2">
+            <a:extLst>
+              <a:ext uri="{FF2B5EF4-FFF2-40B4-BE49-F238E27FC236}">
+                <a16:creationId xmlns:a16="http://schemas.microsoft.com/office/drawing/2014/main" id="{D05ECF13-05E3-4A3D-A5C1-B5324988638C}"/>
+              </a:ext>
+            </a:extLst>
+          </p:cNvPr>
+          <p:cNvSpPr txBox="1">
+            <a:spLocks/>
+          </p:cNvSpPr>
+          <p:nvPr/>
+        </p:nvSpPr>
+        <p:spPr>
+          <a:xfrm>
+            <a:off x="838200" y="3672222"/>
+            <a:ext cx="10515600" cy="2183146"/>
+          </a:xfrm>
+          <a:prstGeom prst="rect">
+            <a:avLst/>
+          </a:prstGeom>
+        </p:spPr>
+        <p:txBody>
+          <a:bodyPr vert="horz" lIns="91440" tIns="45720" rIns="91440" bIns="45720" rtlCol="0">
+            <a:normAutofit/>
+          </a:bodyPr>
+          <a:lstStyle>
+            <a:lvl1pPr marL="228600" indent="-228600" algn="l" defTabSz="914400" rtl="0" eaLnBrk="1" latinLnBrk="0" hangingPunct="1">
+              <a:lnSpc>
+                <a:spcPct val="90000"/>
+              </a:lnSpc>
+              <a:spcBef>
+                <a:spcPts val="1000"/>
+              </a:spcBef>
+              <a:buFont typeface="Arial" panose="020B0604020202020204" pitchFamily="34" charset="0"/>
+              <a:buChar char="•"/>
+              <a:defRPr sz="2800" kern="1200">
+                <a:solidFill>
+                  <a:schemeClr val="tx1"/>
+                </a:solidFill>
+                <a:latin typeface="+mn-lt"/>
+                <a:ea typeface="+mn-ea"/>
+                <a:cs typeface="+mn-cs"/>
+              </a:defRPr>
+            </a:lvl1pPr>
+            <a:lvl2pPr marL="685800" indent="-228600" algn="l" defTabSz="914400" rtl="0" eaLnBrk="1" latinLnBrk="0" hangingPunct="1">
+              <a:lnSpc>
+                <a:spcPct val="90000"/>
+              </a:lnSpc>
+              <a:spcBef>
+                <a:spcPts val="500"/>
+              </a:spcBef>
+              <a:buFont typeface="Arial" panose="020B0604020202020204" pitchFamily="34" charset="0"/>
+              <a:buChar char="•"/>
+              <a:defRPr sz="2400" kern="1200">
+                <a:solidFill>
+                  <a:schemeClr val="tx1"/>
+                </a:solidFill>
+                <a:latin typeface="+mn-lt"/>
+                <a:ea typeface="+mn-ea"/>
+                <a:cs typeface="+mn-cs"/>
+              </a:defRPr>
+            </a:lvl2pPr>
+            <a:lvl3pPr marL="1143000" indent="-228600" algn="l" defTabSz="914400" rtl="0" eaLnBrk="1" latinLnBrk="0" hangingPunct="1">
+              <a:lnSpc>
+                <a:spcPct val="90000"/>
+              </a:lnSpc>
+              <a:spcBef>
+                <a:spcPts val="500"/>
+              </a:spcBef>
+              <a:buFont typeface="Arial" panose="020B0604020202020204" pitchFamily="34" charset="0"/>
+              <a:buChar char="•"/>
+              <a:defRPr sz="2000" kern="1200">
+                <a:solidFill>
+                  <a:schemeClr val="tx1"/>
+                </a:solidFill>
+                <a:latin typeface="+mn-lt"/>
+                <a:ea typeface="+mn-ea"/>
+                <a:cs typeface="+mn-cs"/>
+              </a:defRPr>
+            </a:lvl3pPr>
+            <a:lvl4pPr marL="1600200" indent="-228600" algn="l" defTabSz="914400" rtl="0" eaLnBrk="1" latinLnBrk="0" hangingPunct="1">
+              <a:lnSpc>
+                <a:spcPct val="90000"/>
+              </a:lnSpc>
+              <a:spcBef>
+                <a:spcPts val="500"/>
+              </a:spcBef>
+              <a:buFont typeface="Arial" panose="020B0604020202020204" pitchFamily="34" charset="0"/>
+              <a:buChar char="•"/>
+              <a:defRPr sz="1800" kern="1200">
+                <a:solidFill>
+                  <a:schemeClr val="tx1"/>
+                </a:solidFill>
+                <a:latin typeface="+mn-lt"/>
+                <a:ea typeface="+mn-ea"/>
+                <a:cs typeface="+mn-cs"/>
+              </a:defRPr>
+            </a:lvl4pPr>
+            <a:lvl5pPr marL="2057400" indent="-228600" algn="l" defTabSz="914400" rtl="0" eaLnBrk="1" latinLnBrk="0" hangingPunct="1">
+              <a:lnSpc>
+                <a:spcPct val="90000"/>
+              </a:lnSpc>
+              <a:spcBef>
+                <a:spcPts val="500"/>
+              </a:spcBef>
+              <a:buFont typeface="Arial" panose="020B0604020202020204" pitchFamily="34" charset="0"/>
+              <a:buChar char="•"/>
+              <a:defRPr sz="1800" kern="1200">
+                <a:solidFill>
+                  <a:schemeClr val="tx1"/>
+                </a:solidFill>
+                <a:latin typeface="+mn-lt"/>
+                <a:ea typeface="+mn-ea"/>
+                <a:cs typeface="+mn-cs"/>
+              </a:defRPr>
+            </a:lvl5pPr>
+            <a:lvl6pPr marL="2514600" indent="-228600" algn="l" defTabSz="914400" rtl="0" eaLnBrk="1" latinLnBrk="0" hangingPunct="1">
+              <a:lnSpc>
+                <a:spcPct val="90000"/>
+              </a:lnSpc>
+              <a:spcBef>
+                <a:spcPts val="500"/>
+              </a:spcBef>
+              <a:buFont typeface="Arial" panose="020B0604020202020204" pitchFamily="34" charset="0"/>
+              <a:buChar char="•"/>
+              <a:defRPr sz="1800" kern="1200">
+                <a:solidFill>
+                  <a:schemeClr val="tx1"/>
+                </a:solidFill>
+                <a:latin typeface="+mn-lt"/>
+                <a:ea typeface="+mn-ea"/>
+                <a:cs typeface="+mn-cs"/>
+              </a:defRPr>
+            </a:lvl6pPr>
+            <a:lvl7pPr marL="2971800" indent="-228600" algn="l" defTabSz="914400" rtl="0" eaLnBrk="1" latinLnBrk="0" hangingPunct="1">
+              <a:lnSpc>
+                <a:spcPct val="90000"/>
+              </a:lnSpc>
+              <a:spcBef>
+                <a:spcPts val="500"/>
+              </a:spcBef>
+              <a:buFont typeface="Arial" panose="020B0604020202020204" pitchFamily="34" charset="0"/>
+              <a:buChar char="•"/>
+              <a:defRPr sz="1800" kern="1200">
+                <a:solidFill>
+                  <a:schemeClr val="tx1"/>
+                </a:solidFill>
+                <a:latin typeface="+mn-lt"/>
+                <a:ea typeface="+mn-ea"/>
+                <a:cs typeface="+mn-cs"/>
+              </a:defRPr>
+            </a:lvl7pPr>
+            <a:lvl8pPr marL="3429000" indent="-228600" algn="l" defTabSz="914400" rtl="0" eaLnBrk="1" latinLnBrk="0" hangingPunct="1">
+              <a:lnSpc>
+                <a:spcPct val="90000"/>
+              </a:lnSpc>
+              <a:spcBef>
+                <a:spcPts val="500"/>
+              </a:spcBef>
+              <a:buFont typeface="Arial" panose="020B0604020202020204" pitchFamily="34" charset="0"/>
+              <a:buChar char="•"/>
+              <a:defRPr sz="1800" kern="1200">
+                <a:solidFill>
+                  <a:schemeClr val="tx1"/>
+                </a:solidFill>
+                <a:latin typeface="+mn-lt"/>
+                <a:ea typeface="+mn-ea"/>
+                <a:cs typeface="+mn-cs"/>
+              </a:defRPr>
+            </a:lvl8pPr>
+            <a:lvl9pPr marL="3886200" indent="-228600" algn="l" defTabSz="914400" rtl="0" eaLnBrk="1" latinLnBrk="0" hangingPunct="1">
+              <a:lnSpc>
+                <a:spcPct val="90000"/>
+              </a:lnSpc>
+              <a:spcBef>
+                <a:spcPts val="500"/>
+              </a:spcBef>
+              <a:buFont typeface="Arial" panose="020B0604020202020204" pitchFamily="34" charset="0"/>
+              <a:buChar char="•"/>
+              <a:defRPr sz="1800" kern="1200">
+                <a:solidFill>
+                  <a:schemeClr val="tx1"/>
+                </a:solidFill>
+                <a:latin typeface="+mn-lt"/>
+                <a:ea typeface="+mn-ea"/>
+                <a:cs typeface="+mn-cs"/>
+              </a:defRPr>
+            </a:lvl9pPr>
+          </a:lstStyle>
+          <a:p>
+            <a:r>
+              <a:rPr lang="en-US" dirty="0"/>
+              <a:t>Specializes in social media text</a:t>
+            </a:r>
+          </a:p>
+          <a:p>
+            <a:r>
+              <a:rPr lang="en-US" dirty="0"/>
+              <a:t>Can interpret special text cases</a:t>
+            </a:r>
+          </a:p>
+          <a:p>
+            <a:pPr lvl="1"/>
+            <a:r>
+              <a:rPr lang="en-US" dirty="0"/>
+              <a:t>Emojis</a:t>
+            </a:r>
+          </a:p>
+          <a:p>
+            <a:pPr lvl="1"/>
+            <a:r>
+              <a:rPr lang="en-US" dirty="0"/>
+              <a:t>ALL CAPS</a:t>
+            </a:r>
+          </a:p>
+          <a:p>
+            <a:pPr lvl="1"/>
+            <a:r>
+              <a:rPr lang="en-US" dirty="0"/>
+              <a:t>Excessive punctuation</a:t>
+            </a:r>
+          </a:p>
+        </p:txBody>
+      </p:sp>
+    </p:spTree>
+    <p:extLst>
+      <p:ext uri="{BB962C8B-B14F-4D97-AF65-F5344CB8AC3E}">
+        <p14:creationId xmlns:p14="http://schemas.microsoft.com/office/powerpoint/2010/main" val="2452750481"/>
+      </p:ext>
+    </p:extLst>
+  </p:cSld>
+  <p:clrMapOvr>
+    <a:masterClrMapping/>
+  </p:clrMapOvr>
+</p:sld>
+</file>
+
+<file path=ppt/slides/slide26.xml><?xml version="1.0" encoding="utf-8"?>
+<p:sld xmlns:a="http://schemas.openxmlformats.org/drawingml/2006/main" xmlns:r="http://schemas.openxmlformats.org/officeDocument/2006/relationships" xmlns:p="http://schemas.openxmlformats.org/presentationml/2006/main">
+  <p:cSld>
+    <p:spTree>
+      <p:nvGrpSpPr>
+        <p:cNvPr id="1" name=""/>
+        <p:cNvGrpSpPr/>
+        <p:nvPr/>
+      </p:nvGrpSpPr>
+      <p:grpSpPr>
+        <a:xfrm>
+          <a:off x="0" y="0"/>
+          <a:ext cx="0" cy="0"/>
+          <a:chOff x="0" y="0"/>
+          <a:chExt cx="0" cy="0"/>
+        </a:xfrm>
+      </p:grpSpPr>
+      <p:sp>
+        <p:nvSpPr>
+          <p:cNvPr id="2" name="Title 1">
+            <a:extLst>
+              <a:ext uri="{FF2B5EF4-FFF2-40B4-BE49-F238E27FC236}">
+                <a16:creationId xmlns:a16="http://schemas.microsoft.com/office/drawing/2014/main" id="{16736D8D-518D-4570-9E97-F0F2211368FC}"/>
+              </a:ext>
+            </a:extLst>
+          </p:cNvPr>
+          <p:cNvSpPr>
+            <a:spLocks noGrp="1"/>
+          </p:cNvSpPr>
+          <p:nvPr>
+            <p:ph type="title"/>
+          </p:nvPr>
+        </p:nvSpPr>
+        <p:spPr/>
+        <p:txBody>
+          <a:bodyPr/>
+          <a:lstStyle/>
+          <a:p>
+            <a:r>
+              <a:rPr lang="en-US" dirty="0"/>
+              <a:t>VADER Scores</a:t>
+            </a:r>
+          </a:p>
+        </p:txBody>
+      </p:sp>
+      <p:sp>
+        <p:nvSpPr>
+          <p:cNvPr id="3" name="Content Placeholder 2">
+            <a:extLst>
+              <a:ext uri="{FF2B5EF4-FFF2-40B4-BE49-F238E27FC236}">
+                <a16:creationId xmlns:a16="http://schemas.microsoft.com/office/drawing/2014/main" id="{01B81E6F-BA60-4D2E-AF7A-654D3CF731F3}"/>
+              </a:ext>
+            </a:extLst>
+          </p:cNvPr>
+          <p:cNvSpPr>
+            <a:spLocks noGrp="1"/>
+          </p:cNvSpPr>
+          <p:nvPr>
+            <p:ph idx="1"/>
+          </p:nvPr>
+        </p:nvSpPr>
+        <p:spPr/>
+        <p:txBody>
+          <a:bodyPr/>
+          <a:lstStyle/>
+          <a:p>
+            <a:r>
+              <a:rPr lang="en-US" dirty="0"/>
+              <a:t>Vader will score Strings</a:t>
+            </a:r>
+          </a:p>
+          <a:p>
+            <a:r>
+              <a:rPr lang="en-US" dirty="0"/>
+              <a:t>Multivariate</a:t>
+            </a:r>
+          </a:p>
+          <a:p>
+            <a:pPr lvl="1"/>
+            <a:r>
+              <a:rPr lang="en-US" dirty="0"/>
+              <a:t>Positive: Proportion of words in the text that are positive</a:t>
+            </a:r>
+          </a:p>
+          <a:p>
+            <a:pPr lvl="1"/>
+            <a:r>
+              <a:rPr lang="en-US" dirty="0"/>
+              <a:t>Negative: Proportion of words in the text that are negative</a:t>
+            </a:r>
+          </a:p>
+          <a:p>
+            <a:pPr lvl="1"/>
+            <a:r>
+              <a:rPr lang="en-US" dirty="0"/>
+              <a:t>Neutral: Proportion of words in the text that are neutral</a:t>
+            </a:r>
+          </a:p>
+          <a:p>
+            <a:r>
+              <a:rPr lang="en-US" dirty="0"/>
+              <a:t>Univariate</a:t>
+            </a:r>
+          </a:p>
+          <a:p>
+            <a:pPr lvl="1"/>
+            <a:r>
+              <a:rPr lang="en-US" dirty="0"/>
+              <a:t>Compound: Score between -1 and 1</a:t>
+            </a:r>
+          </a:p>
+        </p:txBody>
+      </p:sp>
+    </p:spTree>
+    <p:extLst>
+      <p:ext uri="{BB962C8B-B14F-4D97-AF65-F5344CB8AC3E}">
+        <p14:creationId xmlns:p14="http://schemas.microsoft.com/office/powerpoint/2010/main" val="358684542"/>
+      </p:ext>
+    </p:extLst>
+  </p:cSld>
+  <p:clrMapOvr>
+    <a:masterClrMapping/>
+  </p:clrMapOvr>
+</p:sld>
+</file>
+
+<file path=ppt/slides/slide27.xml><?xml version="1.0" encoding="utf-8"?>
+<p:sld xmlns:a="http://schemas.openxmlformats.org/drawingml/2006/main" xmlns:r="http://schemas.openxmlformats.org/officeDocument/2006/relationships" xmlns:p="http://schemas.openxmlformats.org/presentationml/2006/main">
+  <p:cSld>
+    <p:spTree>
+      <p:nvGrpSpPr>
+        <p:cNvPr id="1" name=""/>
+        <p:cNvGrpSpPr/>
+        <p:nvPr/>
+      </p:nvGrpSpPr>
+      <p:grpSpPr>
+        <a:xfrm>
+          <a:off x="0" y="0"/>
+          <a:ext cx="0" cy="0"/>
+          <a:chOff x="0" y="0"/>
+          <a:chExt cx="0" cy="0"/>
+        </a:xfrm>
+      </p:grpSpPr>
+      <p:sp>
+        <p:nvSpPr>
+          <p:cNvPr id="2" name="Title 1">
+            <a:extLst>
+              <a:ext uri="{FF2B5EF4-FFF2-40B4-BE49-F238E27FC236}">
+                <a16:creationId xmlns:a16="http://schemas.microsoft.com/office/drawing/2014/main" id="{A959905F-8DC0-49CD-89C6-67E184C2A7F1}"/>
+              </a:ext>
+            </a:extLst>
+          </p:cNvPr>
+          <p:cNvSpPr>
+            <a:spLocks noGrp="1"/>
+          </p:cNvSpPr>
+          <p:nvPr>
+            <p:ph type="title"/>
+          </p:nvPr>
+        </p:nvSpPr>
+        <p:spPr/>
+        <p:txBody>
+          <a:bodyPr/>
+          <a:lstStyle/>
+          <a:p>
+            <a:r>
+              <a:rPr lang="en-US" dirty="0"/>
+              <a:t>VADER Score Examples</a:t>
+            </a:r>
+          </a:p>
+        </p:txBody>
+      </p:sp>
+      <p:sp>
+        <p:nvSpPr>
+          <p:cNvPr id="3" name="Content Placeholder 2">
+            <a:extLst>
+              <a:ext uri="{FF2B5EF4-FFF2-40B4-BE49-F238E27FC236}">
+                <a16:creationId xmlns:a16="http://schemas.microsoft.com/office/drawing/2014/main" id="{2E95C742-8441-4AC5-9D8F-36B085F743AA}"/>
+              </a:ext>
+            </a:extLst>
+          </p:cNvPr>
+          <p:cNvSpPr>
+            <a:spLocks noGrp="1"/>
+          </p:cNvSpPr>
+          <p:nvPr>
+            <p:ph idx="1"/>
+          </p:nvPr>
+        </p:nvSpPr>
+        <p:spPr>
+          <a:xfrm>
+            <a:off x="838200" y="1825625"/>
+            <a:ext cx="10515600" cy="4667250"/>
+          </a:xfrm>
+        </p:spPr>
+        <p:txBody>
+          <a:bodyPr>
+            <a:normAutofit/>
+          </a:bodyPr>
+          <a:lstStyle/>
+          <a:p>
+            <a:r>
+              <a:rPr lang="en-US" dirty="0"/>
+              <a:t>Neg: 0.815 “@Bungie Cancer”</a:t>
+            </a:r>
+          </a:p>
+          <a:p>
+            <a:r>
+              <a:rPr lang="en-US" dirty="0"/>
+              <a:t>Comp: -0.8552 “@Bungie It’s worst in Gambit Prime killed 3 envoys with hammerhead and we killed the prime evil only 2% increase are we serious \U0001f633”</a:t>
+            </a:r>
+          </a:p>
+          <a:p>
+            <a:r>
+              <a:rPr lang="en-US" dirty="0"/>
+              <a:t>Pos: 0.879 “@</a:t>
+            </a:r>
+            <a:r>
+              <a:rPr lang="en-US" dirty="0" err="1"/>
+              <a:t>DestinyTheGame</a:t>
+            </a:r>
+            <a:r>
+              <a:rPr lang="en-US" dirty="0"/>
+              <a:t> @Bungie Yes </a:t>
+            </a:r>
+            <a:r>
+              <a:rPr lang="en-US" dirty="0" err="1"/>
+              <a:t>yes</a:t>
+            </a:r>
+            <a:r>
+              <a:rPr lang="en-US" dirty="0"/>
+              <a:t> </a:t>
+            </a:r>
+            <a:r>
+              <a:rPr lang="en-US" dirty="0" err="1"/>
+              <a:t>yes</a:t>
+            </a:r>
+            <a:r>
+              <a:rPr lang="en-US" dirty="0"/>
+              <a:t> </a:t>
+            </a:r>
+            <a:r>
+              <a:rPr lang="en-US" dirty="0" err="1"/>
+              <a:t>yes</a:t>
+            </a:r>
+            <a:r>
+              <a:rPr lang="en-US" dirty="0"/>
+              <a:t> </a:t>
+            </a:r>
+            <a:r>
+              <a:rPr lang="en-US" dirty="0" err="1"/>
+              <a:t>YES</a:t>
+            </a:r>
+            <a:r>
+              <a:rPr lang="en-US" dirty="0"/>
+              <a:t>!”</a:t>
+            </a:r>
+          </a:p>
+          <a:p>
+            <a:r>
+              <a:rPr lang="en-US" dirty="0"/>
+              <a:t>Comp: 0.9836 “AAAAAAHHHH I forgot how fun Destiny 2 is. Gambit Prime is intense but super fun. :) :) </a:t>
+            </a:r>
+            <a:r>
+              <a:rPr lang="en-US" dirty="0">
+                <a:sym typeface="Wingdings" panose="05000000000000000000" pitchFamily="2" charset="2"/>
+              </a:rPr>
+              <a:t>:) :0 :)”</a:t>
+            </a:r>
+          </a:p>
+          <a:p>
+            <a:r>
+              <a:rPr lang="en-US" dirty="0">
+                <a:sym typeface="Wingdings" panose="05000000000000000000" pitchFamily="2" charset="2"/>
+              </a:rPr>
+              <a:t>Neu: 1.0 “RT @</a:t>
+            </a:r>
+            <a:r>
+              <a:rPr lang="en-US" dirty="0" err="1">
+                <a:sym typeface="Wingdings" panose="05000000000000000000" pitchFamily="2" charset="2"/>
+              </a:rPr>
+              <a:t>DestinyTheGame</a:t>
+            </a:r>
+            <a:r>
+              <a:rPr lang="en-US" dirty="0">
+                <a:sym typeface="Wingdings" panose="05000000000000000000" pitchFamily="2" charset="2"/>
+              </a:rPr>
+              <a:t>: Season of the Drifter is underway and the latest Bungie </a:t>
+            </a:r>
+            <a:r>
+              <a:rPr lang="en-US" dirty="0" err="1">
+                <a:sym typeface="Wingdings" panose="05000000000000000000" pitchFamily="2" charset="2"/>
+              </a:rPr>
+              <a:t>ViDoc</a:t>
+            </a:r>
+            <a:r>
+              <a:rPr lang="en-US" dirty="0">
+                <a:sym typeface="Wingdings" panose="05000000000000000000" pitchFamily="2" charset="2"/>
+              </a:rPr>
+              <a:t> outlines what to expect all season long. \U0001f4a0”</a:t>
+            </a:r>
+            <a:endParaRPr lang="en-US" dirty="0"/>
+          </a:p>
+        </p:txBody>
+      </p:sp>
+    </p:spTree>
+    <p:extLst>
+      <p:ext uri="{BB962C8B-B14F-4D97-AF65-F5344CB8AC3E}">
+        <p14:creationId xmlns:p14="http://schemas.microsoft.com/office/powerpoint/2010/main" val="4021783098"/>
+      </p:ext>
+    </p:extLst>
+  </p:cSld>
+  <p:clrMapOvr>
+    <a:masterClrMapping/>
+  </p:clrMapOvr>
+</p:sld>
+</file>
+
+<file path=ppt/slides/slide28.xml><?xml version="1.0" encoding="utf-8"?>
+<p:sld xmlns:a="http://schemas.openxmlformats.org/drawingml/2006/main" xmlns:r="http://schemas.openxmlformats.org/officeDocument/2006/relationships" xmlns:p="http://schemas.openxmlformats.org/presentationml/2006/main">
+  <p:cSld>
+    <p:spTree>
+      <p:nvGrpSpPr>
+        <p:cNvPr id="1" name=""/>
+        <p:cNvGrpSpPr/>
+        <p:nvPr/>
+      </p:nvGrpSpPr>
+      <p:grpSpPr>
+        <a:xfrm>
+          <a:off x="0" y="0"/>
+          <a:ext cx="0" cy="0"/>
+          <a:chOff x="0" y="0"/>
+          <a:chExt cx="0" cy="0"/>
+        </a:xfrm>
+      </p:grpSpPr>
+      <p:sp>
+        <p:nvSpPr>
+          <p:cNvPr id="2" name="Title 1">
+            <a:extLst>
+              <a:ext uri="{FF2B5EF4-FFF2-40B4-BE49-F238E27FC236}">
+                <a16:creationId xmlns:a16="http://schemas.microsoft.com/office/drawing/2014/main" id="{C7BECE2C-58B9-445A-9A4D-3D177EAA3735}"/>
+              </a:ext>
+            </a:extLst>
+          </p:cNvPr>
+          <p:cNvSpPr>
+            <a:spLocks noGrp="1"/>
+          </p:cNvSpPr>
+          <p:nvPr>
+            <p:ph type="title"/>
+          </p:nvPr>
+        </p:nvSpPr>
+        <p:spPr/>
+        <p:txBody>
+          <a:bodyPr/>
+          <a:lstStyle/>
+          <a:p>
+            <a:r>
+              <a:rPr lang="en-US" dirty="0"/>
+              <a:t>Feature Engineering and Processing</a:t>
+            </a:r>
+          </a:p>
+        </p:txBody>
+      </p:sp>
+      <mc:AlternateContent xmlns:mc="http://schemas.openxmlformats.org/markup-compatibility/2006">
+        <mc:Choice xmlns:a14="http://schemas.microsoft.com/office/drawing/2010/main" Requires="a14">
+          <p:sp>
+            <p:nvSpPr>
+              <p:cNvPr id="3" name="Content Placeholder 2">
+                <a:extLst>
+                  <a:ext uri="{FF2B5EF4-FFF2-40B4-BE49-F238E27FC236}">
+                    <a16:creationId xmlns:a16="http://schemas.microsoft.com/office/drawing/2014/main" id="{191F400C-4F61-4D8F-BE1A-E191CDC9AB95}"/>
+                  </a:ext>
+                </a:extLst>
+              </p:cNvPr>
+              <p:cNvSpPr>
+                <a:spLocks noGrp="1"/>
+              </p:cNvSpPr>
+              <p:nvPr>
+                <p:ph idx="1"/>
+              </p:nvPr>
+            </p:nvSpPr>
+            <p:spPr/>
+            <p:txBody>
+              <a:bodyPr/>
+              <a:lstStyle/>
+              <a:p>
+                <a:r>
+                  <a:rPr lang="en-US" dirty="0"/>
+                  <a:t>All 4 VADER scores</a:t>
+                </a:r>
+              </a:p>
+              <a:p>
+                <a:r>
+                  <a:rPr lang="en-US" dirty="0"/>
+                  <a:t>Options for the time since the last official account tweet</a:t>
+                </a:r>
+              </a:p>
+              <a:p>
+                <a:pPr lvl="1"/>
+                <a:r>
+                  <a:rPr lang="en-US" dirty="0"/>
+                  <a:t>Linear: </a:t>
+                </a:r>
+                <a14:m>
+                  <m:oMath xmlns:m="http://schemas.openxmlformats.org/officeDocument/2006/math">
+                    <m:r>
+                      <a:rPr lang="en-US" b="0" i="1" smtClean="0">
+                        <a:latin typeface="Cambria Math" panose="02040503050406030204" pitchFamily="18" charset="0"/>
+                      </a:rPr>
+                      <m:t>−</m:t>
+                    </m:r>
+                    <m:r>
+                      <a:rPr lang="en-US" b="0" i="1" smtClean="0">
+                        <a:latin typeface="Cambria Math" panose="02040503050406030204" pitchFamily="18" charset="0"/>
+                      </a:rPr>
+                      <m:t>𝑡</m:t>
+                    </m:r>
+                  </m:oMath>
+                </a14:m>
+                <a:endParaRPr lang="en-US" dirty="0"/>
+              </a:p>
+              <a:p>
+                <a:pPr lvl="1"/>
+                <a:r>
+                  <a:rPr lang="en-US" dirty="0"/>
+                  <a:t>Inverse: </a:t>
+                </a:r>
+                <a14:m>
+                  <m:oMath xmlns:m="http://schemas.openxmlformats.org/officeDocument/2006/math">
+                    <m:f>
+                      <m:fPr>
+                        <m:ctrlPr>
+                          <a:rPr lang="en-US" b="0" i="1" smtClean="0">
+                            <a:latin typeface="Cambria Math" panose="02040503050406030204" pitchFamily="18" charset="0"/>
+                          </a:rPr>
+                        </m:ctrlPr>
+                      </m:fPr>
+                      <m:num>
+                        <m:r>
+                          <a:rPr lang="en-US" b="0" i="1" smtClean="0">
+                            <a:latin typeface="Cambria Math" panose="02040503050406030204" pitchFamily="18" charset="0"/>
+                          </a:rPr>
+                          <m:t>1</m:t>
+                        </m:r>
+                      </m:num>
+                      <m:den>
+                        <m:r>
+                          <a:rPr lang="en-US" b="0" i="1" smtClean="0">
+                            <a:latin typeface="Cambria Math" panose="02040503050406030204" pitchFamily="18" charset="0"/>
+                          </a:rPr>
+                          <m:t>𝑡</m:t>
+                        </m:r>
+                      </m:den>
+                    </m:f>
+                  </m:oMath>
+                </a14:m>
+                <a:endParaRPr lang="en-US" b="0" dirty="0"/>
+              </a:p>
+              <a:p>
+                <a:pPr lvl="1"/>
+                <a:r>
+                  <a:rPr lang="en-US" dirty="0"/>
+                  <a:t>Exponential Decay: </a:t>
+                </a:r>
+                <a14:m>
+                  <m:oMath xmlns:m="http://schemas.openxmlformats.org/officeDocument/2006/math">
+                    <m:sSup>
+                      <m:sSupPr>
+                        <m:ctrlPr>
+                          <a:rPr lang="en-US" b="0" i="1" smtClean="0">
+                            <a:latin typeface="Cambria Math" panose="02040503050406030204" pitchFamily="18" charset="0"/>
+                          </a:rPr>
+                        </m:ctrlPr>
+                      </m:sSupPr>
+                      <m:e>
+                        <m:r>
+                          <a:rPr lang="en-US" b="0" i="1" smtClean="0">
+                            <a:latin typeface="Cambria Math" panose="02040503050406030204" pitchFamily="18" charset="0"/>
+                          </a:rPr>
+                          <m:t>𝑒</m:t>
+                        </m:r>
+                      </m:e>
+                      <m:sup>
+                        <m:r>
+                          <a:rPr lang="en-US" b="0" i="1" smtClean="0">
+                            <a:latin typeface="Cambria Math" panose="02040503050406030204" pitchFamily="18" charset="0"/>
+                          </a:rPr>
+                          <m:t>−</m:t>
+                        </m:r>
+                        <m:r>
+                          <a:rPr lang="en-US" b="0" i="1" smtClean="0">
+                            <a:latin typeface="Cambria Math" panose="02040503050406030204" pitchFamily="18" charset="0"/>
+                          </a:rPr>
+                          <m:t>𝑡</m:t>
+                        </m:r>
+                      </m:sup>
+                    </m:sSup>
+                  </m:oMath>
+                </a14:m>
+                <a:endParaRPr lang="en-US" b="0" dirty="0"/>
+              </a:p>
+              <a:p>
+                <a:r>
+                  <a:rPr lang="en-US" dirty="0"/>
+                  <a:t>Scale the Data</a:t>
+                </a:r>
+              </a:p>
+              <a:p>
+                <a:pPr lvl="1"/>
+                <a:r>
+                  <a:rPr lang="en-US" dirty="0"/>
+                  <a:t>0 – 1</a:t>
+                </a:r>
+              </a:p>
+              <a:p>
+                <a:r>
+                  <a:rPr lang="en-US" dirty="0"/>
+                  <a:t>Train test split</a:t>
+                </a:r>
+              </a:p>
+              <a:p>
+                <a:pPr lvl="1"/>
+                <a:r>
+                  <a:rPr lang="en-US" dirty="0"/>
+                  <a:t>Test size is 30%</a:t>
+                </a:r>
+              </a:p>
+            </p:txBody>
+          </p:sp>
+        </mc:Choice>
+        <mc:Fallback>
+          <p:sp>
+            <p:nvSpPr>
+              <p:cNvPr id="3" name="Content Placeholder 2">
+                <a:extLst>
+                  <a:ext uri="{FF2B5EF4-FFF2-40B4-BE49-F238E27FC236}">
+                    <a16:creationId xmlns:a16="http://schemas.microsoft.com/office/drawing/2014/main" id="{191F400C-4F61-4D8F-BE1A-E191CDC9AB95}"/>
+                  </a:ext>
+                </a:extLst>
+              </p:cNvPr>
+              <p:cNvSpPr>
+                <a:spLocks noGrp="1" noRot="1" noChangeAspect="1" noMove="1" noResize="1" noEditPoints="1" noAdjustHandles="1" noChangeArrowheads="1" noChangeShapeType="1" noTextEdit="1"/>
+              </p:cNvSpPr>
+              <p:nvPr>
+                <p:ph idx="1"/>
+              </p:nvPr>
+            </p:nvSpPr>
+            <p:spPr>
+              <a:blipFill>
+                <a:blip r:embed="rId2"/>
+                <a:stretch>
+                  <a:fillRect l="-1043" t="-2241"/>
+                </a:stretch>
+              </a:blipFill>
+            </p:spPr>
+            <p:txBody>
+              <a:bodyPr/>
+              <a:lstStyle/>
+              <a:p>
+                <a:r>
+                  <a:rPr lang="en-US">
+                    <a:noFill/>
+                  </a:rPr>
+                  <a:t> </a:t>
+                </a:r>
+              </a:p>
+            </p:txBody>
+          </p:sp>
+        </mc:Fallback>
+      </mc:AlternateContent>
+    </p:spTree>
+    <p:extLst>
+      <p:ext uri="{BB962C8B-B14F-4D97-AF65-F5344CB8AC3E}">
+        <p14:creationId xmlns:p14="http://schemas.microsoft.com/office/powerpoint/2010/main" val="3627632288"/>
+      </p:ext>
+    </p:extLst>
+  </p:cSld>
+  <p:clrMapOvr>
+    <a:masterClrMapping/>
+  </p:clrMapOvr>
+</p:sld>
+</file>
+
+<file path=ppt/slides/slide29.xml><?xml version="1.0" encoding="utf-8"?>
+<p:sld xmlns:a="http://schemas.openxmlformats.org/drawingml/2006/main" xmlns:r="http://schemas.openxmlformats.org/officeDocument/2006/relationships" xmlns:p="http://schemas.openxmlformats.org/presentationml/2006/main">
+  <p:cSld>
+    <p:spTree>
+      <p:nvGrpSpPr>
+        <p:cNvPr id="1" name=""/>
+        <p:cNvGrpSpPr/>
+        <p:nvPr/>
+      </p:nvGrpSpPr>
+      <p:grpSpPr>
+        <a:xfrm>
+          <a:off x="0" y="0"/>
+          <a:ext cx="0" cy="0"/>
+          <a:chOff x="0" y="0"/>
+          <a:chExt cx="0" cy="0"/>
+        </a:xfrm>
+      </p:grpSpPr>
+      <p:sp>
+        <p:nvSpPr>
+          <p:cNvPr id="2" name="Title 1">
+            <a:extLst>
+              <a:ext uri="{FF2B5EF4-FFF2-40B4-BE49-F238E27FC236}">
+                <a16:creationId xmlns:a16="http://schemas.microsoft.com/office/drawing/2014/main" id="{3F549D80-A38B-47FC-B6CF-09EB3343D24B}"/>
+              </a:ext>
+            </a:extLst>
+          </p:cNvPr>
+          <p:cNvSpPr>
+            <a:spLocks noGrp="1"/>
+          </p:cNvSpPr>
+          <p:nvPr>
+            <p:ph type="title"/>
+          </p:nvPr>
+        </p:nvSpPr>
+        <p:spPr/>
+        <p:txBody>
+          <a:bodyPr/>
+          <a:lstStyle/>
+          <a:p>
+            <a:r>
+              <a:rPr lang="en-US" dirty="0"/>
+              <a:t>ML Model 1</a:t>
+            </a:r>
+          </a:p>
+        </p:txBody>
+      </p:sp>
+      <p:sp>
+        <p:nvSpPr>
+          <p:cNvPr id="3" name="Content Placeholder 2">
+            <a:extLst>
+              <a:ext uri="{FF2B5EF4-FFF2-40B4-BE49-F238E27FC236}">
+                <a16:creationId xmlns:a16="http://schemas.microsoft.com/office/drawing/2014/main" id="{6121BA8C-861D-4624-BF1B-0E996B3F84C7}"/>
+              </a:ext>
+            </a:extLst>
+          </p:cNvPr>
+          <p:cNvSpPr>
+            <a:spLocks noGrp="1"/>
+          </p:cNvSpPr>
+          <p:nvPr>
+            <p:ph idx="1"/>
+          </p:nvPr>
+        </p:nvSpPr>
+        <p:spPr/>
+        <p:txBody>
+          <a:bodyPr/>
+          <a:lstStyle/>
+          <a:p>
+            <a:r>
+              <a:rPr lang="en-US" dirty="0"/>
+              <a:t>Predict number of retweets</a:t>
+            </a:r>
+          </a:p>
+          <a:p>
+            <a:pPr lvl="1"/>
+            <a:r>
+              <a:rPr lang="en-US" dirty="0"/>
+              <a:t>Best metric for Twitter engagement</a:t>
+            </a:r>
+          </a:p>
+          <a:p>
+            <a:r>
+              <a:rPr lang="en-US" dirty="0"/>
+              <a:t>Linear Regression</a:t>
+            </a:r>
+          </a:p>
+          <a:p>
+            <a:pPr lvl="1"/>
+            <a:r>
+              <a:rPr lang="en-US" dirty="0"/>
+              <a:t>Vary the time column</a:t>
+            </a:r>
+          </a:p>
+          <a:p>
+            <a:pPr lvl="1"/>
+            <a:r>
+              <a:rPr lang="en-US" dirty="0"/>
+              <a:t>Vary the scaling</a:t>
+            </a:r>
+          </a:p>
+          <a:p>
+            <a:pPr lvl="1"/>
+            <a:r>
+              <a:rPr lang="en-US" dirty="0"/>
+              <a:t>Remove negative time values</a:t>
+            </a:r>
+          </a:p>
+          <a:p>
+            <a:r>
+              <a:rPr lang="en-US" dirty="0"/>
+              <a:t>Performed terribly</a:t>
+            </a:r>
+          </a:p>
+          <a:p>
+            <a:pPr lvl="1"/>
+            <a:r>
+              <a:rPr lang="en-US" dirty="0"/>
+              <a:t>All the R-squared values were very low (&gt; 0.0007)</a:t>
+            </a:r>
+          </a:p>
+        </p:txBody>
+      </p:sp>
+    </p:spTree>
+    <p:extLst>
+      <p:ext uri="{BB962C8B-B14F-4D97-AF65-F5344CB8AC3E}">
+        <p14:creationId xmlns:p14="http://schemas.microsoft.com/office/powerpoint/2010/main" val="4075310593"/>
       </p:ext>
     </p:extLst>
   </p:cSld>
@@ -5956,6 +7477,2420 @@
 </p:sld>
 </file>
 
+<file path=ppt/slides/slide30.xml><?xml version="1.0" encoding="utf-8"?>
+<p:sld xmlns:a="http://schemas.openxmlformats.org/drawingml/2006/main" xmlns:r="http://schemas.openxmlformats.org/officeDocument/2006/relationships" xmlns:p="http://schemas.openxmlformats.org/presentationml/2006/main">
+  <p:cSld>
+    <p:spTree>
+      <p:nvGrpSpPr>
+        <p:cNvPr id="1" name=""/>
+        <p:cNvGrpSpPr/>
+        <p:nvPr/>
+      </p:nvGrpSpPr>
+      <p:grpSpPr>
+        <a:xfrm>
+          <a:off x="0" y="0"/>
+          <a:ext cx="0" cy="0"/>
+          <a:chOff x="0" y="0"/>
+          <a:chExt cx="0" cy="0"/>
+        </a:xfrm>
+      </p:grpSpPr>
+      <p:sp>
+        <p:nvSpPr>
+          <p:cNvPr id="2" name="Title 1">
+            <a:extLst>
+              <a:ext uri="{FF2B5EF4-FFF2-40B4-BE49-F238E27FC236}">
+                <a16:creationId xmlns:a16="http://schemas.microsoft.com/office/drawing/2014/main" id="{94F26024-C604-4E0B-B933-EBB93B4A285B}"/>
+              </a:ext>
+            </a:extLst>
+          </p:cNvPr>
+          <p:cNvSpPr>
+            <a:spLocks noGrp="1"/>
+          </p:cNvSpPr>
+          <p:nvPr>
+            <p:ph type="title"/>
+          </p:nvPr>
+        </p:nvSpPr>
+        <p:spPr/>
+        <p:txBody>
+          <a:bodyPr/>
+          <a:lstStyle/>
+          <a:p>
+            <a:r>
+              <a:rPr lang="en-US" dirty="0"/>
+              <a:t>ML Model 1</a:t>
+            </a:r>
+          </a:p>
+        </p:txBody>
+      </p:sp>
+      <p:sp>
+        <p:nvSpPr>
+          <p:cNvPr id="3" name="Content Placeholder 2">
+            <a:extLst>
+              <a:ext uri="{FF2B5EF4-FFF2-40B4-BE49-F238E27FC236}">
+                <a16:creationId xmlns:a16="http://schemas.microsoft.com/office/drawing/2014/main" id="{B5B0D36D-83EA-4C65-8696-1D2FC8A467CB}"/>
+              </a:ext>
+            </a:extLst>
+          </p:cNvPr>
+          <p:cNvSpPr>
+            <a:spLocks noGrp="1"/>
+          </p:cNvSpPr>
+          <p:nvPr>
+            <p:ph idx="1"/>
+          </p:nvPr>
+        </p:nvSpPr>
+        <p:spPr/>
+        <p:txBody>
+          <a:bodyPr/>
+          <a:lstStyle/>
+          <a:p>
+            <a:r>
+              <a:rPr lang="en-US" dirty="0"/>
+              <a:t>Exact retweet numbers</a:t>
+            </a:r>
+          </a:p>
+          <a:p>
+            <a:pPr lvl="1"/>
+            <a:r>
+              <a:rPr lang="en-US" dirty="0"/>
+              <a:t>Lots of randomness</a:t>
+            </a:r>
+          </a:p>
+          <a:p>
+            <a:r>
+              <a:rPr lang="en-US" dirty="0"/>
+              <a:t>Would need a hugely complex model to get a good accuracy</a:t>
+            </a:r>
+          </a:p>
+          <a:p>
+            <a:r>
+              <a:rPr lang="en-US" dirty="0"/>
+              <a:t>Tried a random forest regressor</a:t>
+            </a:r>
+          </a:p>
+          <a:p>
+            <a:pPr lvl="1"/>
+            <a:r>
+              <a:rPr lang="en-US" dirty="0"/>
+              <a:t>Also did not perform well</a:t>
+            </a:r>
+          </a:p>
+          <a:p>
+            <a:r>
+              <a:rPr lang="en-US" dirty="0"/>
+              <a:t>What now?</a:t>
+            </a:r>
+          </a:p>
+        </p:txBody>
+      </p:sp>
+    </p:spTree>
+    <p:extLst>
+      <p:ext uri="{BB962C8B-B14F-4D97-AF65-F5344CB8AC3E}">
+        <p14:creationId xmlns:p14="http://schemas.microsoft.com/office/powerpoint/2010/main" val="3765152087"/>
+      </p:ext>
+    </p:extLst>
+  </p:cSld>
+  <p:clrMapOvr>
+    <a:masterClrMapping/>
+  </p:clrMapOvr>
+</p:sld>
+</file>
+
+<file path=ppt/slides/slide31.xml><?xml version="1.0" encoding="utf-8"?>
+<p:sld xmlns:a="http://schemas.openxmlformats.org/drawingml/2006/main" xmlns:r="http://schemas.openxmlformats.org/officeDocument/2006/relationships" xmlns:p="http://schemas.openxmlformats.org/presentationml/2006/main">
+  <p:cSld>
+    <p:spTree>
+      <p:nvGrpSpPr>
+        <p:cNvPr id="1" name=""/>
+        <p:cNvGrpSpPr/>
+        <p:nvPr/>
+      </p:nvGrpSpPr>
+      <p:grpSpPr>
+        <a:xfrm>
+          <a:off x="0" y="0"/>
+          <a:ext cx="0" cy="0"/>
+          <a:chOff x="0" y="0"/>
+          <a:chExt cx="0" cy="0"/>
+        </a:xfrm>
+      </p:grpSpPr>
+      <p:sp>
+        <p:nvSpPr>
+          <p:cNvPr id="2" name="Title 1">
+            <a:extLst>
+              <a:ext uri="{FF2B5EF4-FFF2-40B4-BE49-F238E27FC236}">
+                <a16:creationId xmlns:a16="http://schemas.microsoft.com/office/drawing/2014/main" id="{BAA0B20E-11C6-4F22-826A-16A734EE3A63}"/>
+              </a:ext>
+            </a:extLst>
+          </p:cNvPr>
+          <p:cNvSpPr>
+            <a:spLocks noGrp="1"/>
+          </p:cNvSpPr>
+          <p:nvPr>
+            <p:ph type="title"/>
+          </p:nvPr>
+        </p:nvSpPr>
+        <p:spPr/>
+        <p:txBody>
+          <a:bodyPr/>
+          <a:lstStyle/>
+          <a:p>
+            <a:r>
+              <a:rPr lang="en-US" dirty="0"/>
+              <a:t>ML Model 2</a:t>
+            </a:r>
+          </a:p>
+        </p:txBody>
+      </p:sp>
+      <p:sp>
+        <p:nvSpPr>
+          <p:cNvPr id="3" name="Content Placeholder 2">
+            <a:extLst>
+              <a:ext uri="{FF2B5EF4-FFF2-40B4-BE49-F238E27FC236}">
+                <a16:creationId xmlns:a16="http://schemas.microsoft.com/office/drawing/2014/main" id="{937C7A15-3356-487A-883E-597D20AE20BB}"/>
+              </a:ext>
+            </a:extLst>
+          </p:cNvPr>
+          <p:cNvSpPr>
+            <a:spLocks noGrp="1"/>
+          </p:cNvSpPr>
+          <p:nvPr>
+            <p:ph idx="1"/>
+          </p:nvPr>
+        </p:nvSpPr>
+        <p:spPr/>
+        <p:txBody>
+          <a:bodyPr/>
+          <a:lstStyle/>
+          <a:p>
+            <a:r>
+              <a:rPr lang="en-US" dirty="0"/>
+              <a:t>Retweets are important</a:t>
+            </a:r>
+          </a:p>
+          <a:p>
+            <a:r>
+              <a:rPr lang="en-US" dirty="0"/>
+              <a:t>Predict a range</a:t>
+            </a:r>
+          </a:p>
+          <a:p>
+            <a:r>
+              <a:rPr lang="en-US" dirty="0"/>
+              <a:t>Class 0: 0 – 99 retweets</a:t>
+            </a:r>
+          </a:p>
+          <a:p>
+            <a:r>
+              <a:rPr lang="en-US" dirty="0"/>
+              <a:t>Class 1: 100 – 9999 retweets</a:t>
+            </a:r>
+          </a:p>
+          <a:p>
+            <a:r>
+              <a:rPr lang="en-US" dirty="0"/>
+              <a:t>Class 2: 10000+ retweets</a:t>
+            </a:r>
+          </a:p>
+          <a:p>
+            <a:r>
+              <a:rPr lang="en-US" dirty="0"/>
+              <a:t>Classification problem</a:t>
+            </a:r>
+          </a:p>
+          <a:p>
+            <a:pPr lvl="1"/>
+            <a:r>
+              <a:rPr lang="en-US" dirty="0"/>
+              <a:t>K Nearest Neighbors</a:t>
+            </a:r>
+          </a:p>
+          <a:p>
+            <a:pPr lvl="1"/>
+            <a:r>
+              <a:rPr lang="en-US" dirty="0"/>
+              <a:t>Random Forests</a:t>
+            </a:r>
+          </a:p>
+        </p:txBody>
+      </p:sp>
+    </p:spTree>
+    <p:extLst>
+      <p:ext uri="{BB962C8B-B14F-4D97-AF65-F5344CB8AC3E}">
+        <p14:creationId xmlns:p14="http://schemas.microsoft.com/office/powerpoint/2010/main" val="3019877869"/>
+      </p:ext>
+    </p:extLst>
+  </p:cSld>
+  <p:clrMapOvr>
+    <a:masterClrMapping/>
+  </p:clrMapOvr>
+</p:sld>
+</file>
+
+<file path=ppt/slides/slide32.xml><?xml version="1.0" encoding="utf-8"?>
+<p:sld xmlns:a="http://schemas.openxmlformats.org/drawingml/2006/main" xmlns:r="http://schemas.openxmlformats.org/officeDocument/2006/relationships" xmlns:p="http://schemas.openxmlformats.org/presentationml/2006/main">
+  <p:cSld>
+    <p:spTree>
+      <p:nvGrpSpPr>
+        <p:cNvPr id="1" name=""/>
+        <p:cNvGrpSpPr/>
+        <p:nvPr/>
+      </p:nvGrpSpPr>
+      <p:grpSpPr>
+        <a:xfrm>
+          <a:off x="0" y="0"/>
+          <a:ext cx="0" cy="0"/>
+          <a:chOff x="0" y="0"/>
+          <a:chExt cx="0" cy="0"/>
+        </a:xfrm>
+      </p:grpSpPr>
+      <p:sp>
+        <p:nvSpPr>
+          <p:cNvPr id="2" name="Title 1">
+            <a:extLst>
+              <a:ext uri="{FF2B5EF4-FFF2-40B4-BE49-F238E27FC236}">
+                <a16:creationId xmlns:a16="http://schemas.microsoft.com/office/drawing/2014/main" id="{B2FD0545-8F19-4B75-A224-608967039821}"/>
+              </a:ext>
+            </a:extLst>
+          </p:cNvPr>
+          <p:cNvSpPr>
+            <a:spLocks noGrp="1"/>
+          </p:cNvSpPr>
+          <p:nvPr>
+            <p:ph type="title"/>
+          </p:nvPr>
+        </p:nvSpPr>
+        <p:spPr/>
+        <p:txBody>
+          <a:bodyPr/>
+          <a:lstStyle/>
+          <a:p>
+            <a:r>
+              <a:rPr lang="en-US" dirty="0"/>
+              <a:t>ML Model 2</a:t>
+            </a:r>
+          </a:p>
+        </p:txBody>
+      </p:sp>
+      <p:sp>
+        <p:nvSpPr>
+          <p:cNvPr id="3" name="Content Placeholder 2">
+            <a:extLst>
+              <a:ext uri="{FF2B5EF4-FFF2-40B4-BE49-F238E27FC236}">
+                <a16:creationId xmlns:a16="http://schemas.microsoft.com/office/drawing/2014/main" id="{4BF36D45-455A-4AF5-9A65-1C26FBD6FF13}"/>
+              </a:ext>
+            </a:extLst>
+          </p:cNvPr>
+          <p:cNvSpPr>
+            <a:spLocks noGrp="1"/>
+          </p:cNvSpPr>
+          <p:nvPr>
+            <p:ph idx="1"/>
+          </p:nvPr>
+        </p:nvSpPr>
+        <p:spPr>
+          <a:xfrm>
+            <a:off x="838200" y="1825625"/>
+            <a:ext cx="10515600" cy="2249070"/>
+          </a:xfrm>
+        </p:spPr>
+        <p:txBody>
+          <a:bodyPr/>
+          <a:lstStyle/>
+          <a:p>
+            <a:r>
+              <a:rPr lang="en-US" dirty="0"/>
+              <a:t>K Nearest Neighbors Classifier</a:t>
+            </a:r>
+          </a:p>
+          <a:p>
+            <a:r>
+              <a:rPr lang="en-US" dirty="0"/>
+              <a:t>Test Score: 0.901</a:t>
+            </a:r>
+          </a:p>
+          <a:p>
+            <a:r>
+              <a:rPr lang="en-US" dirty="0"/>
+              <a:t>After hyperparameter tuning: 0.915</a:t>
+            </a:r>
+          </a:p>
+          <a:p>
+            <a:r>
+              <a:rPr lang="en-US" dirty="0"/>
+              <a:t>Confusion matrix:</a:t>
+            </a:r>
+          </a:p>
+          <a:p>
+            <a:endParaRPr lang="en-US" dirty="0"/>
+          </a:p>
+        </p:txBody>
+      </p:sp>
+      <p:graphicFrame>
+        <p:nvGraphicFramePr>
+          <p:cNvPr id="4" name="Table 3">
+            <a:extLst>
+              <a:ext uri="{FF2B5EF4-FFF2-40B4-BE49-F238E27FC236}">
+                <a16:creationId xmlns:a16="http://schemas.microsoft.com/office/drawing/2014/main" id="{A0688F38-6E26-4033-B8DF-B56A6160F475}"/>
+              </a:ext>
+            </a:extLst>
+          </p:cNvPr>
+          <p:cNvGraphicFramePr>
+            <a:graphicFrameLocks noGrp="1"/>
+          </p:cNvGraphicFramePr>
+          <p:nvPr>
+            <p:extLst>
+              <p:ext uri="{D42A27DB-BD31-4B8C-83A1-F6EECF244321}">
+                <p14:modId xmlns:p14="http://schemas.microsoft.com/office/powerpoint/2010/main" val="1445368111"/>
+              </p:ext>
+            </p:extLst>
+          </p:nvPr>
+        </p:nvGraphicFramePr>
+        <p:xfrm>
+          <a:off x="838200" y="4074695"/>
+          <a:ext cx="6075948" cy="1483360"/>
+        </p:xfrm>
+        <a:graphic>
+          <a:graphicData uri="http://schemas.openxmlformats.org/drawingml/2006/table">
+            <a:tbl>
+              <a:tblPr firstRow="1" bandRow="1">
+                <a:tableStyleId>{073A0DAA-6AF3-43AB-8588-CEC1D06C72B9}</a:tableStyleId>
+              </a:tblPr>
+              <a:tblGrid>
+                <a:gridCol w="1518987">
+                  <a:extLst>
+                    <a:ext uri="{9D8B030D-6E8A-4147-A177-3AD203B41FA5}">
+                      <a16:colId xmlns:a16="http://schemas.microsoft.com/office/drawing/2014/main" val="1932336925"/>
+                    </a:ext>
+                  </a:extLst>
+                </a:gridCol>
+                <a:gridCol w="1518987">
+                  <a:extLst>
+                    <a:ext uri="{9D8B030D-6E8A-4147-A177-3AD203B41FA5}">
+                      <a16:colId xmlns:a16="http://schemas.microsoft.com/office/drawing/2014/main" val="976667985"/>
+                    </a:ext>
+                  </a:extLst>
+                </a:gridCol>
+                <a:gridCol w="1518987">
+                  <a:extLst>
+                    <a:ext uri="{9D8B030D-6E8A-4147-A177-3AD203B41FA5}">
+                      <a16:colId xmlns:a16="http://schemas.microsoft.com/office/drawing/2014/main" val="1701535771"/>
+                    </a:ext>
+                  </a:extLst>
+                </a:gridCol>
+                <a:gridCol w="1518987">
+                  <a:extLst>
+                    <a:ext uri="{9D8B030D-6E8A-4147-A177-3AD203B41FA5}">
+                      <a16:colId xmlns:a16="http://schemas.microsoft.com/office/drawing/2014/main" val="2550466864"/>
+                    </a:ext>
+                  </a:extLst>
+                </a:gridCol>
+              </a:tblGrid>
+              <a:tr h="370840">
+                <a:tc>
+                  <a:txBody>
+                    <a:bodyPr/>
+                    <a:lstStyle/>
+                    <a:p>
+                      <a:r>
+                        <a:rPr lang="en-US" dirty="0"/>
+                        <a:t>Predictions</a:t>
+                      </a:r>
+                    </a:p>
+                  </a:txBody>
+                  <a:tcPr/>
+                </a:tc>
+                <a:tc>
+                  <a:txBody>
+                    <a:bodyPr/>
+                    <a:lstStyle/>
+                    <a:p>
+                      <a:r>
+                        <a:rPr lang="en-US" dirty="0"/>
+                        <a:t>Class 0</a:t>
+                      </a:r>
+                    </a:p>
+                  </a:txBody>
+                  <a:tcPr/>
+                </a:tc>
+                <a:tc>
+                  <a:txBody>
+                    <a:bodyPr/>
+                    <a:lstStyle/>
+                    <a:p>
+                      <a:r>
+                        <a:rPr lang="en-US" dirty="0"/>
+                        <a:t>Class 1</a:t>
+                      </a:r>
+                    </a:p>
+                  </a:txBody>
+                  <a:tcPr/>
+                </a:tc>
+                <a:tc>
+                  <a:txBody>
+                    <a:bodyPr/>
+                    <a:lstStyle/>
+                    <a:p>
+                      <a:r>
+                        <a:rPr lang="en-US" dirty="0"/>
+                        <a:t>Class 2</a:t>
+                      </a:r>
+                    </a:p>
+                  </a:txBody>
+                  <a:tcPr/>
+                </a:tc>
+                <a:extLst>
+                  <a:ext uri="{0D108BD9-81ED-4DB2-BD59-A6C34878D82A}">
+                    <a16:rowId xmlns:a16="http://schemas.microsoft.com/office/drawing/2014/main" val="2816782959"/>
+                  </a:ext>
+                </a:extLst>
+              </a:tr>
+              <a:tr h="370840">
+                <a:tc>
+                  <a:txBody>
+                    <a:bodyPr/>
+                    <a:lstStyle/>
+                    <a:p>
+                      <a:r>
+                        <a:rPr lang="en-US" dirty="0"/>
+                        <a:t>Actual Class 0</a:t>
+                      </a:r>
+                    </a:p>
+                  </a:txBody>
+                  <a:tcPr/>
+                </a:tc>
+                <a:tc>
+                  <a:txBody>
+                    <a:bodyPr/>
+                    <a:lstStyle/>
+                    <a:p>
+                      <a:r>
+                        <a:rPr lang="en-US" dirty="0"/>
+                        <a:t>11020</a:t>
+                      </a:r>
+                    </a:p>
+                  </a:txBody>
+                  <a:tcPr/>
+                </a:tc>
+                <a:tc>
+                  <a:txBody>
+                    <a:bodyPr/>
+                    <a:lstStyle/>
+                    <a:p>
+                      <a:r>
+                        <a:rPr lang="en-US" dirty="0"/>
+                        <a:t>340</a:t>
+                      </a:r>
+                    </a:p>
+                  </a:txBody>
+                  <a:tcPr/>
+                </a:tc>
+                <a:tc>
+                  <a:txBody>
+                    <a:bodyPr/>
+                    <a:lstStyle/>
+                    <a:p>
+                      <a:r>
+                        <a:rPr lang="en-US" dirty="0"/>
+                        <a:t>3</a:t>
+                      </a:r>
+                    </a:p>
+                  </a:txBody>
+                  <a:tcPr/>
+                </a:tc>
+                <a:extLst>
+                  <a:ext uri="{0D108BD9-81ED-4DB2-BD59-A6C34878D82A}">
+                    <a16:rowId xmlns:a16="http://schemas.microsoft.com/office/drawing/2014/main" val="3642739071"/>
+                  </a:ext>
+                </a:extLst>
+              </a:tr>
+              <a:tr h="370840">
+                <a:tc>
+                  <a:txBody>
+                    <a:bodyPr/>
+                    <a:lstStyle/>
+                    <a:p>
+                      <a:r>
+                        <a:rPr lang="en-US" dirty="0"/>
+                        <a:t>Actual Class 1</a:t>
+                      </a:r>
+                    </a:p>
+                  </a:txBody>
+                  <a:tcPr/>
+                </a:tc>
+                <a:tc>
+                  <a:txBody>
+                    <a:bodyPr/>
+                    <a:lstStyle/>
+                    <a:p>
+                      <a:r>
+                        <a:rPr lang="en-US" dirty="0"/>
+                        <a:t>800</a:t>
+                      </a:r>
+                    </a:p>
+                  </a:txBody>
+                  <a:tcPr/>
+                </a:tc>
+                <a:tc>
+                  <a:txBody>
+                    <a:bodyPr/>
+                    <a:lstStyle/>
+                    <a:p>
+                      <a:r>
+                        <a:rPr lang="en-US" dirty="0"/>
+                        <a:t>1546</a:t>
+                      </a:r>
+                    </a:p>
+                  </a:txBody>
+                  <a:tcPr/>
+                </a:tc>
+                <a:tc>
+                  <a:txBody>
+                    <a:bodyPr/>
+                    <a:lstStyle/>
+                    <a:p>
+                      <a:r>
+                        <a:rPr lang="en-US" dirty="0"/>
+                        <a:t>1</a:t>
+                      </a:r>
+                    </a:p>
+                  </a:txBody>
+                  <a:tcPr/>
+                </a:tc>
+                <a:extLst>
+                  <a:ext uri="{0D108BD9-81ED-4DB2-BD59-A6C34878D82A}">
+                    <a16:rowId xmlns:a16="http://schemas.microsoft.com/office/drawing/2014/main" val="3864750204"/>
+                  </a:ext>
+                </a:extLst>
+              </a:tr>
+              <a:tr h="370840">
+                <a:tc>
+                  <a:txBody>
+                    <a:bodyPr/>
+                    <a:lstStyle/>
+                    <a:p>
+                      <a:r>
+                        <a:rPr lang="en-US" dirty="0"/>
+                        <a:t>Actual Class 2</a:t>
+                      </a:r>
+                    </a:p>
+                  </a:txBody>
+                  <a:tcPr/>
+                </a:tc>
+                <a:tc>
+                  <a:txBody>
+                    <a:bodyPr/>
+                    <a:lstStyle/>
+                    <a:p>
+                      <a:r>
+                        <a:rPr lang="en-US" dirty="0"/>
+                        <a:t>25</a:t>
+                      </a:r>
+                    </a:p>
+                  </a:txBody>
+                  <a:tcPr/>
+                </a:tc>
+                <a:tc>
+                  <a:txBody>
+                    <a:bodyPr/>
+                    <a:lstStyle/>
+                    <a:p>
+                      <a:r>
+                        <a:rPr lang="en-US" dirty="0"/>
+                        <a:t>0</a:t>
+                      </a:r>
+                    </a:p>
+                  </a:txBody>
+                  <a:tcPr/>
+                </a:tc>
+                <a:tc>
+                  <a:txBody>
+                    <a:bodyPr/>
+                    <a:lstStyle/>
+                    <a:p>
+                      <a:r>
+                        <a:rPr lang="en-US" dirty="0"/>
+                        <a:t>9</a:t>
+                      </a:r>
+                    </a:p>
+                  </a:txBody>
+                  <a:tcPr/>
+                </a:tc>
+                <a:extLst>
+                  <a:ext uri="{0D108BD9-81ED-4DB2-BD59-A6C34878D82A}">
+                    <a16:rowId xmlns:a16="http://schemas.microsoft.com/office/drawing/2014/main" val="2507215571"/>
+                  </a:ext>
+                </a:extLst>
+              </a:tr>
+            </a:tbl>
+          </a:graphicData>
+        </a:graphic>
+      </p:graphicFrame>
+    </p:spTree>
+    <p:extLst>
+      <p:ext uri="{BB962C8B-B14F-4D97-AF65-F5344CB8AC3E}">
+        <p14:creationId xmlns:p14="http://schemas.microsoft.com/office/powerpoint/2010/main" val="169347448"/>
+      </p:ext>
+    </p:extLst>
+  </p:cSld>
+  <p:clrMapOvr>
+    <a:masterClrMapping/>
+  </p:clrMapOvr>
+</p:sld>
+</file>
+
+<file path=ppt/slides/slide33.xml><?xml version="1.0" encoding="utf-8"?>
+<p:sld xmlns:a="http://schemas.openxmlformats.org/drawingml/2006/main" xmlns:r="http://schemas.openxmlformats.org/officeDocument/2006/relationships" xmlns:p="http://schemas.openxmlformats.org/presentationml/2006/main">
+  <p:cSld>
+    <p:spTree>
+      <p:nvGrpSpPr>
+        <p:cNvPr id="1" name=""/>
+        <p:cNvGrpSpPr/>
+        <p:nvPr/>
+      </p:nvGrpSpPr>
+      <p:grpSpPr>
+        <a:xfrm>
+          <a:off x="0" y="0"/>
+          <a:ext cx="0" cy="0"/>
+          <a:chOff x="0" y="0"/>
+          <a:chExt cx="0" cy="0"/>
+        </a:xfrm>
+      </p:grpSpPr>
+      <p:sp>
+        <p:nvSpPr>
+          <p:cNvPr id="2" name="Title 1">
+            <a:extLst>
+              <a:ext uri="{FF2B5EF4-FFF2-40B4-BE49-F238E27FC236}">
+                <a16:creationId xmlns:a16="http://schemas.microsoft.com/office/drawing/2014/main" id="{55714D9C-94AA-401C-9098-1AEB708601D9}"/>
+              </a:ext>
+            </a:extLst>
+          </p:cNvPr>
+          <p:cNvSpPr>
+            <a:spLocks noGrp="1"/>
+          </p:cNvSpPr>
+          <p:nvPr>
+            <p:ph type="title"/>
+          </p:nvPr>
+        </p:nvSpPr>
+        <p:spPr/>
+        <p:txBody>
+          <a:bodyPr/>
+          <a:lstStyle/>
+          <a:p>
+            <a:r>
+              <a:rPr lang="en-US" dirty="0"/>
+              <a:t>ML Model 2.1</a:t>
+            </a:r>
+          </a:p>
+        </p:txBody>
+      </p:sp>
+      <p:sp>
+        <p:nvSpPr>
+          <p:cNvPr id="3" name="Content Placeholder 2">
+            <a:extLst>
+              <a:ext uri="{FF2B5EF4-FFF2-40B4-BE49-F238E27FC236}">
+                <a16:creationId xmlns:a16="http://schemas.microsoft.com/office/drawing/2014/main" id="{F36FB479-B46F-49C8-A9EB-F5E25073D4F0}"/>
+              </a:ext>
+            </a:extLst>
+          </p:cNvPr>
+          <p:cNvSpPr>
+            <a:spLocks noGrp="1"/>
+          </p:cNvSpPr>
+          <p:nvPr>
+            <p:ph idx="1"/>
+          </p:nvPr>
+        </p:nvSpPr>
+        <p:spPr>
+          <a:xfrm>
+            <a:off x="838200" y="1825626"/>
+            <a:ext cx="10515600" cy="2618038"/>
+          </a:xfrm>
+        </p:spPr>
+        <p:txBody>
+          <a:bodyPr/>
+          <a:lstStyle/>
+          <a:p>
+            <a:r>
+              <a:rPr lang="en-US" dirty="0"/>
+              <a:t>Class imbalance -&gt; </a:t>
+            </a:r>
+            <a:r>
+              <a:rPr lang="en-US" dirty="0" err="1"/>
+              <a:t>Upsample</a:t>
+            </a:r>
+            <a:r>
+              <a:rPr lang="en-US" dirty="0"/>
+              <a:t>!</a:t>
+            </a:r>
+          </a:p>
+          <a:p>
+            <a:r>
+              <a:rPr lang="en-US" dirty="0"/>
+              <a:t>About 5 times more Class 0 data than Class 1</a:t>
+            </a:r>
+          </a:p>
+          <a:p>
+            <a:r>
+              <a:rPr lang="en-US" dirty="0"/>
+              <a:t>About 332 times more Class 0 data than Class 2</a:t>
+            </a:r>
+          </a:p>
+          <a:p>
+            <a:r>
+              <a:rPr lang="en-US" dirty="0"/>
+              <a:t>Retry K Nearest Neighbors: 0.921</a:t>
+            </a:r>
+          </a:p>
+          <a:p>
+            <a:r>
+              <a:rPr lang="en-US" dirty="0"/>
+              <a:t>Hyperparameter tuning: 0.951</a:t>
+            </a:r>
+          </a:p>
+        </p:txBody>
+      </p:sp>
+      <p:graphicFrame>
+        <p:nvGraphicFramePr>
+          <p:cNvPr id="4" name="Table 3">
+            <a:extLst>
+              <a:ext uri="{FF2B5EF4-FFF2-40B4-BE49-F238E27FC236}">
+                <a16:creationId xmlns:a16="http://schemas.microsoft.com/office/drawing/2014/main" id="{1C0B5D78-72BE-41E1-8196-15AE3CED22BB}"/>
+              </a:ext>
+            </a:extLst>
+          </p:cNvPr>
+          <p:cNvGraphicFramePr>
+            <a:graphicFrameLocks noGrp="1"/>
+          </p:cNvGraphicFramePr>
+          <p:nvPr>
+            <p:extLst>
+              <p:ext uri="{D42A27DB-BD31-4B8C-83A1-F6EECF244321}">
+                <p14:modId xmlns:p14="http://schemas.microsoft.com/office/powerpoint/2010/main" val="3507021333"/>
+              </p:ext>
+            </p:extLst>
+          </p:nvPr>
+        </p:nvGraphicFramePr>
+        <p:xfrm>
+          <a:off x="838200" y="4450266"/>
+          <a:ext cx="6075948" cy="1483360"/>
+        </p:xfrm>
+        <a:graphic>
+          <a:graphicData uri="http://schemas.openxmlformats.org/drawingml/2006/table">
+            <a:tbl>
+              <a:tblPr firstRow="1" bandRow="1">
+                <a:tableStyleId>{073A0DAA-6AF3-43AB-8588-CEC1D06C72B9}</a:tableStyleId>
+              </a:tblPr>
+              <a:tblGrid>
+                <a:gridCol w="1518987">
+                  <a:extLst>
+                    <a:ext uri="{9D8B030D-6E8A-4147-A177-3AD203B41FA5}">
+                      <a16:colId xmlns:a16="http://schemas.microsoft.com/office/drawing/2014/main" val="1932336925"/>
+                    </a:ext>
+                  </a:extLst>
+                </a:gridCol>
+                <a:gridCol w="1518987">
+                  <a:extLst>
+                    <a:ext uri="{9D8B030D-6E8A-4147-A177-3AD203B41FA5}">
+                      <a16:colId xmlns:a16="http://schemas.microsoft.com/office/drawing/2014/main" val="976667985"/>
+                    </a:ext>
+                  </a:extLst>
+                </a:gridCol>
+                <a:gridCol w="1518987">
+                  <a:extLst>
+                    <a:ext uri="{9D8B030D-6E8A-4147-A177-3AD203B41FA5}">
+                      <a16:colId xmlns:a16="http://schemas.microsoft.com/office/drawing/2014/main" val="1701535771"/>
+                    </a:ext>
+                  </a:extLst>
+                </a:gridCol>
+                <a:gridCol w="1518987">
+                  <a:extLst>
+                    <a:ext uri="{9D8B030D-6E8A-4147-A177-3AD203B41FA5}">
+                      <a16:colId xmlns:a16="http://schemas.microsoft.com/office/drawing/2014/main" val="2550466864"/>
+                    </a:ext>
+                  </a:extLst>
+                </a:gridCol>
+              </a:tblGrid>
+              <a:tr h="370840">
+                <a:tc>
+                  <a:txBody>
+                    <a:bodyPr/>
+                    <a:lstStyle/>
+                    <a:p>
+                      <a:r>
+                        <a:rPr lang="en-US" dirty="0"/>
+                        <a:t>Predictions</a:t>
+                      </a:r>
+                    </a:p>
+                  </a:txBody>
+                  <a:tcPr/>
+                </a:tc>
+                <a:tc>
+                  <a:txBody>
+                    <a:bodyPr/>
+                    <a:lstStyle/>
+                    <a:p>
+                      <a:r>
+                        <a:rPr lang="en-US" dirty="0"/>
+                        <a:t>Class 0</a:t>
+                      </a:r>
+                    </a:p>
+                  </a:txBody>
+                  <a:tcPr/>
+                </a:tc>
+                <a:tc>
+                  <a:txBody>
+                    <a:bodyPr/>
+                    <a:lstStyle/>
+                    <a:p>
+                      <a:r>
+                        <a:rPr lang="en-US" dirty="0"/>
+                        <a:t>Class 1</a:t>
+                      </a:r>
+                    </a:p>
+                  </a:txBody>
+                  <a:tcPr/>
+                </a:tc>
+                <a:tc>
+                  <a:txBody>
+                    <a:bodyPr/>
+                    <a:lstStyle/>
+                    <a:p>
+                      <a:r>
+                        <a:rPr lang="en-US" dirty="0"/>
+                        <a:t>Class 2</a:t>
+                      </a:r>
+                    </a:p>
+                  </a:txBody>
+                  <a:tcPr/>
+                </a:tc>
+                <a:extLst>
+                  <a:ext uri="{0D108BD9-81ED-4DB2-BD59-A6C34878D82A}">
+                    <a16:rowId xmlns:a16="http://schemas.microsoft.com/office/drawing/2014/main" val="2816782959"/>
+                  </a:ext>
+                </a:extLst>
+              </a:tr>
+              <a:tr h="370840">
+                <a:tc>
+                  <a:txBody>
+                    <a:bodyPr/>
+                    <a:lstStyle/>
+                    <a:p>
+                      <a:r>
+                        <a:rPr lang="en-US" dirty="0"/>
+                        <a:t>Actual Class 0</a:t>
+                      </a:r>
+                    </a:p>
+                  </a:txBody>
+                  <a:tcPr/>
+                </a:tc>
+                <a:tc>
+                  <a:txBody>
+                    <a:bodyPr/>
+                    <a:lstStyle/>
+                    <a:p>
+                      <a:r>
+                        <a:rPr lang="en-US" dirty="0"/>
+                        <a:t>9714</a:t>
+                      </a:r>
+                    </a:p>
+                  </a:txBody>
+                  <a:tcPr/>
+                </a:tc>
+                <a:tc>
+                  <a:txBody>
+                    <a:bodyPr/>
+                    <a:lstStyle/>
+                    <a:p>
+                      <a:r>
+                        <a:rPr lang="en-US" dirty="0"/>
+                        <a:t>1596</a:t>
+                      </a:r>
+                    </a:p>
+                  </a:txBody>
+                  <a:tcPr/>
+                </a:tc>
+                <a:tc>
+                  <a:txBody>
+                    <a:bodyPr/>
+                    <a:lstStyle/>
+                    <a:p>
+                      <a:r>
+                        <a:rPr lang="en-US" dirty="0"/>
+                        <a:t>52</a:t>
+                      </a:r>
+                    </a:p>
+                  </a:txBody>
+                  <a:tcPr/>
+                </a:tc>
+                <a:extLst>
+                  <a:ext uri="{0D108BD9-81ED-4DB2-BD59-A6C34878D82A}">
+                    <a16:rowId xmlns:a16="http://schemas.microsoft.com/office/drawing/2014/main" val="3642739071"/>
+                  </a:ext>
+                </a:extLst>
+              </a:tr>
+              <a:tr h="370840">
+                <a:tc>
+                  <a:txBody>
+                    <a:bodyPr/>
+                    <a:lstStyle/>
+                    <a:p>
+                      <a:r>
+                        <a:rPr lang="en-US" dirty="0"/>
+                        <a:t>Actual Class 1</a:t>
+                      </a:r>
+                    </a:p>
+                  </a:txBody>
+                  <a:tcPr/>
+                </a:tc>
+                <a:tc>
+                  <a:txBody>
+                    <a:bodyPr/>
+                    <a:lstStyle/>
+                    <a:p>
+                      <a:r>
+                        <a:rPr lang="en-US" dirty="0"/>
+                        <a:t>52</a:t>
+                      </a:r>
+                    </a:p>
+                  </a:txBody>
+                  <a:tcPr/>
+                </a:tc>
+                <a:tc>
+                  <a:txBody>
+                    <a:bodyPr/>
+                    <a:lstStyle/>
+                    <a:p>
+                      <a:r>
+                        <a:rPr lang="en-US" dirty="0"/>
+                        <a:t>11681</a:t>
+                      </a:r>
+                    </a:p>
+                  </a:txBody>
+                  <a:tcPr/>
+                </a:tc>
+                <a:tc>
+                  <a:txBody>
+                    <a:bodyPr/>
+                    <a:lstStyle/>
+                    <a:p>
+                      <a:r>
+                        <a:rPr lang="en-US" dirty="0"/>
+                        <a:t>3</a:t>
+                      </a:r>
+                    </a:p>
+                  </a:txBody>
+                  <a:tcPr/>
+                </a:tc>
+                <a:extLst>
+                  <a:ext uri="{0D108BD9-81ED-4DB2-BD59-A6C34878D82A}">
+                    <a16:rowId xmlns:a16="http://schemas.microsoft.com/office/drawing/2014/main" val="3864750204"/>
+                  </a:ext>
+                </a:extLst>
+              </a:tr>
+              <a:tr h="370840">
+                <a:tc>
+                  <a:txBody>
+                    <a:bodyPr/>
+                    <a:lstStyle/>
+                    <a:p>
+                      <a:r>
+                        <a:rPr lang="en-US" dirty="0"/>
+                        <a:t>Actual Class 2</a:t>
+                      </a:r>
+                    </a:p>
+                  </a:txBody>
+                  <a:tcPr/>
+                </a:tc>
+                <a:tc>
+                  <a:txBody>
+                    <a:bodyPr/>
+                    <a:lstStyle/>
+                    <a:p>
+                      <a:r>
+                        <a:rPr lang="en-US" dirty="0"/>
+                        <a:t>0</a:t>
+                      </a:r>
+                    </a:p>
+                  </a:txBody>
+                  <a:tcPr/>
+                </a:tc>
+                <a:tc>
+                  <a:txBody>
+                    <a:bodyPr/>
+                    <a:lstStyle/>
+                    <a:p>
+                      <a:r>
+                        <a:rPr lang="en-US" dirty="0"/>
+                        <a:t>0</a:t>
+                      </a:r>
+                    </a:p>
+                  </a:txBody>
+                  <a:tcPr/>
+                </a:tc>
+                <a:tc>
+                  <a:txBody>
+                    <a:bodyPr/>
+                    <a:lstStyle/>
+                    <a:p>
+                      <a:r>
+                        <a:rPr lang="en-US" dirty="0"/>
+                        <a:t>11355</a:t>
+                      </a:r>
+                    </a:p>
+                  </a:txBody>
+                  <a:tcPr/>
+                </a:tc>
+                <a:extLst>
+                  <a:ext uri="{0D108BD9-81ED-4DB2-BD59-A6C34878D82A}">
+                    <a16:rowId xmlns:a16="http://schemas.microsoft.com/office/drawing/2014/main" val="2507215571"/>
+                  </a:ext>
+                </a:extLst>
+              </a:tr>
+            </a:tbl>
+          </a:graphicData>
+        </a:graphic>
+      </p:graphicFrame>
+    </p:spTree>
+    <p:extLst>
+      <p:ext uri="{BB962C8B-B14F-4D97-AF65-F5344CB8AC3E}">
+        <p14:creationId xmlns:p14="http://schemas.microsoft.com/office/powerpoint/2010/main" val="1706016445"/>
+      </p:ext>
+    </p:extLst>
+  </p:cSld>
+  <p:clrMapOvr>
+    <a:masterClrMapping/>
+  </p:clrMapOvr>
+</p:sld>
+</file>
+
+<file path=ppt/slides/slide34.xml><?xml version="1.0" encoding="utf-8"?>
+<p:sld xmlns:a="http://schemas.openxmlformats.org/drawingml/2006/main" xmlns:r="http://schemas.openxmlformats.org/officeDocument/2006/relationships" xmlns:p="http://schemas.openxmlformats.org/presentationml/2006/main">
+  <p:cSld>
+    <p:spTree>
+      <p:nvGrpSpPr>
+        <p:cNvPr id="1" name=""/>
+        <p:cNvGrpSpPr/>
+        <p:nvPr/>
+      </p:nvGrpSpPr>
+      <p:grpSpPr>
+        <a:xfrm>
+          <a:off x="0" y="0"/>
+          <a:ext cx="0" cy="0"/>
+          <a:chOff x="0" y="0"/>
+          <a:chExt cx="0" cy="0"/>
+        </a:xfrm>
+      </p:grpSpPr>
+      <p:sp>
+        <p:nvSpPr>
+          <p:cNvPr id="2" name="Title 1">
+            <a:extLst>
+              <a:ext uri="{FF2B5EF4-FFF2-40B4-BE49-F238E27FC236}">
+                <a16:creationId xmlns:a16="http://schemas.microsoft.com/office/drawing/2014/main" id="{43965EB4-7309-40E5-B1F4-AC683429CC8A}"/>
+              </a:ext>
+            </a:extLst>
+          </p:cNvPr>
+          <p:cNvSpPr>
+            <a:spLocks noGrp="1"/>
+          </p:cNvSpPr>
+          <p:nvPr>
+            <p:ph type="title"/>
+          </p:nvPr>
+        </p:nvSpPr>
+        <p:spPr/>
+        <p:txBody>
+          <a:bodyPr/>
+          <a:lstStyle/>
+          <a:p>
+            <a:r>
+              <a:rPr lang="en-US" dirty="0"/>
+              <a:t>ML Model 2.1</a:t>
+            </a:r>
+          </a:p>
+        </p:txBody>
+      </p:sp>
+      <p:sp>
+        <p:nvSpPr>
+          <p:cNvPr id="3" name="Content Placeholder 2">
+            <a:extLst>
+              <a:ext uri="{FF2B5EF4-FFF2-40B4-BE49-F238E27FC236}">
+                <a16:creationId xmlns:a16="http://schemas.microsoft.com/office/drawing/2014/main" id="{7B19EF6A-37BF-48B5-9F8C-5537BF117BBA}"/>
+              </a:ext>
+            </a:extLst>
+          </p:cNvPr>
+          <p:cNvSpPr>
+            <a:spLocks noGrp="1"/>
+          </p:cNvSpPr>
+          <p:nvPr>
+            <p:ph idx="1"/>
+          </p:nvPr>
+        </p:nvSpPr>
+        <p:spPr/>
+        <p:txBody>
+          <a:bodyPr/>
+          <a:lstStyle/>
+          <a:p>
+            <a:r>
+              <a:rPr lang="en-US" dirty="0"/>
+              <a:t>Model works great!</a:t>
+            </a:r>
+          </a:p>
+          <a:p>
+            <a:r>
+              <a:rPr lang="en-US" dirty="0"/>
+              <a:t>Might be biased with repeated data for “nearest neighbors”</a:t>
+            </a:r>
+          </a:p>
+          <a:p>
+            <a:r>
+              <a:rPr lang="en-US" dirty="0"/>
+              <a:t>Interpret the model…</a:t>
+            </a:r>
+          </a:p>
+          <a:p>
+            <a:pPr lvl="1"/>
+            <a:r>
+              <a:rPr lang="en-US" dirty="0"/>
+              <a:t>I can’t</a:t>
+            </a:r>
+          </a:p>
+          <a:p>
+            <a:pPr lvl="1"/>
+            <a:r>
+              <a:rPr lang="en-US" dirty="0"/>
+              <a:t>K Nearest Neighbors is a black box</a:t>
+            </a:r>
+          </a:p>
+          <a:p>
+            <a:r>
+              <a:rPr lang="en-US" dirty="0"/>
+              <a:t>Try Random Forests</a:t>
+            </a:r>
+          </a:p>
+        </p:txBody>
+      </p:sp>
+    </p:spTree>
+    <p:extLst>
+      <p:ext uri="{BB962C8B-B14F-4D97-AF65-F5344CB8AC3E}">
+        <p14:creationId xmlns:p14="http://schemas.microsoft.com/office/powerpoint/2010/main" val="3949224556"/>
+      </p:ext>
+    </p:extLst>
+  </p:cSld>
+  <p:clrMapOvr>
+    <a:masterClrMapping/>
+  </p:clrMapOvr>
+</p:sld>
+</file>
+
+<file path=ppt/slides/slide35.xml><?xml version="1.0" encoding="utf-8"?>
+<p:sld xmlns:a="http://schemas.openxmlformats.org/drawingml/2006/main" xmlns:r="http://schemas.openxmlformats.org/officeDocument/2006/relationships" xmlns:p="http://schemas.openxmlformats.org/presentationml/2006/main">
+  <p:cSld>
+    <p:spTree>
+      <p:nvGrpSpPr>
+        <p:cNvPr id="1" name=""/>
+        <p:cNvGrpSpPr/>
+        <p:nvPr/>
+      </p:nvGrpSpPr>
+      <p:grpSpPr>
+        <a:xfrm>
+          <a:off x="0" y="0"/>
+          <a:ext cx="0" cy="0"/>
+          <a:chOff x="0" y="0"/>
+          <a:chExt cx="0" cy="0"/>
+        </a:xfrm>
+      </p:grpSpPr>
+      <p:sp>
+        <p:nvSpPr>
+          <p:cNvPr id="2" name="Title 1">
+            <a:extLst>
+              <a:ext uri="{FF2B5EF4-FFF2-40B4-BE49-F238E27FC236}">
+                <a16:creationId xmlns:a16="http://schemas.microsoft.com/office/drawing/2014/main" id="{C6CDEF65-762A-440A-B321-4C3EF1287C1B}"/>
+              </a:ext>
+            </a:extLst>
+          </p:cNvPr>
+          <p:cNvSpPr>
+            <a:spLocks noGrp="1"/>
+          </p:cNvSpPr>
+          <p:nvPr>
+            <p:ph type="title"/>
+          </p:nvPr>
+        </p:nvSpPr>
+        <p:spPr/>
+        <p:txBody>
+          <a:bodyPr/>
+          <a:lstStyle/>
+          <a:p>
+            <a:r>
+              <a:rPr lang="en-US" dirty="0"/>
+              <a:t>ML Model 3</a:t>
+            </a:r>
+          </a:p>
+        </p:txBody>
+      </p:sp>
+      <p:sp>
+        <p:nvSpPr>
+          <p:cNvPr id="3" name="Content Placeholder 2">
+            <a:extLst>
+              <a:ext uri="{FF2B5EF4-FFF2-40B4-BE49-F238E27FC236}">
+                <a16:creationId xmlns:a16="http://schemas.microsoft.com/office/drawing/2014/main" id="{2E74B224-4716-4143-87CB-426A4023F8E5}"/>
+              </a:ext>
+            </a:extLst>
+          </p:cNvPr>
+          <p:cNvSpPr>
+            <a:spLocks noGrp="1"/>
+          </p:cNvSpPr>
+          <p:nvPr>
+            <p:ph idx="1"/>
+          </p:nvPr>
+        </p:nvSpPr>
+        <p:spPr>
+          <a:xfrm>
+            <a:off x="838200" y="1825625"/>
+            <a:ext cx="10515600" cy="1603375"/>
+          </a:xfrm>
+        </p:spPr>
+        <p:txBody>
+          <a:bodyPr/>
+          <a:lstStyle/>
+          <a:p>
+            <a:r>
+              <a:rPr lang="en-US" dirty="0"/>
+              <a:t>Normal data sampling: 0.920</a:t>
+            </a:r>
+          </a:p>
+          <a:p>
+            <a:r>
+              <a:rPr lang="en-US" dirty="0"/>
+              <a:t>Hyperparameter tuning: 0.924</a:t>
+            </a:r>
+          </a:p>
+          <a:p>
+            <a:r>
+              <a:rPr lang="en-US" dirty="0"/>
+              <a:t>Confusion matrix has the same trends as K Nearest Neighbors</a:t>
+            </a:r>
+          </a:p>
+          <a:p>
+            <a:endParaRPr lang="en-US" dirty="0"/>
+          </a:p>
+        </p:txBody>
+      </p:sp>
+      <p:graphicFrame>
+        <p:nvGraphicFramePr>
+          <p:cNvPr id="4" name="Table 3">
+            <a:extLst>
+              <a:ext uri="{FF2B5EF4-FFF2-40B4-BE49-F238E27FC236}">
+                <a16:creationId xmlns:a16="http://schemas.microsoft.com/office/drawing/2014/main" id="{6F6DE2E7-2FD1-4A9A-BBC7-BBD0C15D4A3E}"/>
+              </a:ext>
+            </a:extLst>
+          </p:cNvPr>
+          <p:cNvGraphicFramePr>
+            <a:graphicFrameLocks noGrp="1"/>
+          </p:cNvGraphicFramePr>
+          <p:nvPr>
+            <p:extLst>
+              <p:ext uri="{D42A27DB-BD31-4B8C-83A1-F6EECF244321}">
+                <p14:modId xmlns:p14="http://schemas.microsoft.com/office/powerpoint/2010/main" val="634161284"/>
+              </p:ext>
+            </p:extLst>
+          </p:nvPr>
+        </p:nvGraphicFramePr>
+        <p:xfrm>
+          <a:off x="838200" y="3429000"/>
+          <a:ext cx="6075948" cy="1483360"/>
+        </p:xfrm>
+        <a:graphic>
+          <a:graphicData uri="http://schemas.openxmlformats.org/drawingml/2006/table">
+            <a:tbl>
+              <a:tblPr firstRow="1" bandRow="1">
+                <a:tableStyleId>{073A0DAA-6AF3-43AB-8588-CEC1D06C72B9}</a:tableStyleId>
+              </a:tblPr>
+              <a:tblGrid>
+                <a:gridCol w="1518987">
+                  <a:extLst>
+                    <a:ext uri="{9D8B030D-6E8A-4147-A177-3AD203B41FA5}">
+                      <a16:colId xmlns:a16="http://schemas.microsoft.com/office/drawing/2014/main" val="1932336925"/>
+                    </a:ext>
+                  </a:extLst>
+                </a:gridCol>
+                <a:gridCol w="1518987">
+                  <a:extLst>
+                    <a:ext uri="{9D8B030D-6E8A-4147-A177-3AD203B41FA5}">
+                      <a16:colId xmlns:a16="http://schemas.microsoft.com/office/drawing/2014/main" val="976667985"/>
+                    </a:ext>
+                  </a:extLst>
+                </a:gridCol>
+                <a:gridCol w="1518987">
+                  <a:extLst>
+                    <a:ext uri="{9D8B030D-6E8A-4147-A177-3AD203B41FA5}">
+                      <a16:colId xmlns:a16="http://schemas.microsoft.com/office/drawing/2014/main" val="1701535771"/>
+                    </a:ext>
+                  </a:extLst>
+                </a:gridCol>
+                <a:gridCol w="1518987">
+                  <a:extLst>
+                    <a:ext uri="{9D8B030D-6E8A-4147-A177-3AD203B41FA5}">
+                      <a16:colId xmlns:a16="http://schemas.microsoft.com/office/drawing/2014/main" val="2550466864"/>
+                    </a:ext>
+                  </a:extLst>
+                </a:gridCol>
+              </a:tblGrid>
+              <a:tr h="370840">
+                <a:tc>
+                  <a:txBody>
+                    <a:bodyPr/>
+                    <a:lstStyle/>
+                    <a:p>
+                      <a:r>
+                        <a:rPr lang="en-US" dirty="0"/>
+                        <a:t>Predictions</a:t>
+                      </a:r>
+                    </a:p>
+                  </a:txBody>
+                  <a:tcPr/>
+                </a:tc>
+                <a:tc>
+                  <a:txBody>
+                    <a:bodyPr/>
+                    <a:lstStyle/>
+                    <a:p>
+                      <a:r>
+                        <a:rPr lang="en-US" dirty="0"/>
+                        <a:t>Class 0</a:t>
+                      </a:r>
+                    </a:p>
+                  </a:txBody>
+                  <a:tcPr/>
+                </a:tc>
+                <a:tc>
+                  <a:txBody>
+                    <a:bodyPr/>
+                    <a:lstStyle/>
+                    <a:p>
+                      <a:r>
+                        <a:rPr lang="en-US" dirty="0"/>
+                        <a:t>Class 1</a:t>
+                      </a:r>
+                    </a:p>
+                  </a:txBody>
+                  <a:tcPr/>
+                </a:tc>
+                <a:tc>
+                  <a:txBody>
+                    <a:bodyPr/>
+                    <a:lstStyle/>
+                    <a:p>
+                      <a:r>
+                        <a:rPr lang="en-US" dirty="0"/>
+                        <a:t>Class 2</a:t>
+                      </a:r>
+                    </a:p>
+                  </a:txBody>
+                  <a:tcPr/>
+                </a:tc>
+                <a:extLst>
+                  <a:ext uri="{0D108BD9-81ED-4DB2-BD59-A6C34878D82A}">
+                    <a16:rowId xmlns:a16="http://schemas.microsoft.com/office/drawing/2014/main" val="2816782959"/>
+                  </a:ext>
+                </a:extLst>
+              </a:tr>
+              <a:tr h="370840">
+                <a:tc>
+                  <a:txBody>
+                    <a:bodyPr/>
+                    <a:lstStyle/>
+                    <a:p>
+                      <a:r>
+                        <a:rPr lang="en-US" dirty="0"/>
+                        <a:t>Actual Class 0</a:t>
+                      </a:r>
+                    </a:p>
+                  </a:txBody>
+                  <a:tcPr/>
+                </a:tc>
+                <a:tc>
+                  <a:txBody>
+                    <a:bodyPr/>
+                    <a:lstStyle/>
+                    <a:p>
+                      <a:r>
+                        <a:rPr lang="en-US" dirty="0"/>
+                        <a:t>11206</a:t>
+                      </a:r>
+                    </a:p>
+                  </a:txBody>
+                  <a:tcPr/>
+                </a:tc>
+                <a:tc>
+                  <a:txBody>
+                    <a:bodyPr/>
+                    <a:lstStyle/>
+                    <a:p>
+                      <a:r>
+                        <a:rPr lang="en-US" dirty="0"/>
+                        <a:t>157</a:t>
+                      </a:r>
+                    </a:p>
+                  </a:txBody>
+                  <a:tcPr/>
+                </a:tc>
+                <a:tc>
+                  <a:txBody>
+                    <a:bodyPr/>
+                    <a:lstStyle/>
+                    <a:p>
+                      <a:r>
+                        <a:rPr lang="en-US" dirty="0"/>
+                        <a:t>0</a:t>
+                      </a:r>
+                    </a:p>
+                  </a:txBody>
+                  <a:tcPr/>
+                </a:tc>
+                <a:extLst>
+                  <a:ext uri="{0D108BD9-81ED-4DB2-BD59-A6C34878D82A}">
+                    <a16:rowId xmlns:a16="http://schemas.microsoft.com/office/drawing/2014/main" val="3642739071"/>
+                  </a:ext>
+                </a:extLst>
+              </a:tr>
+              <a:tr h="370840">
+                <a:tc>
+                  <a:txBody>
+                    <a:bodyPr/>
+                    <a:lstStyle/>
+                    <a:p>
+                      <a:r>
+                        <a:rPr lang="en-US" dirty="0"/>
+                        <a:t>Actual Class 1</a:t>
+                      </a:r>
+                    </a:p>
+                  </a:txBody>
+                  <a:tcPr/>
+                </a:tc>
+                <a:tc>
+                  <a:txBody>
+                    <a:bodyPr/>
+                    <a:lstStyle/>
+                    <a:p>
+                      <a:r>
+                        <a:rPr lang="en-US" dirty="0"/>
+                        <a:t>860</a:t>
+                      </a:r>
+                    </a:p>
+                  </a:txBody>
+                  <a:tcPr/>
+                </a:tc>
+                <a:tc>
+                  <a:txBody>
+                    <a:bodyPr/>
+                    <a:lstStyle/>
+                    <a:p>
+                      <a:r>
+                        <a:rPr lang="en-US" dirty="0"/>
+                        <a:t>1487</a:t>
+                      </a:r>
+                    </a:p>
+                  </a:txBody>
+                  <a:tcPr/>
+                </a:tc>
+                <a:tc>
+                  <a:txBody>
+                    <a:bodyPr/>
+                    <a:lstStyle/>
+                    <a:p>
+                      <a:r>
+                        <a:rPr lang="en-US" dirty="0"/>
+                        <a:t>0</a:t>
+                      </a:r>
+                    </a:p>
+                  </a:txBody>
+                  <a:tcPr/>
+                </a:tc>
+                <a:extLst>
+                  <a:ext uri="{0D108BD9-81ED-4DB2-BD59-A6C34878D82A}">
+                    <a16:rowId xmlns:a16="http://schemas.microsoft.com/office/drawing/2014/main" val="3864750204"/>
+                  </a:ext>
+                </a:extLst>
+              </a:tr>
+              <a:tr h="370840">
+                <a:tc>
+                  <a:txBody>
+                    <a:bodyPr/>
+                    <a:lstStyle/>
+                    <a:p>
+                      <a:r>
+                        <a:rPr lang="en-US" dirty="0"/>
+                        <a:t>Actual Class 2</a:t>
+                      </a:r>
+                    </a:p>
+                  </a:txBody>
+                  <a:tcPr/>
+                </a:tc>
+                <a:tc>
+                  <a:txBody>
+                    <a:bodyPr/>
+                    <a:lstStyle/>
+                    <a:p>
+                      <a:r>
+                        <a:rPr lang="en-US" dirty="0"/>
+                        <a:t>31</a:t>
+                      </a:r>
+                    </a:p>
+                  </a:txBody>
+                  <a:tcPr/>
+                </a:tc>
+                <a:tc>
+                  <a:txBody>
+                    <a:bodyPr/>
+                    <a:lstStyle/>
+                    <a:p>
+                      <a:r>
+                        <a:rPr lang="en-US" dirty="0"/>
+                        <a:t>0</a:t>
+                      </a:r>
+                    </a:p>
+                  </a:txBody>
+                  <a:tcPr/>
+                </a:tc>
+                <a:tc>
+                  <a:txBody>
+                    <a:bodyPr/>
+                    <a:lstStyle/>
+                    <a:p>
+                      <a:r>
+                        <a:rPr lang="en-US" dirty="0"/>
+                        <a:t>3</a:t>
+                      </a:r>
+                    </a:p>
+                  </a:txBody>
+                  <a:tcPr/>
+                </a:tc>
+                <a:extLst>
+                  <a:ext uri="{0D108BD9-81ED-4DB2-BD59-A6C34878D82A}">
+                    <a16:rowId xmlns:a16="http://schemas.microsoft.com/office/drawing/2014/main" val="2507215571"/>
+                  </a:ext>
+                </a:extLst>
+              </a:tr>
+            </a:tbl>
+          </a:graphicData>
+        </a:graphic>
+      </p:graphicFrame>
+    </p:spTree>
+    <p:extLst>
+      <p:ext uri="{BB962C8B-B14F-4D97-AF65-F5344CB8AC3E}">
+        <p14:creationId xmlns:p14="http://schemas.microsoft.com/office/powerpoint/2010/main" val="3100598545"/>
+      </p:ext>
+    </p:extLst>
+  </p:cSld>
+  <p:clrMapOvr>
+    <a:masterClrMapping/>
+  </p:clrMapOvr>
+</p:sld>
+</file>
+
+<file path=ppt/slides/slide36.xml><?xml version="1.0" encoding="utf-8"?>
+<p:sld xmlns:a="http://schemas.openxmlformats.org/drawingml/2006/main" xmlns:r="http://schemas.openxmlformats.org/officeDocument/2006/relationships" xmlns:p="http://schemas.openxmlformats.org/presentationml/2006/main">
+  <p:cSld>
+    <p:spTree>
+      <p:nvGrpSpPr>
+        <p:cNvPr id="1" name=""/>
+        <p:cNvGrpSpPr/>
+        <p:nvPr/>
+      </p:nvGrpSpPr>
+      <p:grpSpPr>
+        <a:xfrm>
+          <a:off x="0" y="0"/>
+          <a:ext cx="0" cy="0"/>
+          <a:chOff x="0" y="0"/>
+          <a:chExt cx="0" cy="0"/>
+        </a:xfrm>
+      </p:grpSpPr>
+      <p:sp>
+        <p:nvSpPr>
+          <p:cNvPr id="2" name="Title 1">
+            <a:extLst>
+              <a:ext uri="{FF2B5EF4-FFF2-40B4-BE49-F238E27FC236}">
+                <a16:creationId xmlns:a16="http://schemas.microsoft.com/office/drawing/2014/main" id="{98F2B36B-E6BD-4989-89B0-8B3D6CFE1685}"/>
+              </a:ext>
+            </a:extLst>
+          </p:cNvPr>
+          <p:cNvSpPr>
+            <a:spLocks noGrp="1"/>
+          </p:cNvSpPr>
+          <p:nvPr>
+            <p:ph type="title"/>
+          </p:nvPr>
+        </p:nvSpPr>
+        <p:spPr/>
+        <p:txBody>
+          <a:bodyPr/>
+          <a:lstStyle/>
+          <a:p>
+            <a:r>
+              <a:rPr lang="en-US" dirty="0"/>
+              <a:t>ML Model 3.1</a:t>
+            </a:r>
+          </a:p>
+        </p:txBody>
+      </p:sp>
+      <p:sp>
+        <p:nvSpPr>
+          <p:cNvPr id="3" name="Content Placeholder 2">
+            <a:extLst>
+              <a:ext uri="{FF2B5EF4-FFF2-40B4-BE49-F238E27FC236}">
+                <a16:creationId xmlns:a16="http://schemas.microsoft.com/office/drawing/2014/main" id="{36A350CC-5921-467E-A178-B846F58438B9}"/>
+              </a:ext>
+            </a:extLst>
+          </p:cNvPr>
+          <p:cNvSpPr>
+            <a:spLocks noGrp="1"/>
+          </p:cNvSpPr>
+          <p:nvPr>
+            <p:ph idx="1"/>
+          </p:nvPr>
+        </p:nvSpPr>
+        <p:spPr>
+          <a:xfrm>
+            <a:off x="838200" y="1825624"/>
+            <a:ext cx="10515600" cy="2088649"/>
+          </a:xfrm>
+        </p:spPr>
+        <p:txBody>
+          <a:bodyPr/>
+          <a:lstStyle/>
+          <a:p>
+            <a:r>
+              <a:rPr lang="en-US" dirty="0" err="1"/>
+              <a:t>Upsampled</a:t>
+            </a:r>
+            <a:r>
+              <a:rPr lang="en-US" dirty="0"/>
+              <a:t> data: 0.973</a:t>
+            </a:r>
+          </a:p>
+          <a:p>
+            <a:r>
+              <a:rPr lang="en-US" dirty="0"/>
+              <a:t>Hyperparameter tuning: 0.975</a:t>
+            </a:r>
+          </a:p>
+          <a:p>
+            <a:r>
+              <a:rPr lang="en-US" dirty="0"/>
+              <a:t>Again, same trends as K Nearest Neighbors with </a:t>
+            </a:r>
+            <a:r>
+              <a:rPr lang="en-US" dirty="0" err="1"/>
+              <a:t>upsampled</a:t>
+            </a:r>
+            <a:r>
+              <a:rPr lang="en-US" dirty="0"/>
+              <a:t> data</a:t>
+            </a:r>
+          </a:p>
+          <a:p>
+            <a:r>
+              <a:rPr lang="en-US" dirty="0"/>
+              <a:t>Only this time, I can extract feature </a:t>
+            </a:r>
+            <a:r>
+              <a:rPr lang="en-US" dirty="0" err="1"/>
+              <a:t>importances</a:t>
+            </a:r>
+            <a:endParaRPr lang="en-US" dirty="0"/>
+          </a:p>
+        </p:txBody>
+      </p:sp>
+      <p:graphicFrame>
+        <p:nvGraphicFramePr>
+          <p:cNvPr id="4" name="Table 3">
+            <a:extLst>
+              <a:ext uri="{FF2B5EF4-FFF2-40B4-BE49-F238E27FC236}">
+                <a16:creationId xmlns:a16="http://schemas.microsoft.com/office/drawing/2014/main" id="{EA4103D8-AA86-4BA0-80BB-5107A2445CF7}"/>
+              </a:ext>
+            </a:extLst>
+          </p:cNvPr>
+          <p:cNvGraphicFramePr>
+            <a:graphicFrameLocks noGrp="1"/>
+          </p:cNvGraphicFramePr>
+          <p:nvPr>
+            <p:extLst>
+              <p:ext uri="{D42A27DB-BD31-4B8C-83A1-F6EECF244321}">
+                <p14:modId xmlns:p14="http://schemas.microsoft.com/office/powerpoint/2010/main" val="2166744675"/>
+              </p:ext>
+            </p:extLst>
+          </p:nvPr>
+        </p:nvGraphicFramePr>
+        <p:xfrm>
+          <a:off x="838200" y="3914273"/>
+          <a:ext cx="6075948" cy="1483360"/>
+        </p:xfrm>
+        <a:graphic>
+          <a:graphicData uri="http://schemas.openxmlformats.org/drawingml/2006/table">
+            <a:tbl>
+              <a:tblPr firstRow="1" bandRow="1">
+                <a:tableStyleId>{073A0DAA-6AF3-43AB-8588-CEC1D06C72B9}</a:tableStyleId>
+              </a:tblPr>
+              <a:tblGrid>
+                <a:gridCol w="1518987">
+                  <a:extLst>
+                    <a:ext uri="{9D8B030D-6E8A-4147-A177-3AD203B41FA5}">
+                      <a16:colId xmlns:a16="http://schemas.microsoft.com/office/drawing/2014/main" val="1932336925"/>
+                    </a:ext>
+                  </a:extLst>
+                </a:gridCol>
+                <a:gridCol w="1518987">
+                  <a:extLst>
+                    <a:ext uri="{9D8B030D-6E8A-4147-A177-3AD203B41FA5}">
+                      <a16:colId xmlns:a16="http://schemas.microsoft.com/office/drawing/2014/main" val="976667985"/>
+                    </a:ext>
+                  </a:extLst>
+                </a:gridCol>
+                <a:gridCol w="1518987">
+                  <a:extLst>
+                    <a:ext uri="{9D8B030D-6E8A-4147-A177-3AD203B41FA5}">
+                      <a16:colId xmlns:a16="http://schemas.microsoft.com/office/drawing/2014/main" val="1701535771"/>
+                    </a:ext>
+                  </a:extLst>
+                </a:gridCol>
+                <a:gridCol w="1518987">
+                  <a:extLst>
+                    <a:ext uri="{9D8B030D-6E8A-4147-A177-3AD203B41FA5}">
+                      <a16:colId xmlns:a16="http://schemas.microsoft.com/office/drawing/2014/main" val="2550466864"/>
+                    </a:ext>
+                  </a:extLst>
+                </a:gridCol>
+              </a:tblGrid>
+              <a:tr h="370840">
+                <a:tc>
+                  <a:txBody>
+                    <a:bodyPr/>
+                    <a:lstStyle/>
+                    <a:p>
+                      <a:r>
+                        <a:rPr lang="en-US" dirty="0"/>
+                        <a:t>Predictions</a:t>
+                      </a:r>
+                    </a:p>
+                  </a:txBody>
+                  <a:tcPr/>
+                </a:tc>
+                <a:tc>
+                  <a:txBody>
+                    <a:bodyPr/>
+                    <a:lstStyle/>
+                    <a:p>
+                      <a:r>
+                        <a:rPr lang="en-US" dirty="0"/>
+                        <a:t>Class 0</a:t>
+                      </a:r>
+                    </a:p>
+                  </a:txBody>
+                  <a:tcPr/>
+                </a:tc>
+                <a:tc>
+                  <a:txBody>
+                    <a:bodyPr/>
+                    <a:lstStyle/>
+                    <a:p>
+                      <a:r>
+                        <a:rPr lang="en-US" dirty="0"/>
+                        <a:t>Class 1</a:t>
+                      </a:r>
+                    </a:p>
+                  </a:txBody>
+                  <a:tcPr/>
+                </a:tc>
+                <a:tc>
+                  <a:txBody>
+                    <a:bodyPr/>
+                    <a:lstStyle/>
+                    <a:p>
+                      <a:r>
+                        <a:rPr lang="en-US" dirty="0"/>
+                        <a:t>Class 2</a:t>
+                      </a:r>
+                    </a:p>
+                  </a:txBody>
+                  <a:tcPr/>
+                </a:tc>
+                <a:extLst>
+                  <a:ext uri="{0D108BD9-81ED-4DB2-BD59-A6C34878D82A}">
+                    <a16:rowId xmlns:a16="http://schemas.microsoft.com/office/drawing/2014/main" val="2816782959"/>
+                  </a:ext>
+                </a:extLst>
+              </a:tr>
+              <a:tr h="370840">
+                <a:tc>
+                  <a:txBody>
+                    <a:bodyPr/>
+                    <a:lstStyle/>
+                    <a:p>
+                      <a:r>
+                        <a:rPr lang="en-US" dirty="0"/>
+                        <a:t>Actual Class 0</a:t>
+                      </a:r>
+                    </a:p>
+                  </a:txBody>
+                  <a:tcPr/>
+                </a:tc>
+                <a:tc>
+                  <a:txBody>
+                    <a:bodyPr/>
+                    <a:lstStyle/>
+                    <a:p>
+                      <a:r>
+                        <a:rPr lang="en-US" dirty="0"/>
+                        <a:t>10583</a:t>
+                      </a:r>
+                    </a:p>
+                  </a:txBody>
+                  <a:tcPr/>
+                </a:tc>
+                <a:tc>
+                  <a:txBody>
+                    <a:bodyPr/>
+                    <a:lstStyle/>
+                    <a:p>
+                      <a:r>
+                        <a:rPr lang="en-US" dirty="0"/>
+                        <a:t>771</a:t>
+                      </a:r>
+                    </a:p>
+                  </a:txBody>
+                  <a:tcPr/>
+                </a:tc>
+                <a:tc>
+                  <a:txBody>
+                    <a:bodyPr/>
+                    <a:lstStyle/>
+                    <a:p>
+                      <a:r>
+                        <a:rPr lang="en-US" dirty="0"/>
+                        <a:t>8</a:t>
+                      </a:r>
+                    </a:p>
+                  </a:txBody>
+                  <a:tcPr/>
+                </a:tc>
+                <a:extLst>
+                  <a:ext uri="{0D108BD9-81ED-4DB2-BD59-A6C34878D82A}">
+                    <a16:rowId xmlns:a16="http://schemas.microsoft.com/office/drawing/2014/main" val="3642739071"/>
+                  </a:ext>
+                </a:extLst>
+              </a:tr>
+              <a:tr h="370840">
+                <a:tc>
+                  <a:txBody>
+                    <a:bodyPr/>
+                    <a:lstStyle/>
+                    <a:p>
+                      <a:r>
+                        <a:rPr lang="en-US" dirty="0"/>
+                        <a:t>Actual Class 1</a:t>
+                      </a:r>
+                    </a:p>
+                  </a:txBody>
+                  <a:tcPr/>
+                </a:tc>
+                <a:tc>
+                  <a:txBody>
+                    <a:bodyPr/>
+                    <a:lstStyle/>
+                    <a:p>
+                      <a:r>
+                        <a:rPr lang="en-US" dirty="0"/>
+                        <a:t>84</a:t>
+                      </a:r>
+                    </a:p>
+                  </a:txBody>
+                  <a:tcPr/>
+                </a:tc>
+                <a:tc>
+                  <a:txBody>
+                    <a:bodyPr/>
+                    <a:lstStyle/>
+                    <a:p>
+                      <a:r>
+                        <a:rPr lang="en-US" dirty="0"/>
+                        <a:t>11647</a:t>
+                      </a:r>
+                    </a:p>
+                  </a:txBody>
+                  <a:tcPr/>
+                </a:tc>
+                <a:tc>
+                  <a:txBody>
+                    <a:bodyPr/>
+                    <a:lstStyle/>
+                    <a:p>
+                      <a:r>
+                        <a:rPr lang="en-US" dirty="0"/>
+                        <a:t>5</a:t>
+                      </a:r>
+                    </a:p>
+                  </a:txBody>
+                  <a:tcPr/>
+                </a:tc>
+                <a:extLst>
+                  <a:ext uri="{0D108BD9-81ED-4DB2-BD59-A6C34878D82A}">
+                    <a16:rowId xmlns:a16="http://schemas.microsoft.com/office/drawing/2014/main" val="3864750204"/>
+                  </a:ext>
+                </a:extLst>
+              </a:tr>
+              <a:tr h="370840">
+                <a:tc>
+                  <a:txBody>
+                    <a:bodyPr/>
+                    <a:lstStyle/>
+                    <a:p>
+                      <a:r>
+                        <a:rPr lang="en-US" dirty="0"/>
+                        <a:t>Actual Class 2</a:t>
+                      </a:r>
+                    </a:p>
+                  </a:txBody>
+                  <a:tcPr/>
+                </a:tc>
+                <a:tc>
+                  <a:txBody>
+                    <a:bodyPr/>
+                    <a:lstStyle/>
+                    <a:p>
+                      <a:r>
+                        <a:rPr lang="en-US" dirty="0"/>
+                        <a:t>0</a:t>
+                      </a:r>
+                    </a:p>
+                  </a:txBody>
+                  <a:tcPr/>
+                </a:tc>
+                <a:tc>
+                  <a:txBody>
+                    <a:bodyPr/>
+                    <a:lstStyle/>
+                    <a:p>
+                      <a:r>
+                        <a:rPr lang="en-US" dirty="0"/>
+                        <a:t>0</a:t>
+                      </a:r>
+                    </a:p>
+                  </a:txBody>
+                  <a:tcPr/>
+                </a:tc>
+                <a:tc>
+                  <a:txBody>
+                    <a:bodyPr/>
+                    <a:lstStyle/>
+                    <a:p>
+                      <a:r>
+                        <a:rPr lang="en-US" dirty="0"/>
+                        <a:t>11355</a:t>
+                      </a:r>
+                    </a:p>
+                  </a:txBody>
+                  <a:tcPr/>
+                </a:tc>
+                <a:extLst>
+                  <a:ext uri="{0D108BD9-81ED-4DB2-BD59-A6C34878D82A}">
+                    <a16:rowId xmlns:a16="http://schemas.microsoft.com/office/drawing/2014/main" val="2507215571"/>
+                  </a:ext>
+                </a:extLst>
+              </a:tr>
+            </a:tbl>
+          </a:graphicData>
+        </a:graphic>
+      </p:graphicFrame>
+    </p:spTree>
+    <p:extLst>
+      <p:ext uri="{BB962C8B-B14F-4D97-AF65-F5344CB8AC3E}">
+        <p14:creationId xmlns:p14="http://schemas.microsoft.com/office/powerpoint/2010/main" val="3303859830"/>
+      </p:ext>
+    </p:extLst>
+  </p:cSld>
+  <p:clrMapOvr>
+    <a:masterClrMapping/>
+  </p:clrMapOvr>
+</p:sld>
+</file>
+
+<file path=ppt/slides/slide37.xml><?xml version="1.0" encoding="utf-8"?>
+<p:sld xmlns:a="http://schemas.openxmlformats.org/drawingml/2006/main" xmlns:r="http://schemas.openxmlformats.org/officeDocument/2006/relationships" xmlns:p="http://schemas.openxmlformats.org/presentationml/2006/main">
+  <p:cSld>
+    <p:spTree>
+      <p:nvGrpSpPr>
+        <p:cNvPr id="1" name=""/>
+        <p:cNvGrpSpPr/>
+        <p:nvPr/>
+      </p:nvGrpSpPr>
+      <p:grpSpPr>
+        <a:xfrm>
+          <a:off x="0" y="0"/>
+          <a:ext cx="0" cy="0"/>
+          <a:chOff x="0" y="0"/>
+          <a:chExt cx="0" cy="0"/>
+        </a:xfrm>
+      </p:grpSpPr>
+      <p:sp>
+        <p:nvSpPr>
+          <p:cNvPr id="2" name="Title 1">
+            <a:extLst>
+              <a:ext uri="{FF2B5EF4-FFF2-40B4-BE49-F238E27FC236}">
+                <a16:creationId xmlns:a16="http://schemas.microsoft.com/office/drawing/2014/main" id="{F899F1ED-A587-4D62-9D5A-FA14215620BC}"/>
+              </a:ext>
+            </a:extLst>
+          </p:cNvPr>
+          <p:cNvSpPr>
+            <a:spLocks noGrp="1"/>
+          </p:cNvSpPr>
+          <p:nvPr>
+            <p:ph type="title"/>
+          </p:nvPr>
+        </p:nvSpPr>
+        <p:spPr/>
+        <p:txBody>
+          <a:bodyPr/>
+          <a:lstStyle/>
+          <a:p>
+            <a:r>
+              <a:rPr lang="en-US" dirty="0"/>
+              <a:t>Random Forest Feature </a:t>
+            </a:r>
+            <a:r>
+              <a:rPr lang="en-US" dirty="0" err="1"/>
+              <a:t>Importances</a:t>
+            </a:r>
+            <a:endParaRPr lang="en-US" dirty="0"/>
+          </a:p>
+        </p:txBody>
+      </p:sp>
+      <p:pic>
+        <p:nvPicPr>
+          <p:cNvPr id="7" name="Picture 6" descr="A screenshot of a cell phone&#10;&#10;Description automatically generated">
+            <a:extLst>
+              <a:ext uri="{FF2B5EF4-FFF2-40B4-BE49-F238E27FC236}">
+                <a16:creationId xmlns:a16="http://schemas.microsoft.com/office/drawing/2014/main" id="{FB1463FF-FF0C-43E5-B6A8-AA4CB6438BFE}"/>
+              </a:ext>
+            </a:extLst>
+          </p:cNvPr>
+          <p:cNvPicPr>
+            <a:picLocks noChangeAspect="1"/>
+          </p:cNvPicPr>
+          <p:nvPr/>
+        </p:nvPicPr>
+        <p:blipFill>
+          <a:blip r:embed="rId2">
+            <a:extLst>
+              <a:ext uri="{28A0092B-C50C-407E-A947-70E740481C1C}">
+                <a14:useLocalDpi xmlns:a14="http://schemas.microsoft.com/office/drawing/2010/main" val="0"/>
+              </a:ext>
+            </a:extLst>
+          </a:blip>
+          <a:stretch>
+            <a:fillRect/>
+          </a:stretch>
+        </p:blipFill>
+        <p:spPr>
+          <a:xfrm>
+            <a:off x="282774" y="1690688"/>
+            <a:ext cx="11626452" cy="5167312"/>
+          </a:xfrm>
+          <a:prstGeom prst="rect">
+            <a:avLst/>
+          </a:prstGeom>
+        </p:spPr>
+      </p:pic>
+    </p:spTree>
+    <p:extLst>
+      <p:ext uri="{BB962C8B-B14F-4D97-AF65-F5344CB8AC3E}">
+        <p14:creationId xmlns:p14="http://schemas.microsoft.com/office/powerpoint/2010/main" val="344168334"/>
+      </p:ext>
+    </p:extLst>
+  </p:cSld>
+  <p:clrMapOvr>
+    <a:masterClrMapping/>
+  </p:clrMapOvr>
+</p:sld>
+</file>
+
+<file path=ppt/slides/slide38.xml><?xml version="1.0" encoding="utf-8"?>
+<p:sld xmlns:a="http://schemas.openxmlformats.org/drawingml/2006/main" xmlns:r="http://schemas.openxmlformats.org/officeDocument/2006/relationships" xmlns:p="http://schemas.openxmlformats.org/presentationml/2006/main">
+  <p:cSld>
+    <p:spTree>
+      <p:nvGrpSpPr>
+        <p:cNvPr id="1" name=""/>
+        <p:cNvGrpSpPr/>
+        <p:nvPr/>
+      </p:nvGrpSpPr>
+      <p:grpSpPr>
+        <a:xfrm>
+          <a:off x="0" y="0"/>
+          <a:ext cx="0" cy="0"/>
+          <a:chOff x="0" y="0"/>
+          <a:chExt cx="0" cy="0"/>
+        </a:xfrm>
+      </p:grpSpPr>
+      <p:sp>
+        <p:nvSpPr>
+          <p:cNvPr id="2" name="Title 1">
+            <a:extLst>
+              <a:ext uri="{FF2B5EF4-FFF2-40B4-BE49-F238E27FC236}">
+                <a16:creationId xmlns:a16="http://schemas.microsoft.com/office/drawing/2014/main" id="{D8CABD32-ACC2-4575-8569-504C4716F1EC}"/>
+              </a:ext>
+            </a:extLst>
+          </p:cNvPr>
+          <p:cNvSpPr>
+            <a:spLocks noGrp="1"/>
+          </p:cNvSpPr>
+          <p:nvPr>
+            <p:ph type="title"/>
+          </p:nvPr>
+        </p:nvSpPr>
+        <p:spPr/>
+        <p:txBody>
+          <a:bodyPr/>
+          <a:lstStyle/>
+          <a:p>
+            <a:r>
+              <a:rPr lang="en-US" dirty="0"/>
+              <a:t>ML Model 3.1 Correlation Problems</a:t>
+            </a:r>
+          </a:p>
+        </p:txBody>
+      </p:sp>
+      <p:sp>
+        <p:nvSpPr>
+          <p:cNvPr id="3" name="Content Placeholder 2">
+            <a:extLst>
+              <a:ext uri="{FF2B5EF4-FFF2-40B4-BE49-F238E27FC236}">
+                <a16:creationId xmlns:a16="http://schemas.microsoft.com/office/drawing/2014/main" id="{22AFF66F-2125-4B79-BDC6-1F1475DA5F76}"/>
+              </a:ext>
+            </a:extLst>
+          </p:cNvPr>
+          <p:cNvSpPr>
+            <a:spLocks noGrp="1"/>
+          </p:cNvSpPr>
+          <p:nvPr>
+            <p:ph idx="1"/>
+          </p:nvPr>
+        </p:nvSpPr>
+        <p:spPr/>
+        <p:txBody>
+          <a:bodyPr/>
+          <a:lstStyle/>
+          <a:p>
+            <a:r>
+              <a:rPr lang="en-US" dirty="0"/>
+              <a:t>VADER Scores</a:t>
+            </a:r>
+          </a:p>
+          <a:p>
+            <a:pPr lvl="1"/>
+            <a:r>
+              <a:rPr lang="en-US" dirty="0"/>
+              <a:t>Higher positive correlates with higher compound</a:t>
+            </a:r>
+          </a:p>
+          <a:p>
+            <a:pPr lvl="1"/>
+            <a:r>
+              <a:rPr lang="en-US" dirty="0"/>
+              <a:t>Higher negative correlates with lower compound</a:t>
+            </a:r>
+          </a:p>
+          <a:p>
+            <a:pPr lvl="1"/>
+            <a:r>
+              <a:rPr lang="en-US" dirty="0"/>
+              <a:t>Higher neutral correlates with compound closer to 0</a:t>
+            </a:r>
+          </a:p>
+          <a:p>
+            <a:r>
+              <a:rPr lang="en-US" dirty="0"/>
+              <a:t>I want to know if positive or negative tweets get more engagement</a:t>
+            </a:r>
+          </a:p>
+          <a:p>
+            <a:pPr lvl="1"/>
+            <a:r>
+              <a:rPr lang="en-US" dirty="0"/>
+              <a:t>Keep positive and negative scores</a:t>
+            </a:r>
+          </a:p>
+          <a:p>
+            <a:pPr lvl="1"/>
+            <a:r>
+              <a:rPr lang="en-US" dirty="0"/>
+              <a:t>See which is more important</a:t>
+            </a:r>
+          </a:p>
+        </p:txBody>
+      </p:sp>
+    </p:spTree>
+    <p:extLst>
+      <p:ext uri="{BB962C8B-B14F-4D97-AF65-F5344CB8AC3E}">
+        <p14:creationId xmlns:p14="http://schemas.microsoft.com/office/powerpoint/2010/main" val="119550779"/>
+      </p:ext>
+    </p:extLst>
+  </p:cSld>
+  <p:clrMapOvr>
+    <a:masterClrMapping/>
+  </p:clrMapOvr>
+</p:sld>
+</file>
+
+<file path=ppt/slides/slide39.xml><?xml version="1.0" encoding="utf-8"?>
+<p:sld xmlns:a="http://schemas.openxmlformats.org/drawingml/2006/main" xmlns:r="http://schemas.openxmlformats.org/officeDocument/2006/relationships" xmlns:p="http://schemas.openxmlformats.org/presentationml/2006/main">
+  <p:cSld>
+    <p:spTree>
+      <p:nvGrpSpPr>
+        <p:cNvPr id="1" name=""/>
+        <p:cNvGrpSpPr/>
+        <p:nvPr/>
+      </p:nvGrpSpPr>
+      <p:grpSpPr>
+        <a:xfrm>
+          <a:off x="0" y="0"/>
+          <a:ext cx="0" cy="0"/>
+          <a:chOff x="0" y="0"/>
+          <a:chExt cx="0" cy="0"/>
+        </a:xfrm>
+      </p:grpSpPr>
+      <p:sp>
+        <p:nvSpPr>
+          <p:cNvPr id="2" name="Title 1">
+            <a:extLst>
+              <a:ext uri="{FF2B5EF4-FFF2-40B4-BE49-F238E27FC236}">
+                <a16:creationId xmlns:a16="http://schemas.microsoft.com/office/drawing/2014/main" id="{C3BE36CB-FCEF-4CDD-8548-4CABF2EA60E3}"/>
+              </a:ext>
+            </a:extLst>
+          </p:cNvPr>
+          <p:cNvSpPr>
+            <a:spLocks noGrp="1"/>
+          </p:cNvSpPr>
+          <p:nvPr>
+            <p:ph type="title"/>
+          </p:nvPr>
+        </p:nvSpPr>
+        <p:spPr/>
+        <p:txBody>
+          <a:bodyPr/>
+          <a:lstStyle/>
+          <a:p>
+            <a:r>
+              <a:rPr lang="en-US" dirty="0"/>
+              <a:t>ML Model 3.2</a:t>
+            </a:r>
+          </a:p>
+        </p:txBody>
+      </p:sp>
+      <p:sp>
+        <p:nvSpPr>
+          <p:cNvPr id="3" name="Content Placeholder 2">
+            <a:extLst>
+              <a:ext uri="{FF2B5EF4-FFF2-40B4-BE49-F238E27FC236}">
+                <a16:creationId xmlns:a16="http://schemas.microsoft.com/office/drawing/2014/main" id="{91608BD0-5497-46C2-AB7D-BC7FB328123F}"/>
+              </a:ext>
+            </a:extLst>
+          </p:cNvPr>
+          <p:cNvSpPr>
+            <a:spLocks noGrp="1"/>
+          </p:cNvSpPr>
+          <p:nvPr>
+            <p:ph idx="1"/>
+          </p:nvPr>
+        </p:nvSpPr>
+        <p:spPr>
+          <a:xfrm>
+            <a:off x="838200" y="1825625"/>
+            <a:ext cx="5257800" cy="4351338"/>
+          </a:xfrm>
+        </p:spPr>
+        <p:txBody>
+          <a:bodyPr/>
+          <a:lstStyle/>
+          <a:p>
+            <a:r>
+              <a:rPr lang="en-US" dirty="0"/>
+              <a:t>Drop neutral and compound scores</a:t>
+            </a:r>
+          </a:p>
+          <a:p>
+            <a:r>
+              <a:rPr lang="en-US" dirty="0"/>
+              <a:t>Use features that hyperparameter tuning found for v3.1</a:t>
+            </a:r>
+          </a:p>
+          <a:p>
+            <a:r>
+              <a:rPr lang="en-US" dirty="0"/>
+              <a:t>Test Score: 0.971</a:t>
+            </a:r>
+          </a:p>
+          <a:p>
+            <a:pPr lvl="1"/>
+            <a:r>
+              <a:rPr lang="en-US" dirty="0"/>
+              <a:t>Very similar</a:t>
+            </a:r>
+          </a:p>
+          <a:p>
+            <a:r>
+              <a:rPr lang="en-US" dirty="0"/>
+              <a:t>Careful, feature importance is not necessarily positive</a:t>
+            </a:r>
+          </a:p>
+          <a:p>
+            <a:endParaRPr lang="en-US" dirty="0"/>
+          </a:p>
+        </p:txBody>
+      </p:sp>
+      <p:pic>
+        <p:nvPicPr>
+          <p:cNvPr id="5" name="Picture 4" descr="A picture containing screenshot&#10;&#10;Description automatically generated">
+            <a:extLst>
+              <a:ext uri="{FF2B5EF4-FFF2-40B4-BE49-F238E27FC236}">
+                <a16:creationId xmlns:a16="http://schemas.microsoft.com/office/drawing/2014/main" id="{54A07093-AFF1-4695-8353-A5B02C600ECE}"/>
+              </a:ext>
+            </a:extLst>
+          </p:cNvPr>
+          <p:cNvPicPr>
+            <a:picLocks noChangeAspect="1"/>
+          </p:cNvPicPr>
+          <p:nvPr/>
+        </p:nvPicPr>
+        <p:blipFill>
+          <a:blip r:embed="rId2">
+            <a:extLst>
+              <a:ext uri="{28A0092B-C50C-407E-A947-70E740481C1C}">
+                <a14:useLocalDpi xmlns:a14="http://schemas.microsoft.com/office/drawing/2010/main" val="0"/>
+              </a:ext>
+            </a:extLst>
+          </a:blip>
+          <a:stretch>
+            <a:fillRect/>
+          </a:stretch>
+        </p:blipFill>
+        <p:spPr>
+          <a:xfrm>
+            <a:off x="6096000" y="762000"/>
+            <a:ext cx="6096000" cy="6096000"/>
+          </a:xfrm>
+          <a:prstGeom prst="rect">
+            <a:avLst/>
+          </a:prstGeom>
+        </p:spPr>
+      </p:pic>
+    </p:spTree>
+    <p:extLst>
+      <p:ext uri="{BB962C8B-B14F-4D97-AF65-F5344CB8AC3E}">
+        <p14:creationId xmlns:p14="http://schemas.microsoft.com/office/powerpoint/2010/main" val="988370358"/>
+      </p:ext>
+    </p:extLst>
+  </p:cSld>
+  <p:clrMapOvr>
+    <a:masterClrMapping/>
+  </p:clrMapOvr>
+</p:sld>
+</file>
+
 <file path=ppt/slides/slide4.xml><?xml version="1.0" encoding="utf-8"?>
 <p:sld xmlns:a="http://schemas.openxmlformats.org/drawingml/2006/main" xmlns:r="http://schemas.openxmlformats.org/officeDocument/2006/relationships" xmlns:p="http://schemas.openxmlformats.org/presentationml/2006/main">
   <p:cSld>
@@ -6108,6 +10043,526 @@
     <p:extLst>
       <p:ext uri="{BB962C8B-B14F-4D97-AF65-F5344CB8AC3E}">
         <p14:creationId xmlns:p14="http://schemas.microsoft.com/office/powerpoint/2010/main" val="966439425"/>
+      </p:ext>
+    </p:extLst>
+  </p:cSld>
+  <p:clrMapOvr>
+    <a:masterClrMapping/>
+  </p:clrMapOvr>
+</p:sld>
+</file>
+
+<file path=ppt/slides/slide40.xml><?xml version="1.0" encoding="utf-8"?>
+<p:sld xmlns:a="http://schemas.openxmlformats.org/drawingml/2006/main" xmlns:r="http://schemas.openxmlformats.org/officeDocument/2006/relationships" xmlns:p="http://schemas.openxmlformats.org/presentationml/2006/main">
+  <p:cSld>
+    <p:spTree>
+      <p:nvGrpSpPr>
+        <p:cNvPr id="1" name=""/>
+        <p:cNvGrpSpPr/>
+        <p:nvPr/>
+      </p:nvGrpSpPr>
+      <p:grpSpPr>
+        <a:xfrm>
+          <a:off x="0" y="0"/>
+          <a:ext cx="0" cy="0"/>
+          <a:chOff x="0" y="0"/>
+          <a:chExt cx="0" cy="0"/>
+        </a:xfrm>
+      </p:grpSpPr>
+      <p:sp>
+        <p:nvSpPr>
+          <p:cNvPr id="2" name="Title 1">
+            <a:extLst>
+              <a:ext uri="{FF2B5EF4-FFF2-40B4-BE49-F238E27FC236}">
+                <a16:creationId xmlns:a16="http://schemas.microsoft.com/office/drawing/2014/main" id="{F4A7765E-3EE8-4145-974F-61D6E0B352C2}"/>
+              </a:ext>
+            </a:extLst>
+          </p:cNvPr>
+          <p:cNvSpPr>
+            <a:spLocks noGrp="1"/>
+          </p:cNvSpPr>
+          <p:nvPr>
+            <p:ph type="title"/>
+          </p:nvPr>
+        </p:nvSpPr>
+        <p:spPr/>
+        <p:txBody>
+          <a:bodyPr/>
+          <a:lstStyle/>
+          <a:p>
+            <a:r>
+              <a:rPr lang="en-US" dirty="0"/>
+              <a:t>Positive vs Negative: Which Gets More Retweets?</a:t>
+            </a:r>
+          </a:p>
+        </p:txBody>
+      </p:sp>
+      <p:sp>
+        <p:nvSpPr>
+          <p:cNvPr id="3" name="Content Placeholder 2">
+            <a:extLst>
+              <a:ext uri="{FF2B5EF4-FFF2-40B4-BE49-F238E27FC236}">
+                <a16:creationId xmlns:a16="http://schemas.microsoft.com/office/drawing/2014/main" id="{1555966A-91FB-4C78-ABE2-A3BD9F507B6A}"/>
+              </a:ext>
+            </a:extLst>
+          </p:cNvPr>
+          <p:cNvSpPr>
+            <a:spLocks noGrp="1"/>
+          </p:cNvSpPr>
+          <p:nvPr>
+            <p:ph idx="1"/>
+          </p:nvPr>
+        </p:nvSpPr>
+        <p:spPr>
+          <a:xfrm>
+            <a:off x="838200" y="1825625"/>
+            <a:ext cx="5257800" cy="3307849"/>
+          </a:xfrm>
+        </p:spPr>
+        <p:txBody>
+          <a:bodyPr/>
+          <a:lstStyle/>
+          <a:p>
+            <a:r>
+              <a:rPr lang="en-US" dirty="0"/>
+              <a:t>Predict class probabilities on simulated data</a:t>
+            </a:r>
+          </a:p>
+          <a:p>
+            <a:r>
+              <a:rPr lang="en-US" dirty="0"/>
+              <a:t>One has positive sentiment, one has negative</a:t>
+            </a:r>
+          </a:p>
+          <a:p>
+            <a:pPr lvl="1"/>
+            <a:r>
+              <a:rPr lang="en-US" dirty="0"/>
+              <a:t>Everything else controlled</a:t>
+            </a:r>
+          </a:p>
+        </p:txBody>
+      </p:sp>
+      <p:pic>
+        <p:nvPicPr>
+          <p:cNvPr id="5" name="Picture 4" descr="A screenshot of a cell phone&#10;&#10;Description automatically generated">
+            <a:extLst>
+              <a:ext uri="{FF2B5EF4-FFF2-40B4-BE49-F238E27FC236}">
+                <a16:creationId xmlns:a16="http://schemas.microsoft.com/office/drawing/2014/main" id="{6512ECF8-2D84-4A5F-B8A7-8018AC198A17}"/>
+              </a:ext>
+            </a:extLst>
+          </p:cNvPr>
+          <p:cNvPicPr>
+            <a:picLocks noChangeAspect="1"/>
+          </p:cNvPicPr>
+          <p:nvPr/>
+        </p:nvPicPr>
+        <p:blipFill>
+          <a:blip r:embed="rId2">
+            <a:extLst>
+              <a:ext uri="{28A0092B-C50C-407E-A947-70E740481C1C}">
+                <a14:useLocalDpi xmlns:a14="http://schemas.microsoft.com/office/drawing/2010/main" val="0"/>
+              </a:ext>
+            </a:extLst>
+          </a:blip>
+          <a:stretch>
+            <a:fillRect/>
+          </a:stretch>
+        </p:blipFill>
+        <p:spPr>
+          <a:xfrm>
+            <a:off x="6096000" y="1391236"/>
+            <a:ext cx="6113291" cy="4075527"/>
+          </a:xfrm>
+          <a:prstGeom prst="rect">
+            <a:avLst/>
+          </a:prstGeom>
+        </p:spPr>
+      </p:pic>
+    </p:spTree>
+    <p:extLst>
+      <p:ext uri="{BB962C8B-B14F-4D97-AF65-F5344CB8AC3E}">
+        <p14:creationId xmlns:p14="http://schemas.microsoft.com/office/powerpoint/2010/main" val="607515739"/>
+      </p:ext>
+    </p:extLst>
+  </p:cSld>
+  <p:clrMapOvr>
+    <a:masterClrMapping/>
+  </p:clrMapOvr>
+</p:sld>
+</file>
+
+<file path=ppt/slides/slide41.xml><?xml version="1.0" encoding="utf-8"?>
+<p:sld xmlns:a="http://schemas.openxmlformats.org/drawingml/2006/main" xmlns:r="http://schemas.openxmlformats.org/officeDocument/2006/relationships" xmlns:p="http://schemas.openxmlformats.org/presentationml/2006/main">
+  <p:cSld>
+    <p:spTree>
+      <p:nvGrpSpPr>
+        <p:cNvPr id="1" name=""/>
+        <p:cNvGrpSpPr/>
+        <p:nvPr/>
+      </p:nvGrpSpPr>
+      <p:grpSpPr>
+        <a:xfrm>
+          <a:off x="0" y="0"/>
+          <a:ext cx="0" cy="0"/>
+          <a:chOff x="0" y="0"/>
+          <a:chExt cx="0" cy="0"/>
+        </a:xfrm>
+      </p:grpSpPr>
+      <p:sp>
+        <p:nvSpPr>
+          <p:cNvPr id="2" name="Title 1">
+            <a:extLst>
+              <a:ext uri="{FF2B5EF4-FFF2-40B4-BE49-F238E27FC236}">
+                <a16:creationId xmlns:a16="http://schemas.microsoft.com/office/drawing/2014/main" id="{9B3F8442-422C-463B-B47A-4093FCDF3013}"/>
+              </a:ext>
+            </a:extLst>
+          </p:cNvPr>
+          <p:cNvSpPr>
+            <a:spLocks noGrp="1"/>
+          </p:cNvSpPr>
+          <p:nvPr>
+            <p:ph type="title"/>
+          </p:nvPr>
+        </p:nvSpPr>
+        <p:spPr/>
+        <p:txBody>
+          <a:bodyPr/>
+          <a:lstStyle/>
+          <a:p>
+            <a:r>
+              <a:rPr lang="en-US" dirty="0"/>
+              <a:t>Overview</a:t>
+            </a:r>
+          </a:p>
+        </p:txBody>
+      </p:sp>
+      <p:sp>
+        <p:nvSpPr>
+          <p:cNvPr id="3" name="Content Placeholder 2">
+            <a:extLst>
+              <a:ext uri="{FF2B5EF4-FFF2-40B4-BE49-F238E27FC236}">
+                <a16:creationId xmlns:a16="http://schemas.microsoft.com/office/drawing/2014/main" id="{6AB39684-CE4E-4FF8-ADE9-CFC2B3DF6186}"/>
+              </a:ext>
+            </a:extLst>
+          </p:cNvPr>
+          <p:cNvSpPr>
+            <a:spLocks noGrp="1"/>
+          </p:cNvSpPr>
+          <p:nvPr>
+            <p:ph idx="1"/>
+          </p:nvPr>
+        </p:nvSpPr>
+        <p:spPr/>
+        <p:txBody>
+          <a:bodyPr/>
+          <a:lstStyle/>
+          <a:p>
+            <a:r>
+              <a:rPr lang="en-US" dirty="0">
+                <a:solidFill>
+                  <a:schemeClr val="bg2">
+                    <a:lumMod val="75000"/>
+                  </a:schemeClr>
+                </a:solidFill>
+              </a:rPr>
+              <a:t>What’s Bungie / Destiny 2?</a:t>
+            </a:r>
+          </a:p>
+          <a:p>
+            <a:r>
+              <a:rPr lang="en-US" dirty="0">
+                <a:solidFill>
+                  <a:schemeClr val="bg2">
+                    <a:lumMod val="75000"/>
+                  </a:schemeClr>
+                </a:solidFill>
+              </a:rPr>
+              <a:t>Getting Data From Twitter</a:t>
+            </a:r>
+          </a:p>
+          <a:p>
+            <a:r>
+              <a:rPr lang="en-US" dirty="0">
+                <a:solidFill>
+                  <a:schemeClr val="bg2">
+                    <a:lumMod val="75000"/>
+                  </a:schemeClr>
+                </a:solidFill>
+              </a:rPr>
+              <a:t>Exploratory Data Analysis</a:t>
+            </a:r>
+          </a:p>
+          <a:p>
+            <a:r>
+              <a:rPr lang="en-US" dirty="0">
+                <a:solidFill>
+                  <a:schemeClr val="bg2">
+                    <a:lumMod val="75000"/>
+                  </a:schemeClr>
+                </a:solidFill>
+              </a:rPr>
+              <a:t>Machine Learning Analysis</a:t>
+            </a:r>
+          </a:p>
+          <a:p>
+            <a:r>
+              <a:rPr lang="en-US" dirty="0"/>
+              <a:t>Conclusions</a:t>
+            </a:r>
+          </a:p>
+        </p:txBody>
+      </p:sp>
+    </p:spTree>
+    <p:extLst>
+      <p:ext uri="{BB962C8B-B14F-4D97-AF65-F5344CB8AC3E}">
+        <p14:creationId xmlns:p14="http://schemas.microsoft.com/office/powerpoint/2010/main" val="2939528607"/>
+      </p:ext>
+    </p:extLst>
+  </p:cSld>
+  <p:clrMapOvr>
+    <a:masterClrMapping/>
+  </p:clrMapOvr>
+</p:sld>
+</file>
+
+<file path=ppt/slides/slide42.xml><?xml version="1.0" encoding="utf-8"?>
+<p:sld xmlns:a="http://schemas.openxmlformats.org/drawingml/2006/main" xmlns:r="http://schemas.openxmlformats.org/officeDocument/2006/relationships" xmlns:p="http://schemas.openxmlformats.org/presentationml/2006/main">
+  <p:cSld>
+    <p:spTree>
+      <p:nvGrpSpPr>
+        <p:cNvPr id="1" name=""/>
+        <p:cNvGrpSpPr/>
+        <p:nvPr/>
+      </p:nvGrpSpPr>
+      <p:grpSpPr>
+        <a:xfrm>
+          <a:off x="0" y="0"/>
+          <a:ext cx="0" cy="0"/>
+          <a:chOff x="0" y="0"/>
+          <a:chExt cx="0" cy="0"/>
+        </a:xfrm>
+      </p:grpSpPr>
+      <p:sp>
+        <p:nvSpPr>
+          <p:cNvPr id="2" name="Title 1">
+            <a:extLst>
+              <a:ext uri="{FF2B5EF4-FFF2-40B4-BE49-F238E27FC236}">
+                <a16:creationId xmlns:a16="http://schemas.microsoft.com/office/drawing/2014/main" id="{44B6FC54-2A2E-4F5F-AADE-18EA5CA36490}"/>
+              </a:ext>
+            </a:extLst>
+          </p:cNvPr>
+          <p:cNvSpPr>
+            <a:spLocks noGrp="1"/>
+          </p:cNvSpPr>
+          <p:nvPr>
+            <p:ph type="title"/>
+          </p:nvPr>
+        </p:nvSpPr>
+        <p:spPr/>
+        <p:txBody>
+          <a:bodyPr/>
+          <a:lstStyle/>
+          <a:p>
+            <a:r>
+              <a:rPr lang="en-US" dirty="0"/>
+              <a:t>Conclusions</a:t>
+            </a:r>
+          </a:p>
+        </p:txBody>
+      </p:sp>
+      <p:sp>
+        <p:nvSpPr>
+          <p:cNvPr id="3" name="Content Placeholder 2">
+            <a:extLst>
+              <a:ext uri="{FF2B5EF4-FFF2-40B4-BE49-F238E27FC236}">
+                <a16:creationId xmlns:a16="http://schemas.microsoft.com/office/drawing/2014/main" id="{0ADE0118-02BA-470F-BB1A-BA4E0EC2DD43}"/>
+              </a:ext>
+            </a:extLst>
+          </p:cNvPr>
+          <p:cNvSpPr>
+            <a:spLocks noGrp="1"/>
+          </p:cNvSpPr>
+          <p:nvPr>
+            <p:ph idx="1"/>
+          </p:nvPr>
+        </p:nvSpPr>
+        <p:spPr/>
+        <p:txBody>
+          <a:bodyPr/>
+          <a:lstStyle/>
+          <a:p>
+            <a:r>
+              <a:rPr lang="en-US" dirty="0"/>
+              <a:t>Wanted to draw conclusions from social media data</a:t>
+            </a:r>
+          </a:p>
+          <a:p>
+            <a:r>
+              <a:rPr lang="en-US" dirty="0"/>
+              <a:t>Found that:</a:t>
+            </a:r>
+          </a:p>
+          <a:p>
+            <a:pPr lvl="1"/>
+            <a:r>
+              <a:rPr lang="en-US" dirty="0"/>
+              <a:t>People are more active on Twitter in the evening</a:t>
+            </a:r>
+          </a:p>
+          <a:p>
+            <a:pPr lvl="1"/>
+            <a:r>
+              <a:rPr lang="en-US" dirty="0"/>
+              <a:t>People can tweet right after Bungie or Destiny to get a small engagement boost</a:t>
+            </a:r>
+          </a:p>
+          <a:p>
+            <a:pPr lvl="1"/>
+            <a:r>
+              <a:rPr lang="en-US" dirty="0"/>
+              <a:t>ML models can predict if tweets will fall into a certain range</a:t>
+            </a:r>
+          </a:p>
+          <a:p>
+            <a:pPr lvl="2"/>
+            <a:r>
+              <a:rPr lang="en-US" dirty="0"/>
+              <a:t>Can repurpose this to help Bungie craft tweets that should get more engagement</a:t>
+            </a:r>
+          </a:p>
+          <a:p>
+            <a:pPr lvl="1"/>
+            <a:r>
+              <a:rPr lang="en-US" dirty="0"/>
+              <a:t>People like positive tweets about Bungie and Destiny 2 way more than negative ones!</a:t>
+            </a:r>
+          </a:p>
+          <a:p>
+            <a:endParaRPr lang="en-US" dirty="0"/>
+          </a:p>
+        </p:txBody>
+      </p:sp>
+    </p:spTree>
+    <p:extLst>
+      <p:ext uri="{BB962C8B-B14F-4D97-AF65-F5344CB8AC3E}">
+        <p14:creationId xmlns:p14="http://schemas.microsoft.com/office/powerpoint/2010/main" val="1741277063"/>
+      </p:ext>
+    </p:extLst>
+  </p:cSld>
+  <p:clrMapOvr>
+    <a:masterClrMapping/>
+  </p:clrMapOvr>
+</p:sld>
+</file>
+
+<file path=ppt/slides/slide43.xml><?xml version="1.0" encoding="utf-8"?>
+<p:sld xmlns:a="http://schemas.openxmlformats.org/drawingml/2006/main" xmlns:r="http://schemas.openxmlformats.org/officeDocument/2006/relationships" xmlns:p="http://schemas.openxmlformats.org/presentationml/2006/main">
+  <p:cSld>
+    <p:spTree>
+      <p:nvGrpSpPr>
+        <p:cNvPr id="1" name=""/>
+        <p:cNvGrpSpPr/>
+        <p:nvPr/>
+      </p:nvGrpSpPr>
+      <p:grpSpPr>
+        <a:xfrm>
+          <a:off x="0" y="0"/>
+          <a:ext cx="0" cy="0"/>
+          <a:chOff x="0" y="0"/>
+          <a:chExt cx="0" cy="0"/>
+        </a:xfrm>
+      </p:grpSpPr>
+      <p:sp>
+        <p:nvSpPr>
+          <p:cNvPr id="2" name="Title 1">
+            <a:extLst>
+              <a:ext uri="{FF2B5EF4-FFF2-40B4-BE49-F238E27FC236}">
+                <a16:creationId xmlns:a16="http://schemas.microsoft.com/office/drawing/2014/main" id="{D0D900CC-3B42-4DBF-B2A8-A47986F07C3D}"/>
+              </a:ext>
+            </a:extLst>
+          </p:cNvPr>
+          <p:cNvSpPr>
+            <a:spLocks noGrp="1"/>
+          </p:cNvSpPr>
+          <p:nvPr>
+            <p:ph type="title"/>
+          </p:nvPr>
+        </p:nvSpPr>
+        <p:spPr/>
+        <p:txBody>
+          <a:bodyPr/>
+          <a:lstStyle/>
+          <a:p>
+            <a:r>
+              <a:rPr lang="en-US" dirty="0"/>
+              <a:t>Future Work</a:t>
+            </a:r>
+          </a:p>
+        </p:txBody>
+      </p:sp>
+      <p:sp>
+        <p:nvSpPr>
+          <p:cNvPr id="3" name="Content Placeholder 2">
+            <a:extLst>
+              <a:ext uri="{FF2B5EF4-FFF2-40B4-BE49-F238E27FC236}">
+                <a16:creationId xmlns:a16="http://schemas.microsoft.com/office/drawing/2014/main" id="{1D20F651-EA75-456B-8E98-F1C6FEA61843}"/>
+              </a:ext>
+            </a:extLst>
+          </p:cNvPr>
+          <p:cNvSpPr>
+            <a:spLocks noGrp="1"/>
+          </p:cNvSpPr>
+          <p:nvPr>
+            <p:ph idx="1"/>
+          </p:nvPr>
+        </p:nvSpPr>
+        <p:spPr/>
+        <p:txBody>
+          <a:bodyPr/>
+          <a:lstStyle/>
+          <a:p>
+            <a:r>
+              <a:rPr lang="en-US" dirty="0"/>
+              <a:t>Collect cleaner data</a:t>
+            </a:r>
+          </a:p>
+          <a:p>
+            <a:r>
+              <a:rPr lang="en-US" dirty="0"/>
+              <a:t>More exhaustive exploratory analysis</a:t>
+            </a:r>
+          </a:p>
+          <a:p>
+            <a:r>
+              <a:rPr lang="en-US" dirty="0"/>
+              <a:t>Use sentiment scores better</a:t>
+            </a:r>
+          </a:p>
+          <a:p>
+            <a:r>
+              <a:rPr lang="en-US" dirty="0"/>
+              <a:t>More categories for the ML models</a:t>
+            </a:r>
+          </a:p>
+          <a:p>
+            <a:r>
+              <a:rPr lang="en-US" dirty="0"/>
+              <a:t>Run a ML model on only official account tweets</a:t>
+            </a:r>
+          </a:p>
+          <a:p>
+            <a:pPr marL="0" indent="0">
+              <a:buNone/>
+            </a:pPr>
+            <a:endParaRPr lang="en-US" dirty="0"/>
+          </a:p>
+        </p:txBody>
+      </p:sp>
+    </p:spTree>
+    <p:extLst>
+      <p:ext uri="{BB962C8B-B14F-4D97-AF65-F5344CB8AC3E}">
+        <p14:creationId xmlns:p14="http://schemas.microsoft.com/office/powerpoint/2010/main" val="3471670931"/>
       </p:ext>
     </p:extLst>
   </p:cSld>
@@ -6492,7 +10947,7 @@
           <a:p>
             <a:r>
               <a:rPr lang="en-US" dirty="0"/>
-              <a:t>Searches (~10 days)</a:t>
+              <a:t>Search for 4 types of tweets </a:t>
             </a:r>
           </a:p>
           <a:p>
@@ -6646,6 +11101,12 @@
             <a:r>
               <a:rPr lang="en-US" dirty="0"/>
               <a:t>Concatenate them when appropriate</a:t>
+            </a:r>
+          </a:p>
+          <a:p>
+            <a:r>
+              <a:rPr lang="en-US" dirty="0"/>
+              <a:t>Datetime columns</a:t>
             </a:r>
           </a:p>
         </p:txBody>
@@ -7090,4 +11551,299 @@
     </a:ext>
   </a:extLst>
 </a:theme>
+</file>
+
+<file path=ppt/theme/theme2.xml><?xml version="1.0" encoding="utf-8"?>
+<a:theme xmlns:a="http://schemas.openxmlformats.org/drawingml/2006/main" name="Office Theme">
+  <a:themeElements>
+    <a:clrScheme name="Office">
+      <a:dk1>
+        <a:sysClr val="windowText" lastClr="000000"/>
+      </a:dk1>
+      <a:lt1>
+        <a:sysClr val="window" lastClr="FFFFFF"/>
+      </a:lt1>
+      <a:dk2>
+        <a:srgbClr val="44546A"/>
+      </a:dk2>
+      <a:lt2>
+        <a:srgbClr val="E7E6E6"/>
+      </a:lt2>
+      <a:accent1>
+        <a:srgbClr val="4472C4"/>
+      </a:accent1>
+      <a:accent2>
+        <a:srgbClr val="ED7D31"/>
+      </a:accent2>
+      <a:accent3>
+        <a:srgbClr val="A5A5A5"/>
+      </a:accent3>
+      <a:accent4>
+        <a:srgbClr val="FFC000"/>
+      </a:accent4>
+      <a:accent5>
+        <a:srgbClr val="5B9BD5"/>
+      </a:accent5>
+      <a:accent6>
+        <a:srgbClr val="70AD47"/>
+      </a:accent6>
+      <a:hlink>
+        <a:srgbClr val="0563C1"/>
+      </a:hlink>
+      <a:folHlink>
+        <a:srgbClr val="954F72"/>
+      </a:folHlink>
+    </a:clrScheme>
+    <a:fontScheme name="Office">
+      <a:majorFont>
+        <a:latin typeface="Calibri Light" panose="020F0302020204030204"/>
+        <a:ea typeface=""/>
+        <a:cs typeface=""/>
+        <a:font script="Jpan" typeface="游ゴシック Light"/>
+        <a:font script="Hang" typeface="맑은 고딕"/>
+        <a:font script="Hans" typeface="等线 Light"/>
+        <a:font script="Hant" typeface="新細明體"/>
+        <a:font script="Arab" typeface="Times New Roman"/>
+        <a:font script="Hebr" typeface="Times New Roman"/>
+        <a:font script="Thai" typeface="Angsana New"/>
+        <a:font script="Ethi" typeface="Nyala"/>
+        <a:font script="Beng" typeface="Vrinda"/>
+        <a:font script="Gujr" typeface="Shruti"/>
+        <a:font script="Khmr" typeface="MoolBoran"/>
+        <a:font script="Knda" typeface="Tunga"/>
+        <a:font script="Guru" typeface="Raavi"/>
+        <a:font script="Cans" typeface="Euphemia"/>
+        <a:font script="Cher" typeface="Plantagenet Cherokee"/>
+        <a:font script="Yiii" typeface="Microsoft Yi Baiti"/>
+        <a:font script="Tibt" typeface="Microsoft Himalaya"/>
+        <a:font script="Thaa" typeface="MV Boli"/>
+        <a:font script="Deva" typeface="Mangal"/>
+        <a:font script="Telu" typeface="Gautami"/>
+        <a:font script="Taml" typeface="Latha"/>
+        <a:font script="Syrc" typeface="Estrangelo Edessa"/>
+        <a:font script="Orya" typeface="Kalinga"/>
+        <a:font script="Mlym" typeface="Kartika"/>
+        <a:font script="Laoo" typeface="DokChampa"/>
+        <a:font script="Sinh" typeface="Iskoola Pota"/>
+        <a:font script="Mong" typeface="Mongolian Baiti"/>
+        <a:font script="Viet" typeface="Times New Roman"/>
+        <a:font script="Uigh" typeface="Microsoft Uighur"/>
+        <a:font script="Geor" typeface="Sylfaen"/>
+        <a:font script="Armn" typeface="Arial"/>
+        <a:font script="Bugi" typeface="Leelawadee UI"/>
+        <a:font script="Bopo" typeface="Microsoft JhengHei"/>
+        <a:font script="Java" typeface="Javanese Text"/>
+        <a:font script="Lisu" typeface="Segoe UI"/>
+        <a:font script="Mymr" typeface="Myanmar Text"/>
+        <a:font script="Nkoo" typeface="Ebrima"/>
+        <a:font script="Olck" typeface="Nirmala UI"/>
+        <a:font script="Osma" typeface="Ebrima"/>
+        <a:font script="Phag" typeface="Phagspa"/>
+        <a:font script="Syrn" typeface="Estrangelo Edessa"/>
+        <a:font script="Syrj" typeface="Estrangelo Edessa"/>
+        <a:font script="Syre" typeface="Estrangelo Edessa"/>
+        <a:font script="Sora" typeface="Nirmala UI"/>
+        <a:font script="Tale" typeface="Microsoft Tai Le"/>
+        <a:font script="Talu" typeface="Microsoft New Tai Lue"/>
+        <a:font script="Tfng" typeface="Ebrima"/>
+      </a:majorFont>
+      <a:minorFont>
+        <a:latin typeface="Calibri" panose="020F0502020204030204"/>
+        <a:ea typeface=""/>
+        <a:cs typeface=""/>
+        <a:font script="Jpan" typeface="游ゴシック"/>
+        <a:font script="Hang" typeface="맑은 고딕"/>
+        <a:font script="Hans" typeface="等线"/>
+        <a:font script="Hant" typeface="新細明體"/>
+        <a:font script="Arab" typeface="Arial"/>
+        <a:font script="Hebr" typeface="Arial"/>
+        <a:font script="Thai" typeface="Cordia New"/>
+        <a:font script="Ethi" typeface="Nyala"/>
+        <a:font script="Beng" typeface="Vrinda"/>
+        <a:font script="Gujr" typeface="Shruti"/>
+        <a:font script="Khmr" typeface="DaunPenh"/>
+        <a:font script="Knda" typeface="Tunga"/>
+        <a:font script="Guru" typeface="Raavi"/>
+        <a:font script="Cans" typeface="Euphemia"/>
+        <a:font script="Cher" typeface="Plantagenet Cherokee"/>
+        <a:font script="Yiii" typeface="Microsoft Yi Baiti"/>
+        <a:font script="Tibt" typeface="Microsoft Himalaya"/>
+        <a:font script="Thaa" typeface="MV Boli"/>
+        <a:font script="Deva" typeface="Mangal"/>
+        <a:font script="Telu" typeface="Gautami"/>
+        <a:font script="Taml" typeface="Latha"/>
+        <a:font script="Syrc" typeface="Estrangelo Edessa"/>
+        <a:font script="Orya" typeface="Kalinga"/>
+        <a:font script="Mlym" typeface="Kartika"/>
+        <a:font script="Laoo" typeface="DokChampa"/>
+        <a:font script="Sinh" typeface="Iskoola Pota"/>
+        <a:font script="Mong" typeface="Mongolian Baiti"/>
+        <a:font script="Viet" typeface="Arial"/>
+        <a:font script="Uigh" typeface="Microsoft Uighur"/>
+        <a:font script="Geor" typeface="Sylfaen"/>
+        <a:font script="Armn" typeface="Arial"/>
+        <a:font script="Bugi" typeface="Leelawadee UI"/>
+        <a:font script="Bopo" typeface="Microsoft JhengHei"/>
+        <a:font script="Java" typeface="Javanese Text"/>
+        <a:font script="Lisu" typeface="Segoe UI"/>
+        <a:font script="Mymr" typeface="Myanmar Text"/>
+        <a:font script="Nkoo" typeface="Ebrima"/>
+        <a:font script="Olck" typeface="Nirmala UI"/>
+        <a:font script="Osma" typeface="Ebrima"/>
+        <a:font script="Phag" typeface="Phagspa"/>
+        <a:font script="Syrn" typeface="Estrangelo Edessa"/>
+        <a:font script="Syrj" typeface="Estrangelo Edessa"/>
+        <a:font script="Syre" typeface="Estrangelo Edessa"/>
+        <a:font script="Sora" typeface="Nirmala UI"/>
+        <a:font script="Tale" typeface="Microsoft Tai Le"/>
+        <a:font script="Talu" typeface="Microsoft New Tai Lue"/>
+        <a:font script="Tfng" typeface="Ebrima"/>
+      </a:minorFont>
+    </a:fontScheme>
+    <a:fmtScheme name="Office">
+      <a:fillStyleLst>
+        <a:solidFill>
+          <a:schemeClr val="phClr"/>
+        </a:solidFill>
+        <a:gradFill rotWithShape="1">
+          <a:gsLst>
+            <a:gs pos="0">
+              <a:schemeClr val="phClr">
+                <a:lumMod val="110000"/>
+                <a:satMod val="105000"/>
+                <a:tint val="67000"/>
+              </a:schemeClr>
+            </a:gs>
+            <a:gs pos="50000">
+              <a:schemeClr val="phClr">
+                <a:lumMod val="105000"/>
+                <a:satMod val="103000"/>
+                <a:tint val="73000"/>
+              </a:schemeClr>
+            </a:gs>
+            <a:gs pos="100000">
+              <a:schemeClr val="phClr">
+                <a:lumMod val="105000"/>
+                <a:satMod val="109000"/>
+                <a:tint val="81000"/>
+              </a:schemeClr>
+            </a:gs>
+          </a:gsLst>
+          <a:lin ang="5400000" scaled="0"/>
+        </a:gradFill>
+        <a:gradFill rotWithShape="1">
+          <a:gsLst>
+            <a:gs pos="0">
+              <a:schemeClr val="phClr">
+                <a:satMod val="103000"/>
+                <a:lumMod val="102000"/>
+                <a:tint val="94000"/>
+              </a:schemeClr>
+            </a:gs>
+            <a:gs pos="50000">
+              <a:schemeClr val="phClr">
+                <a:satMod val="110000"/>
+                <a:lumMod val="100000"/>
+                <a:shade val="100000"/>
+              </a:schemeClr>
+            </a:gs>
+            <a:gs pos="100000">
+              <a:schemeClr val="phClr">
+                <a:lumMod val="99000"/>
+                <a:satMod val="120000"/>
+                <a:shade val="78000"/>
+              </a:schemeClr>
+            </a:gs>
+          </a:gsLst>
+          <a:lin ang="5400000" scaled="0"/>
+        </a:gradFill>
+      </a:fillStyleLst>
+      <a:lnStyleLst>
+        <a:ln w="6350" cap="flat" cmpd="sng" algn="ctr">
+          <a:solidFill>
+            <a:schemeClr val="phClr"/>
+          </a:solidFill>
+          <a:prstDash val="solid"/>
+          <a:miter lim="800000"/>
+        </a:ln>
+        <a:ln w="12700" cap="flat" cmpd="sng" algn="ctr">
+          <a:solidFill>
+            <a:schemeClr val="phClr"/>
+          </a:solidFill>
+          <a:prstDash val="solid"/>
+          <a:miter lim="800000"/>
+        </a:ln>
+        <a:ln w="19050" cap="flat" cmpd="sng" algn="ctr">
+          <a:solidFill>
+            <a:schemeClr val="phClr"/>
+          </a:solidFill>
+          <a:prstDash val="solid"/>
+          <a:miter lim="800000"/>
+        </a:ln>
+      </a:lnStyleLst>
+      <a:effectStyleLst>
+        <a:effectStyle>
+          <a:effectLst/>
+        </a:effectStyle>
+        <a:effectStyle>
+          <a:effectLst/>
+        </a:effectStyle>
+        <a:effectStyle>
+          <a:effectLst>
+            <a:outerShdw blurRad="57150" dist="19050" dir="5400000" algn="ctr" rotWithShape="0">
+              <a:srgbClr val="000000">
+                <a:alpha val="63000"/>
+              </a:srgbClr>
+            </a:outerShdw>
+          </a:effectLst>
+        </a:effectStyle>
+      </a:effectStyleLst>
+      <a:bgFillStyleLst>
+        <a:solidFill>
+          <a:schemeClr val="phClr"/>
+        </a:solidFill>
+        <a:solidFill>
+          <a:schemeClr val="phClr">
+            <a:tint val="95000"/>
+            <a:satMod val="170000"/>
+          </a:schemeClr>
+        </a:solidFill>
+        <a:gradFill rotWithShape="1">
+          <a:gsLst>
+            <a:gs pos="0">
+              <a:schemeClr val="phClr">
+                <a:tint val="93000"/>
+                <a:satMod val="150000"/>
+                <a:shade val="98000"/>
+                <a:lumMod val="102000"/>
+              </a:schemeClr>
+            </a:gs>
+            <a:gs pos="50000">
+              <a:schemeClr val="phClr">
+                <a:tint val="98000"/>
+                <a:satMod val="130000"/>
+                <a:shade val="90000"/>
+                <a:lumMod val="103000"/>
+              </a:schemeClr>
+            </a:gs>
+            <a:gs pos="100000">
+              <a:schemeClr val="phClr">
+                <a:shade val="63000"/>
+                <a:satMod val="120000"/>
+              </a:schemeClr>
+            </a:gs>
+          </a:gsLst>
+          <a:lin ang="5400000" scaled="0"/>
+        </a:gradFill>
+      </a:bgFillStyleLst>
+    </a:fmtScheme>
+  </a:themeElements>
+  <a:objectDefaults/>
+  <a:extraClrSchemeLst/>
+  <a:extLst>
+    <a:ext uri="{05A4C25C-085E-4340-85A3-A5531E510DB2}">
+      <thm15:themeFamily xmlns:thm15="http://schemas.microsoft.com/office/thememl/2012/main" name="Office Theme" id="{62F939B6-93AF-4DB8-9C6B-D6C7DFDC589F}" vid="{4A3C46E8-61CC-4603-A589-7422A47A8E4A}"/>
+    </a:ext>
+  </a:extLst>
+</a:theme>
 </file>
--- a/capstone_project_2/reports/capstone_project_2_presentation.pptx
+++ b/capstone_project_2/reports/capstone_project_2_presentation.pptx
@@ -151,7 +151,7 @@
   </p:defaultTextStyle>
   <p:extLst>
     <p:ext uri="{EFAFB233-063F-42B5-8137-9DF3F51BA10A}">
-      <p15:sldGuideLst xmlns:p15="http://schemas.microsoft.com/office/powerpoint/2012/main"/>
+      <p15:sldGuideLst xmlns:p15="http://schemas.microsoft.com/office/powerpoint/2012/main" xmlns=""/>
     </p:ext>
   </p:extLst>
 </p:presentation>
@@ -239,7 +239,7 @@
           <a:p>
             <a:fld id="{91270B54-2322-4E1C-8800-4E24EFB21EEE}" type="datetimeFigureOut">
               <a:rPr lang="en-US" smtClean="0"/>
-              <a:t>5/3/2019</a:t>
+              <a:t>5/9/19</a:t>
             </a:fld>
             <a:endParaRPr lang="en-US"/>
           </a:p>
@@ -624,7 +624,7 @@
           <p:cNvPr id="2" name="Title 1">
             <a:extLst>
               <a:ext uri="{FF2B5EF4-FFF2-40B4-BE49-F238E27FC236}">
-                <a16:creationId xmlns:a16="http://schemas.microsoft.com/office/drawing/2014/main" id="{2D743C67-342E-4C53-A6E7-44E3765D500D}"/>
+                <a16:creationId xmlns:a16="http://schemas.microsoft.com/office/drawing/2014/main" xmlns="" id="{2D743C67-342E-4C53-A6E7-44E3765D500D}"/>
               </a:ext>
             </a:extLst>
           </p:cNvPr>
@@ -661,7 +661,7 @@
           <p:cNvPr id="3" name="Subtitle 2">
             <a:extLst>
               <a:ext uri="{FF2B5EF4-FFF2-40B4-BE49-F238E27FC236}">
-                <a16:creationId xmlns:a16="http://schemas.microsoft.com/office/drawing/2014/main" id="{4D715611-5234-4E66-92D0-C82D980DD0C9}"/>
+                <a16:creationId xmlns:a16="http://schemas.microsoft.com/office/drawing/2014/main" xmlns="" id="{4D715611-5234-4E66-92D0-C82D980DD0C9}"/>
               </a:ext>
             </a:extLst>
           </p:cNvPr>
@@ -731,7 +731,7 @@
           <p:cNvPr id="4" name="Date Placeholder 3">
             <a:extLst>
               <a:ext uri="{FF2B5EF4-FFF2-40B4-BE49-F238E27FC236}">
-                <a16:creationId xmlns:a16="http://schemas.microsoft.com/office/drawing/2014/main" id="{49CF8164-C0C9-4147-9A92-3CD0CA45A63C}"/>
+                <a16:creationId xmlns:a16="http://schemas.microsoft.com/office/drawing/2014/main" xmlns="" id="{49CF8164-C0C9-4147-9A92-3CD0CA45A63C}"/>
               </a:ext>
             </a:extLst>
           </p:cNvPr>
@@ -749,7 +749,7 @@
           <a:p>
             <a:fld id="{B0163545-E1C9-4676-B411-087136DE031F}" type="datetimeFigureOut">
               <a:rPr lang="en-US" smtClean="0"/>
-              <a:t>5/3/2019</a:t>
+              <a:t>5/9/19</a:t>
             </a:fld>
             <a:endParaRPr lang="en-US"/>
           </a:p>
@@ -760,7 +760,7 @@
           <p:cNvPr id="5" name="Footer Placeholder 4">
             <a:extLst>
               <a:ext uri="{FF2B5EF4-FFF2-40B4-BE49-F238E27FC236}">
-                <a16:creationId xmlns:a16="http://schemas.microsoft.com/office/drawing/2014/main" id="{D5B493FA-8BFC-42FF-9B5F-0C69DAABD695}"/>
+                <a16:creationId xmlns:a16="http://schemas.microsoft.com/office/drawing/2014/main" xmlns="" id="{D5B493FA-8BFC-42FF-9B5F-0C69DAABD695}"/>
               </a:ext>
             </a:extLst>
           </p:cNvPr>
@@ -785,7 +785,7 @@
           <p:cNvPr id="6" name="Slide Number Placeholder 5">
             <a:extLst>
               <a:ext uri="{FF2B5EF4-FFF2-40B4-BE49-F238E27FC236}">
-                <a16:creationId xmlns:a16="http://schemas.microsoft.com/office/drawing/2014/main" id="{F5CECFB5-A104-4A02-994D-D58B96AB6273}"/>
+                <a16:creationId xmlns:a16="http://schemas.microsoft.com/office/drawing/2014/main" xmlns="" id="{F5CECFB5-A104-4A02-994D-D58B96AB6273}"/>
               </a:ext>
             </a:extLst>
           </p:cNvPr>
@@ -844,7 +844,7 @@
           <p:cNvPr id="2" name="Title 1">
             <a:extLst>
               <a:ext uri="{FF2B5EF4-FFF2-40B4-BE49-F238E27FC236}">
-                <a16:creationId xmlns:a16="http://schemas.microsoft.com/office/drawing/2014/main" id="{560B1333-4A91-455B-AAA4-65B4BE3B693D}"/>
+                <a16:creationId xmlns:a16="http://schemas.microsoft.com/office/drawing/2014/main" xmlns="" id="{560B1333-4A91-455B-AAA4-65B4BE3B693D}"/>
               </a:ext>
             </a:extLst>
           </p:cNvPr>
@@ -872,7 +872,7 @@
           <p:cNvPr id="3" name="Vertical Text Placeholder 2">
             <a:extLst>
               <a:ext uri="{FF2B5EF4-FFF2-40B4-BE49-F238E27FC236}">
-                <a16:creationId xmlns:a16="http://schemas.microsoft.com/office/drawing/2014/main" id="{509F1309-6367-4C22-B363-8F43BAC6A4F8}"/>
+                <a16:creationId xmlns:a16="http://schemas.microsoft.com/office/drawing/2014/main" xmlns="" id="{509F1309-6367-4C22-B363-8F43BAC6A4F8}"/>
               </a:ext>
             </a:extLst>
           </p:cNvPr>
@@ -929,7 +929,7 @@
           <p:cNvPr id="4" name="Date Placeholder 3">
             <a:extLst>
               <a:ext uri="{FF2B5EF4-FFF2-40B4-BE49-F238E27FC236}">
-                <a16:creationId xmlns:a16="http://schemas.microsoft.com/office/drawing/2014/main" id="{FE79880D-268C-4CEC-BD35-383F4C5110BF}"/>
+                <a16:creationId xmlns:a16="http://schemas.microsoft.com/office/drawing/2014/main" xmlns="" id="{FE79880D-268C-4CEC-BD35-383F4C5110BF}"/>
               </a:ext>
             </a:extLst>
           </p:cNvPr>
@@ -947,7 +947,7 @@
           <a:p>
             <a:fld id="{B0163545-E1C9-4676-B411-087136DE031F}" type="datetimeFigureOut">
               <a:rPr lang="en-US" smtClean="0"/>
-              <a:t>5/3/2019</a:t>
+              <a:t>5/9/19</a:t>
             </a:fld>
             <a:endParaRPr lang="en-US"/>
           </a:p>
@@ -958,7 +958,7 @@
           <p:cNvPr id="5" name="Footer Placeholder 4">
             <a:extLst>
               <a:ext uri="{FF2B5EF4-FFF2-40B4-BE49-F238E27FC236}">
-                <a16:creationId xmlns:a16="http://schemas.microsoft.com/office/drawing/2014/main" id="{340CB473-4374-4CBE-8548-E94B404C6471}"/>
+                <a16:creationId xmlns:a16="http://schemas.microsoft.com/office/drawing/2014/main" xmlns="" id="{340CB473-4374-4CBE-8548-E94B404C6471}"/>
               </a:ext>
             </a:extLst>
           </p:cNvPr>
@@ -983,7 +983,7 @@
           <p:cNvPr id="6" name="Slide Number Placeholder 5">
             <a:extLst>
               <a:ext uri="{FF2B5EF4-FFF2-40B4-BE49-F238E27FC236}">
-                <a16:creationId xmlns:a16="http://schemas.microsoft.com/office/drawing/2014/main" id="{24CF495C-0DF0-4B03-B3AC-ABF56B4F7CA7}"/>
+                <a16:creationId xmlns:a16="http://schemas.microsoft.com/office/drawing/2014/main" xmlns="" id="{24CF495C-0DF0-4B03-B3AC-ABF56B4F7CA7}"/>
               </a:ext>
             </a:extLst>
           </p:cNvPr>
@@ -1042,7 +1042,7 @@
           <p:cNvPr id="2" name="Vertical Title 1">
             <a:extLst>
               <a:ext uri="{FF2B5EF4-FFF2-40B4-BE49-F238E27FC236}">
-                <a16:creationId xmlns:a16="http://schemas.microsoft.com/office/drawing/2014/main" id="{FE8A75EB-FA06-4176-897A-2705B0B224C9}"/>
+                <a16:creationId xmlns:a16="http://schemas.microsoft.com/office/drawing/2014/main" xmlns="" id="{FE8A75EB-FA06-4176-897A-2705B0B224C9}"/>
               </a:ext>
             </a:extLst>
           </p:cNvPr>
@@ -1075,7 +1075,7 @@
           <p:cNvPr id="3" name="Vertical Text Placeholder 2">
             <a:extLst>
               <a:ext uri="{FF2B5EF4-FFF2-40B4-BE49-F238E27FC236}">
-                <a16:creationId xmlns:a16="http://schemas.microsoft.com/office/drawing/2014/main" id="{19A2E33A-3153-41E5-A22C-634B0385DF50}"/>
+                <a16:creationId xmlns:a16="http://schemas.microsoft.com/office/drawing/2014/main" xmlns="" id="{19A2E33A-3153-41E5-A22C-634B0385DF50}"/>
               </a:ext>
             </a:extLst>
           </p:cNvPr>
@@ -1137,7 +1137,7 @@
           <p:cNvPr id="4" name="Date Placeholder 3">
             <a:extLst>
               <a:ext uri="{FF2B5EF4-FFF2-40B4-BE49-F238E27FC236}">
-                <a16:creationId xmlns:a16="http://schemas.microsoft.com/office/drawing/2014/main" id="{B2CB7EE3-B9D8-403F-94FD-5805C7A3492D}"/>
+                <a16:creationId xmlns:a16="http://schemas.microsoft.com/office/drawing/2014/main" xmlns="" id="{B2CB7EE3-B9D8-403F-94FD-5805C7A3492D}"/>
               </a:ext>
             </a:extLst>
           </p:cNvPr>
@@ -1155,7 +1155,7 @@
           <a:p>
             <a:fld id="{B0163545-E1C9-4676-B411-087136DE031F}" type="datetimeFigureOut">
               <a:rPr lang="en-US" smtClean="0"/>
-              <a:t>5/3/2019</a:t>
+              <a:t>5/9/19</a:t>
             </a:fld>
             <a:endParaRPr lang="en-US"/>
           </a:p>
@@ -1166,7 +1166,7 @@
           <p:cNvPr id="5" name="Footer Placeholder 4">
             <a:extLst>
               <a:ext uri="{FF2B5EF4-FFF2-40B4-BE49-F238E27FC236}">
-                <a16:creationId xmlns:a16="http://schemas.microsoft.com/office/drawing/2014/main" id="{EC0281DA-E010-4028-B062-37CA521CCC33}"/>
+                <a16:creationId xmlns:a16="http://schemas.microsoft.com/office/drawing/2014/main" xmlns="" id="{EC0281DA-E010-4028-B062-37CA521CCC33}"/>
               </a:ext>
             </a:extLst>
           </p:cNvPr>
@@ -1191,7 +1191,7 @@
           <p:cNvPr id="6" name="Slide Number Placeholder 5">
             <a:extLst>
               <a:ext uri="{FF2B5EF4-FFF2-40B4-BE49-F238E27FC236}">
-                <a16:creationId xmlns:a16="http://schemas.microsoft.com/office/drawing/2014/main" id="{0543D12B-39F3-4EEB-ACD4-3E8C953729CD}"/>
+                <a16:creationId xmlns:a16="http://schemas.microsoft.com/office/drawing/2014/main" xmlns="" id="{0543D12B-39F3-4EEB-ACD4-3E8C953729CD}"/>
               </a:ext>
             </a:extLst>
           </p:cNvPr>
@@ -1250,7 +1250,7 @@
           <p:cNvPr id="2" name="Title 1">
             <a:extLst>
               <a:ext uri="{FF2B5EF4-FFF2-40B4-BE49-F238E27FC236}">
-                <a16:creationId xmlns:a16="http://schemas.microsoft.com/office/drawing/2014/main" id="{3AEEE515-E35E-4C0A-95BE-8DFBA4CBDFCA}"/>
+                <a16:creationId xmlns:a16="http://schemas.microsoft.com/office/drawing/2014/main" xmlns="" id="{3AEEE515-E35E-4C0A-95BE-8DFBA4CBDFCA}"/>
               </a:ext>
             </a:extLst>
           </p:cNvPr>
@@ -1278,7 +1278,7 @@
           <p:cNvPr id="3" name="Content Placeholder 2">
             <a:extLst>
               <a:ext uri="{FF2B5EF4-FFF2-40B4-BE49-F238E27FC236}">
-                <a16:creationId xmlns:a16="http://schemas.microsoft.com/office/drawing/2014/main" id="{4B1C547E-A306-4729-95E9-7F0ADDCBAE5A}"/>
+                <a16:creationId xmlns:a16="http://schemas.microsoft.com/office/drawing/2014/main" xmlns="" id="{4B1C547E-A306-4729-95E9-7F0ADDCBAE5A}"/>
               </a:ext>
             </a:extLst>
           </p:cNvPr>
@@ -1335,7 +1335,7 @@
           <p:cNvPr id="4" name="Date Placeholder 3">
             <a:extLst>
               <a:ext uri="{FF2B5EF4-FFF2-40B4-BE49-F238E27FC236}">
-                <a16:creationId xmlns:a16="http://schemas.microsoft.com/office/drawing/2014/main" id="{D71907D7-71D4-4394-A109-B84518645277}"/>
+                <a16:creationId xmlns:a16="http://schemas.microsoft.com/office/drawing/2014/main" xmlns="" id="{D71907D7-71D4-4394-A109-B84518645277}"/>
               </a:ext>
             </a:extLst>
           </p:cNvPr>
@@ -1353,7 +1353,7 @@
           <a:p>
             <a:fld id="{B0163545-E1C9-4676-B411-087136DE031F}" type="datetimeFigureOut">
               <a:rPr lang="en-US" smtClean="0"/>
-              <a:t>5/3/2019</a:t>
+              <a:t>5/9/19</a:t>
             </a:fld>
             <a:endParaRPr lang="en-US"/>
           </a:p>
@@ -1364,7 +1364,7 @@
           <p:cNvPr id="5" name="Footer Placeholder 4">
             <a:extLst>
               <a:ext uri="{FF2B5EF4-FFF2-40B4-BE49-F238E27FC236}">
-                <a16:creationId xmlns:a16="http://schemas.microsoft.com/office/drawing/2014/main" id="{A480D334-1DC8-4155-A65C-2FAE72E5293D}"/>
+                <a16:creationId xmlns:a16="http://schemas.microsoft.com/office/drawing/2014/main" xmlns="" id="{A480D334-1DC8-4155-A65C-2FAE72E5293D}"/>
               </a:ext>
             </a:extLst>
           </p:cNvPr>
@@ -1389,7 +1389,7 @@
           <p:cNvPr id="6" name="Slide Number Placeholder 5">
             <a:extLst>
               <a:ext uri="{FF2B5EF4-FFF2-40B4-BE49-F238E27FC236}">
-                <a16:creationId xmlns:a16="http://schemas.microsoft.com/office/drawing/2014/main" id="{91795F46-FB85-4958-B9E5-17C90D88F1AB}"/>
+                <a16:creationId xmlns:a16="http://schemas.microsoft.com/office/drawing/2014/main" xmlns="" id="{91795F46-FB85-4958-B9E5-17C90D88F1AB}"/>
               </a:ext>
             </a:extLst>
           </p:cNvPr>
@@ -1448,7 +1448,7 @@
           <p:cNvPr id="2" name="Title 1">
             <a:extLst>
               <a:ext uri="{FF2B5EF4-FFF2-40B4-BE49-F238E27FC236}">
-                <a16:creationId xmlns:a16="http://schemas.microsoft.com/office/drawing/2014/main" id="{8E35CD3E-E533-4393-BCA8-95E70CD252BD}"/>
+                <a16:creationId xmlns:a16="http://schemas.microsoft.com/office/drawing/2014/main" xmlns="" id="{8E35CD3E-E533-4393-BCA8-95E70CD252BD}"/>
               </a:ext>
             </a:extLst>
           </p:cNvPr>
@@ -1485,7 +1485,7 @@
           <p:cNvPr id="3" name="Text Placeholder 2">
             <a:extLst>
               <a:ext uri="{FF2B5EF4-FFF2-40B4-BE49-F238E27FC236}">
-                <a16:creationId xmlns:a16="http://schemas.microsoft.com/office/drawing/2014/main" id="{74C572AD-E9AE-4956-9A35-DB6193F88A31}"/>
+                <a16:creationId xmlns:a16="http://schemas.microsoft.com/office/drawing/2014/main" xmlns="" id="{74C572AD-E9AE-4956-9A35-DB6193F88A31}"/>
               </a:ext>
             </a:extLst>
           </p:cNvPr>
@@ -1610,7 +1610,7 @@
           <p:cNvPr id="4" name="Date Placeholder 3">
             <a:extLst>
               <a:ext uri="{FF2B5EF4-FFF2-40B4-BE49-F238E27FC236}">
-                <a16:creationId xmlns:a16="http://schemas.microsoft.com/office/drawing/2014/main" id="{129D1F21-9374-4612-A170-E30D24484BF5}"/>
+                <a16:creationId xmlns:a16="http://schemas.microsoft.com/office/drawing/2014/main" xmlns="" id="{129D1F21-9374-4612-A170-E30D24484BF5}"/>
               </a:ext>
             </a:extLst>
           </p:cNvPr>
@@ -1628,7 +1628,7 @@
           <a:p>
             <a:fld id="{B0163545-E1C9-4676-B411-087136DE031F}" type="datetimeFigureOut">
               <a:rPr lang="en-US" smtClean="0"/>
-              <a:t>5/3/2019</a:t>
+              <a:t>5/9/19</a:t>
             </a:fld>
             <a:endParaRPr lang="en-US"/>
           </a:p>
@@ -1639,7 +1639,7 @@
           <p:cNvPr id="5" name="Footer Placeholder 4">
             <a:extLst>
               <a:ext uri="{FF2B5EF4-FFF2-40B4-BE49-F238E27FC236}">
-                <a16:creationId xmlns:a16="http://schemas.microsoft.com/office/drawing/2014/main" id="{AD56950E-47F3-4C36-A018-01A4299D13FA}"/>
+                <a16:creationId xmlns:a16="http://schemas.microsoft.com/office/drawing/2014/main" xmlns="" id="{AD56950E-47F3-4C36-A018-01A4299D13FA}"/>
               </a:ext>
             </a:extLst>
           </p:cNvPr>
@@ -1664,7 +1664,7 @@
           <p:cNvPr id="6" name="Slide Number Placeholder 5">
             <a:extLst>
               <a:ext uri="{FF2B5EF4-FFF2-40B4-BE49-F238E27FC236}">
-                <a16:creationId xmlns:a16="http://schemas.microsoft.com/office/drawing/2014/main" id="{B028C92B-D1A6-4004-A3A6-6007D030E71A}"/>
+                <a16:creationId xmlns:a16="http://schemas.microsoft.com/office/drawing/2014/main" xmlns="" id="{B028C92B-D1A6-4004-A3A6-6007D030E71A}"/>
               </a:ext>
             </a:extLst>
           </p:cNvPr>
@@ -1723,7 +1723,7 @@
           <p:cNvPr id="2" name="Title 1">
             <a:extLst>
               <a:ext uri="{FF2B5EF4-FFF2-40B4-BE49-F238E27FC236}">
-                <a16:creationId xmlns:a16="http://schemas.microsoft.com/office/drawing/2014/main" id="{E5859F2A-BEC2-48EB-9BC5-A8E44B50D099}"/>
+                <a16:creationId xmlns:a16="http://schemas.microsoft.com/office/drawing/2014/main" xmlns="" id="{E5859F2A-BEC2-48EB-9BC5-A8E44B50D099}"/>
               </a:ext>
             </a:extLst>
           </p:cNvPr>
@@ -1751,7 +1751,7 @@
           <p:cNvPr id="3" name="Content Placeholder 2">
             <a:extLst>
               <a:ext uri="{FF2B5EF4-FFF2-40B4-BE49-F238E27FC236}">
-                <a16:creationId xmlns:a16="http://schemas.microsoft.com/office/drawing/2014/main" id="{300CE207-E284-4F50-8E10-C49E900F4B39}"/>
+                <a16:creationId xmlns:a16="http://schemas.microsoft.com/office/drawing/2014/main" xmlns="" id="{300CE207-E284-4F50-8E10-C49E900F4B39}"/>
               </a:ext>
             </a:extLst>
           </p:cNvPr>
@@ -1813,7 +1813,7 @@
           <p:cNvPr id="4" name="Content Placeholder 3">
             <a:extLst>
               <a:ext uri="{FF2B5EF4-FFF2-40B4-BE49-F238E27FC236}">
-                <a16:creationId xmlns:a16="http://schemas.microsoft.com/office/drawing/2014/main" id="{ED524193-F0C7-426E-9028-1A175E55C250}"/>
+                <a16:creationId xmlns:a16="http://schemas.microsoft.com/office/drawing/2014/main" xmlns="" id="{ED524193-F0C7-426E-9028-1A175E55C250}"/>
               </a:ext>
             </a:extLst>
           </p:cNvPr>
@@ -1875,7 +1875,7 @@
           <p:cNvPr id="5" name="Date Placeholder 4">
             <a:extLst>
               <a:ext uri="{FF2B5EF4-FFF2-40B4-BE49-F238E27FC236}">
-                <a16:creationId xmlns:a16="http://schemas.microsoft.com/office/drawing/2014/main" id="{0306F252-5DDA-4F1B-A025-F4805687A21D}"/>
+                <a16:creationId xmlns:a16="http://schemas.microsoft.com/office/drawing/2014/main" xmlns="" id="{0306F252-5DDA-4F1B-A025-F4805687A21D}"/>
               </a:ext>
             </a:extLst>
           </p:cNvPr>
@@ -1893,7 +1893,7 @@
           <a:p>
             <a:fld id="{B0163545-E1C9-4676-B411-087136DE031F}" type="datetimeFigureOut">
               <a:rPr lang="en-US" smtClean="0"/>
-              <a:t>5/3/2019</a:t>
+              <a:t>5/9/19</a:t>
             </a:fld>
             <a:endParaRPr lang="en-US"/>
           </a:p>
@@ -1904,7 +1904,7 @@
           <p:cNvPr id="6" name="Footer Placeholder 5">
             <a:extLst>
               <a:ext uri="{FF2B5EF4-FFF2-40B4-BE49-F238E27FC236}">
-                <a16:creationId xmlns:a16="http://schemas.microsoft.com/office/drawing/2014/main" id="{DB7AAB7A-4A42-47CA-A862-11C557CFC150}"/>
+                <a16:creationId xmlns:a16="http://schemas.microsoft.com/office/drawing/2014/main" xmlns="" id="{DB7AAB7A-4A42-47CA-A862-11C557CFC150}"/>
               </a:ext>
             </a:extLst>
           </p:cNvPr>
@@ -1929,7 +1929,7 @@
           <p:cNvPr id="7" name="Slide Number Placeholder 6">
             <a:extLst>
               <a:ext uri="{FF2B5EF4-FFF2-40B4-BE49-F238E27FC236}">
-                <a16:creationId xmlns:a16="http://schemas.microsoft.com/office/drawing/2014/main" id="{91EF921F-237E-41AF-A6D7-4F2D75083809}"/>
+                <a16:creationId xmlns:a16="http://schemas.microsoft.com/office/drawing/2014/main" xmlns="" id="{91EF921F-237E-41AF-A6D7-4F2D75083809}"/>
               </a:ext>
             </a:extLst>
           </p:cNvPr>
@@ -1988,7 +1988,7 @@
           <p:cNvPr id="2" name="Title 1">
             <a:extLst>
               <a:ext uri="{FF2B5EF4-FFF2-40B4-BE49-F238E27FC236}">
-                <a16:creationId xmlns:a16="http://schemas.microsoft.com/office/drawing/2014/main" id="{F6082F68-EC12-4527-A58E-FBA1032026A3}"/>
+                <a16:creationId xmlns:a16="http://schemas.microsoft.com/office/drawing/2014/main" xmlns="" id="{F6082F68-EC12-4527-A58E-FBA1032026A3}"/>
               </a:ext>
             </a:extLst>
           </p:cNvPr>
@@ -2021,7 +2021,7 @@
           <p:cNvPr id="3" name="Text Placeholder 2">
             <a:extLst>
               <a:ext uri="{FF2B5EF4-FFF2-40B4-BE49-F238E27FC236}">
-                <a16:creationId xmlns:a16="http://schemas.microsoft.com/office/drawing/2014/main" id="{F793540D-BB9A-4219-B777-267103D7F61D}"/>
+                <a16:creationId xmlns:a16="http://schemas.microsoft.com/office/drawing/2014/main" xmlns="" id="{F793540D-BB9A-4219-B777-267103D7F61D}"/>
               </a:ext>
             </a:extLst>
           </p:cNvPr>
@@ -2092,7 +2092,7 @@
           <p:cNvPr id="4" name="Content Placeholder 3">
             <a:extLst>
               <a:ext uri="{FF2B5EF4-FFF2-40B4-BE49-F238E27FC236}">
-                <a16:creationId xmlns:a16="http://schemas.microsoft.com/office/drawing/2014/main" id="{C7C72A61-DF21-443B-8FCE-7B2D973A5183}"/>
+                <a16:creationId xmlns:a16="http://schemas.microsoft.com/office/drawing/2014/main" xmlns="" id="{C7C72A61-DF21-443B-8FCE-7B2D973A5183}"/>
               </a:ext>
             </a:extLst>
           </p:cNvPr>
@@ -2154,7 +2154,7 @@
           <p:cNvPr id="5" name="Text Placeholder 4">
             <a:extLst>
               <a:ext uri="{FF2B5EF4-FFF2-40B4-BE49-F238E27FC236}">
-                <a16:creationId xmlns:a16="http://schemas.microsoft.com/office/drawing/2014/main" id="{8E518F92-B986-4882-B731-617B93B157FB}"/>
+                <a16:creationId xmlns:a16="http://schemas.microsoft.com/office/drawing/2014/main" xmlns="" id="{8E518F92-B986-4882-B731-617B93B157FB}"/>
               </a:ext>
             </a:extLst>
           </p:cNvPr>
@@ -2225,7 +2225,7 @@
           <p:cNvPr id="6" name="Content Placeholder 5">
             <a:extLst>
               <a:ext uri="{FF2B5EF4-FFF2-40B4-BE49-F238E27FC236}">
-                <a16:creationId xmlns:a16="http://schemas.microsoft.com/office/drawing/2014/main" id="{B2FD1E04-1C20-420D-B092-4AEE3E4CA737}"/>
+                <a16:creationId xmlns:a16="http://schemas.microsoft.com/office/drawing/2014/main" xmlns="" id="{B2FD1E04-1C20-420D-B092-4AEE3E4CA737}"/>
               </a:ext>
             </a:extLst>
           </p:cNvPr>
@@ -2287,7 +2287,7 @@
           <p:cNvPr id="7" name="Date Placeholder 6">
             <a:extLst>
               <a:ext uri="{FF2B5EF4-FFF2-40B4-BE49-F238E27FC236}">
-                <a16:creationId xmlns:a16="http://schemas.microsoft.com/office/drawing/2014/main" id="{0FC2AAB4-E1BF-46EE-B5C4-59D20F04A5A4}"/>
+                <a16:creationId xmlns:a16="http://schemas.microsoft.com/office/drawing/2014/main" xmlns="" id="{0FC2AAB4-E1BF-46EE-B5C4-59D20F04A5A4}"/>
               </a:ext>
             </a:extLst>
           </p:cNvPr>
@@ -2305,7 +2305,7 @@
           <a:p>
             <a:fld id="{B0163545-E1C9-4676-B411-087136DE031F}" type="datetimeFigureOut">
               <a:rPr lang="en-US" smtClean="0"/>
-              <a:t>5/3/2019</a:t>
+              <a:t>5/9/19</a:t>
             </a:fld>
             <a:endParaRPr lang="en-US"/>
           </a:p>
@@ -2316,7 +2316,7 @@
           <p:cNvPr id="8" name="Footer Placeholder 7">
             <a:extLst>
               <a:ext uri="{FF2B5EF4-FFF2-40B4-BE49-F238E27FC236}">
-                <a16:creationId xmlns:a16="http://schemas.microsoft.com/office/drawing/2014/main" id="{2D4AB9CB-3FC9-4FF5-9A3C-008E7ABCDCB8}"/>
+                <a16:creationId xmlns:a16="http://schemas.microsoft.com/office/drawing/2014/main" xmlns="" id="{2D4AB9CB-3FC9-4FF5-9A3C-008E7ABCDCB8}"/>
               </a:ext>
             </a:extLst>
           </p:cNvPr>
@@ -2341,7 +2341,7 @@
           <p:cNvPr id="9" name="Slide Number Placeholder 8">
             <a:extLst>
               <a:ext uri="{FF2B5EF4-FFF2-40B4-BE49-F238E27FC236}">
-                <a16:creationId xmlns:a16="http://schemas.microsoft.com/office/drawing/2014/main" id="{94F28436-C3C2-4214-9320-C8CFD13D3466}"/>
+                <a16:creationId xmlns:a16="http://schemas.microsoft.com/office/drawing/2014/main" xmlns="" id="{94F28436-C3C2-4214-9320-C8CFD13D3466}"/>
               </a:ext>
             </a:extLst>
           </p:cNvPr>
@@ -2400,7 +2400,7 @@
           <p:cNvPr id="2" name="Title 1">
             <a:extLst>
               <a:ext uri="{FF2B5EF4-FFF2-40B4-BE49-F238E27FC236}">
-                <a16:creationId xmlns:a16="http://schemas.microsoft.com/office/drawing/2014/main" id="{0EF3AD5A-26B0-4C20-BCD2-C5F9DBFC5E0F}"/>
+                <a16:creationId xmlns:a16="http://schemas.microsoft.com/office/drawing/2014/main" xmlns="" id="{0EF3AD5A-26B0-4C20-BCD2-C5F9DBFC5E0F}"/>
               </a:ext>
             </a:extLst>
           </p:cNvPr>
@@ -2428,7 +2428,7 @@
           <p:cNvPr id="3" name="Date Placeholder 2">
             <a:extLst>
               <a:ext uri="{FF2B5EF4-FFF2-40B4-BE49-F238E27FC236}">
-                <a16:creationId xmlns:a16="http://schemas.microsoft.com/office/drawing/2014/main" id="{3A4D5F53-9A02-4A81-B273-81ADB645F7A4}"/>
+                <a16:creationId xmlns:a16="http://schemas.microsoft.com/office/drawing/2014/main" xmlns="" id="{3A4D5F53-9A02-4A81-B273-81ADB645F7A4}"/>
               </a:ext>
             </a:extLst>
           </p:cNvPr>
@@ -2446,7 +2446,7 @@
           <a:p>
             <a:fld id="{B0163545-E1C9-4676-B411-087136DE031F}" type="datetimeFigureOut">
               <a:rPr lang="en-US" smtClean="0"/>
-              <a:t>5/3/2019</a:t>
+              <a:t>5/9/19</a:t>
             </a:fld>
             <a:endParaRPr lang="en-US"/>
           </a:p>
@@ -2457,7 +2457,7 @@
           <p:cNvPr id="4" name="Footer Placeholder 3">
             <a:extLst>
               <a:ext uri="{FF2B5EF4-FFF2-40B4-BE49-F238E27FC236}">
-                <a16:creationId xmlns:a16="http://schemas.microsoft.com/office/drawing/2014/main" id="{1FEEF6F4-D7D8-4564-A70C-8B19C62AFA11}"/>
+                <a16:creationId xmlns:a16="http://schemas.microsoft.com/office/drawing/2014/main" xmlns="" id="{1FEEF6F4-D7D8-4564-A70C-8B19C62AFA11}"/>
               </a:ext>
             </a:extLst>
           </p:cNvPr>
@@ -2482,7 +2482,7 @@
           <p:cNvPr id="5" name="Slide Number Placeholder 4">
             <a:extLst>
               <a:ext uri="{FF2B5EF4-FFF2-40B4-BE49-F238E27FC236}">
-                <a16:creationId xmlns:a16="http://schemas.microsoft.com/office/drawing/2014/main" id="{9C30E5E8-C36B-4F84-8E7C-D44E2300AFE4}"/>
+                <a16:creationId xmlns:a16="http://schemas.microsoft.com/office/drawing/2014/main" xmlns="" id="{9C30E5E8-C36B-4F84-8E7C-D44E2300AFE4}"/>
               </a:ext>
             </a:extLst>
           </p:cNvPr>
@@ -2541,7 +2541,7 @@
           <p:cNvPr id="2" name="Date Placeholder 1">
             <a:extLst>
               <a:ext uri="{FF2B5EF4-FFF2-40B4-BE49-F238E27FC236}">
-                <a16:creationId xmlns:a16="http://schemas.microsoft.com/office/drawing/2014/main" id="{3C04C12D-FB55-4B53-A831-1D56C925B726}"/>
+                <a16:creationId xmlns:a16="http://schemas.microsoft.com/office/drawing/2014/main" xmlns="" id="{3C04C12D-FB55-4B53-A831-1D56C925B726}"/>
               </a:ext>
             </a:extLst>
           </p:cNvPr>
@@ -2559,7 +2559,7 @@
           <a:p>
             <a:fld id="{B0163545-E1C9-4676-B411-087136DE031F}" type="datetimeFigureOut">
               <a:rPr lang="en-US" smtClean="0"/>
-              <a:t>5/3/2019</a:t>
+              <a:t>5/9/19</a:t>
             </a:fld>
             <a:endParaRPr lang="en-US"/>
           </a:p>
@@ -2570,7 +2570,7 @@
           <p:cNvPr id="3" name="Footer Placeholder 2">
             <a:extLst>
               <a:ext uri="{FF2B5EF4-FFF2-40B4-BE49-F238E27FC236}">
-                <a16:creationId xmlns:a16="http://schemas.microsoft.com/office/drawing/2014/main" id="{B140660B-6DB0-4D0A-8EF7-6E2BF8FEA3BD}"/>
+                <a16:creationId xmlns:a16="http://schemas.microsoft.com/office/drawing/2014/main" xmlns="" id="{B140660B-6DB0-4D0A-8EF7-6E2BF8FEA3BD}"/>
               </a:ext>
             </a:extLst>
           </p:cNvPr>
@@ -2595,7 +2595,7 @@
           <p:cNvPr id="4" name="Slide Number Placeholder 3">
             <a:extLst>
               <a:ext uri="{FF2B5EF4-FFF2-40B4-BE49-F238E27FC236}">
-                <a16:creationId xmlns:a16="http://schemas.microsoft.com/office/drawing/2014/main" id="{2E24DA44-860F-41C1-B2AE-D43D46D96874}"/>
+                <a16:creationId xmlns:a16="http://schemas.microsoft.com/office/drawing/2014/main" xmlns="" id="{2E24DA44-860F-41C1-B2AE-D43D46D96874}"/>
               </a:ext>
             </a:extLst>
           </p:cNvPr>
@@ -2654,7 +2654,7 @@
           <p:cNvPr id="2" name="Title 1">
             <a:extLst>
               <a:ext uri="{FF2B5EF4-FFF2-40B4-BE49-F238E27FC236}">
-                <a16:creationId xmlns:a16="http://schemas.microsoft.com/office/drawing/2014/main" id="{DC681FC3-2B0F-42C8-BB5F-3AD27B86CD0F}"/>
+                <a16:creationId xmlns:a16="http://schemas.microsoft.com/office/drawing/2014/main" xmlns="" id="{DC681FC3-2B0F-42C8-BB5F-3AD27B86CD0F}"/>
               </a:ext>
             </a:extLst>
           </p:cNvPr>
@@ -2691,7 +2691,7 @@
           <p:cNvPr id="3" name="Content Placeholder 2">
             <a:extLst>
               <a:ext uri="{FF2B5EF4-FFF2-40B4-BE49-F238E27FC236}">
-                <a16:creationId xmlns:a16="http://schemas.microsoft.com/office/drawing/2014/main" id="{04AE09E7-A472-466E-8F03-A5A56E4DA7B2}"/>
+                <a16:creationId xmlns:a16="http://schemas.microsoft.com/office/drawing/2014/main" xmlns="" id="{04AE09E7-A472-466E-8F03-A5A56E4DA7B2}"/>
               </a:ext>
             </a:extLst>
           </p:cNvPr>
@@ -2781,7 +2781,7 @@
           <p:cNvPr id="4" name="Text Placeholder 3">
             <a:extLst>
               <a:ext uri="{FF2B5EF4-FFF2-40B4-BE49-F238E27FC236}">
-                <a16:creationId xmlns:a16="http://schemas.microsoft.com/office/drawing/2014/main" id="{320D670A-5F2B-44BC-8AB7-FAFC173193E5}"/>
+                <a16:creationId xmlns:a16="http://schemas.microsoft.com/office/drawing/2014/main" xmlns="" id="{320D670A-5F2B-44BC-8AB7-FAFC173193E5}"/>
               </a:ext>
             </a:extLst>
           </p:cNvPr>
@@ -2852,7 +2852,7 @@
           <p:cNvPr id="5" name="Date Placeholder 4">
             <a:extLst>
               <a:ext uri="{FF2B5EF4-FFF2-40B4-BE49-F238E27FC236}">
-                <a16:creationId xmlns:a16="http://schemas.microsoft.com/office/drawing/2014/main" id="{3FABE7AB-6932-40CE-A64C-E0D2DE299F58}"/>
+                <a16:creationId xmlns:a16="http://schemas.microsoft.com/office/drawing/2014/main" xmlns="" id="{3FABE7AB-6932-40CE-A64C-E0D2DE299F58}"/>
               </a:ext>
             </a:extLst>
           </p:cNvPr>
@@ -2870,7 +2870,7 @@
           <a:p>
             <a:fld id="{B0163545-E1C9-4676-B411-087136DE031F}" type="datetimeFigureOut">
               <a:rPr lang="en-US" smtClean="0"/>
-              <a:t>5/3/2019</a:t>
+              <a:t>5/9/19</a:t>
             </a:fld>
             <a:endParaRPr lang="en-US"/>
           </a:p>
@@ -2881,7 +2881,7 @@
           <p:cNvPr id="6" name="Footer Placeholder 5">
             <a:extLst>
               <a:ext uri="{FF2B5EF4-FFF2-40B4-BE49-F238E27FC236}">
-                <a16:creationId xmlns:a16="http://schemas.microsoft.com/office/drawing/2014/main" id="{521B2ED5-F529-47A2-A149-AFFEAD6F62F8}"/>
+                <a16:creationId xmlns:a16="http://schemas.microsoft.com/office/drawing/2014/main" xmlns="" id="{521B2ED5-F529-47A2-A149-AFFEAD6F62F8}"/>
               </a:ext>
             </a:extLst>
           </p:cNvPr>
@@ -2906,7 +2906,7 @@
           <p:cNvPr id="7" name="Slide Number Placeholder 6">
             <a:extLst>
               <a:ext uri="{FF2B5EF4-FFF2-40B4-BE49-F238E27FC236}">
-                <a16:creationId xmlns:a16="http://schemas.microsoft.com/office/drawing/2014/main" id="{DD8A2B02-D763-424B-A82A-5850D6025401}"/>
+                <a16:creationId xmlns:a16="http://schemas.microsoft.com/office/drawing/2014/main" xmlns="" id="{DD8A2B02-D763-424B-A82A-5850D6025401}"/>
               </a:ext>
             </a:extLst>
           </p:cNvPr>
@@ -2965,7 +2965,7 @@
           <p:cNvPr id="2" name="Title 1">
             <a:extLst>
               <a:ext uri="{FF2B5EF4-FFF2-40B4-BE49-F238E27FC236}">
-                <a16:creationId xmlns:a16="http://schemas.microsoft.com/office/drawing/2014/main" id="{76F817F9-3EB9-4A1E-A887-B763881523C0}"/>
+                <a16:creationId xmlns:a16="http://schemas.microsoft.com/office/drawing/2014/main" xmlns="" id="{76F817F9-3EB9-4A1E-A887-B763881523C0}"/>
               </a:ext>
             </a:extLst>
           </p:cNvPr>
@@ -3002,7 +3002,7 @@
           <p:cNvPr id="3" name="Picture Placeholder 2">
             <a:extLst>
               <a:ext uri="{FF2B5EF4-FFF2-40B4-BE49-F238E27FC236}">
-                <a16:creationId xmlns:a16="http://schemas.microsoft.com/office/drawing/2014/main" id="{0669EB76-676C-482B-B866-9FC8803EC5CC}"/>
+                <a16:creationId xmlns:a16="http://schemas.microsoft.com/office/drawing/2014/main" xmlns="" id="{0669EB76-676C-482B-B866-9FC8803EC5CC}"/>
               </a:ext>
             </a:extLst>
           </p:cNvPr>
@@ -3069,7 +3069,7 @@
           <p:cNvPr id="4" name="Text Placeholder 3">
             <a:extLst>
               <a:ext uri="{FF2B5EF4-FFF2-40B4-BE49-F238E27FC236}">
-                <a16:creationId xmlns:a16="http://schemas.microsoft.com/office/drawing/2014/main" id="{C25F69A0-90A1-4457-AC08-C5225553B8EF}"/>
+                <a16:creationId xmlns:a16="http://schemas.microsoft.com/office/drawing/2014/main" xmlns="" id="{C25F69A0-90A1-4457-AC08-C5225553B8EF}"/>
               </a:ext>
             </a:extLst>
           </p:cNvPr>
@@ -3140,7 +3140,7 @@
           <p:cNvPr id="5" name="Date Placeholder 4">
             <a:extLst>
               <a:ext uri="{FF2B5EF4-FFF2-40B4-BE49-F238E27FC236}">
-                <a16:creationId xmlns:a16="http://schemas.microsoft.com/office/drawing/2014/main" id="{B532C56A-5190-4EAC-8274-AD6BBB9BDF2E}"/>
+                <a16:creationId xmlns:a16="http://schemas.microsoft.com/office/drawing/2014/main" xmlns="" id="{B532C56A-5190-4EAC-8274-AD6BBB9BDF2E}"/>
               </a:ext>
             </a:extLst>
           </p:cNvPr>
@@ -3158,7 +3158,7 @@
           <a:p>
             <a:fld id="{B0163545-E1C9-4676-B411-087136DE031F}" type="datetimeFigureOut">
               <a:rPr lang="en-US" smtClean="0"/>
-              <a:t>5/3/2019</a:t>
+              <a:t>5/9/19</a:t>
             </a:fld>
             <a:endParaRPr lang="en-US"/>
           </a:p>
@@ -3169,7 +3169,7 @@
           <p:cNvPr id="6" name="Footer Placeholder 5">
             <a:extLst>
               <a:ext uri="{FF2B5EF4-FFF2-40B4-BE49-F238E27FC236}">
-                <a16:creationId xmlns:a16="http://schemas.microsoft.com/office/drawing/2014/main" id="{B0A6E529-8FDF-441A-A661-9D3B2F169DE7}"/>
+                <a16:creationId xmlns:a16="http://schemas.microsoft.com/office/drawing/2014/main" xmlns="" id="{B0A6E529-8FDF-441A-A661-9D3B2F169DE7}"/>
               </a:ext>
             </a:extLst>
           </p:cNvPr>
@@ -3194,7 +3194,7 @@
           <p:cNvPr id="7" name="Slide Number Placeholder 6">
             <a:extLst>
               <a:ext uri="{FF2B5EF4-FFF2-40B4-BE49-F238E27FC236}">
-                <a16:creationId xmlns:a16="http://schemas.microsoft.com/office/drawing/2014/main" id="{4962DD04-FE0D-4F6B-85E6-5CBE376F5A55}"/>
+                <a16:creationId xmlns:a16="http://schemas.microsoft.com/office/drawing/2014/main" xmlns="" id="{4962DD04-FE0D-4F6B-85E6-5CBE376F5A55}"/>
               </a:ext>
             </a:extLst>
           </p:cNvPr>
@@ -3258,7 +3258,7 @@
           <p:cNvPr id="2" name="Title Placeholder 1">
             <a:extLst>
               <a:ext uri="{FF2B5EF4-FFF2-40B4-BE49-F238E27FC236}">
-                <a16:creationId xmlns:a16="http://schemas.microsoft.com/office/drawing/2014/main" id="{773FA4C5-5EC0-4ED8-99E8-93BB33872245}"/>
+                <a16:creationId xmlns:a16="http://schemas.microsoft.com/office/drawing/2014/main" xmlns="" id="{773FA4C5-5EC0-4ED8-99E8-93BB33872245}"/>
               </a:ext>
             </a:extLst>
           </p:cNvPr>
@@ -3296,7 +3296,7 @@
           <p:cNvPr id="3" name="Text Placeholder 2">
             <a:extLst>
               <a:ext uri="{FF2B5EF4-FFF2-40B4-BE49-F238E27FC236}">
-                <a16:creationId xmlns:a16="http://schemas.microsoft.com/office/drawing/2014/main" id="{8C92BDB2-9761-4ACF-B4C1-F1F982432A17}"/>
+                <a16:creationId xmlns:a16="http://schemas.microsoft.com/office/drawing/2014/main" xmlns="" id="{8C92BDB2-9761-4ACF-B4C1-F1F982432A17}"/>
               </a:ext>
             </a:extLst>
           </p:cNvPr>
@@ -3363,7 +3363,7 @@
           <p:cNvPr id="4" name="Date Placeholder 3">
             <a:extLst>
               <a:ext uri="{FF2B5EF4-FFF2-40B4-BE49-F238E27FC236}">
-                <a16:creationId xmlns:a16="http://schemas.microsoft.com/office/drawing/2014/main" id="{62C2EA85-B790-464E-ABDA-5564BEA9BB25}"/>
+                <a16:creationId xmlns:a16="http://schemas.microsoft.com/office/drawing/2014/main" xmlns="" id="{62C2EA85-B790-464E-ABDA-5564BEA9BB25}"/>
               </a:ext>
             </a:extLst>
           </p:cNvPr>
@@ -3399,7 +3399,7 @@
           <a:p>
             <a:fld id="{B0163545-E1C9-4676-B411-087136DE031F}" type="datetimeFigureOut">
               <a:rPr lang="en-US" smtClean="0"/>
-              <a:t>5/3/2019</a:t>
+              <a:t>5/9/19</a:t>
             </a:fld>
             <a:endParaRPr lang="en-US"/>
           </a:p>
@@ -3410,7 +3410,7 @@
           <p:cNvPr id="5" name="Footer Placeholder 4">
             <a:extLst>
               <a:ext uri="{FF2B5EF4-FFF2-40B4-BE49-F238E27FC236}">
-                <a16:creationId xmlns:a16="http://schemas.microsoft.com/office/drawing/2014/main" id="{E14333A1-FDFB-471B-BE59-FF8CEF3C2E05}"/>
+                <a16:creationId xmlns:a16="http://schemas.microsoft.com/office/drawing/2014/main" xmlns="" id="{E14333A1-FDFB-471B-BE59-FF8CEF3C2E05}"/>
               </a:ext>
             </a:extLst>
           </p:cNvPr>
@@ -3453,7 +3453,7 @@
           <p:cNvPr id="6" name="Slide Number Placeholder 5">
             <a:extLst>
               <a:ext uri="{FF2B5EF4-FFF2-40B4-BE49-F238E27FC236}">
-                <a16:creationId xmlns:a16="http://schemas.microsoft.com/office/drawing/2014/main" id="{9542245D-DAEE-4496-912D-5A345B73E7DC}"/>
+                <a16:creationId xmlns:a16="http://schemas.microsoft.com/office/drawing/2014/main" xmlns="" id="{9542245D-DAEE-4496-912D-5A345B73E7DC}"/>
               </a:ext>
             </a:extLst>
           </p:cNvPr>
@@ -3821,7 +3821,7 @@
           <p:cNvPr id="2" name="Title 1">
             <a:extLst>
               <a:ext uri="{FF2B5EF4-FFF2-40B4-BE49-F238E27FC236}">
-                <a16:creationId xmlns:a16="http://schemas.microsoft.com/office/drawing/2014/main" id="{939D25F3-7B70-4BE6-BCDB-F0EEAEDCA20C}"/>
+                <a16:creationId xmlns:a16="http://schemas.microsoft.com/office/drawing/2014/main" xmlns="" id="{939D25F3-7B70-4BE6-BCDB-F0EEAEDCA20C}"/>
               </a:ext>
             </a:extLst>
           </p:cNvPr>
@@ -3849,7 +3849,7 @@
           <p:cNvPr id="3" name="Subtitle 2">
             <a:extLst>
               <a:ext uri="{FF2B5EF4-FFF2-40B4-BE49-F238E27FC236}">
-                <a16:creationId xmlns:a16="http://schemas.microsoft.com/office/drawing/2014/main" id="{73ED9109-FFFD-4960-9728-FF6E3E821C12}"/>
+                <a16:creationId xmlns:a16="http://schemas.microsoft.com/office/drawing/2014/main" xmlns="" id="{73ED9109-FFFD-4960-9728-FF6E3E821C12}"/>
               </a:ext>
             </a:extLst>
           </p:cNvPr>
@@ -3917,7 +3917,7 @@
           <p:cNvPr id="2" name="Title 1">
             <a:extLst>
               <a:ext uri="{FF2B5EF4-FFF2-40B4-BE49-F238E27FC236}">
-                <a16:creationId xmlns:a16="http://schemas.microsoft.com/office/drawing/2014/main" id="{9DECECB0-722B-48B7-B594-715261BF81FA}"/>
+                <a16:creationId xmlns:a16="http://schemas.microsoft.com/office/drawing/2014/main" xmlns="" id="{9DECECB0-722B-48B7-B594-715261BF81FA}"/>
               </a:ext>
             </a:extLst>
           </p:cNvPr>
@@ -3945,7 +3945,7 @@
           <p:cNvPr id="3" name="Content Placeholder 2">
             <a:extLst>
               <a:ext uri="{FF2B5EF4-FFF2-40B4-BE49-F238E27FC236}">
-                <a16:creationId xmlns:a16="http://schemas.microsoft.com/office/drawing/2014/main" id="{16886CDA-6096-41F6-B7BD-23A7E263D5D8}"/>
+                <a16:creationId xmlns:a16="http://schemas.microsoft.com/office/drawing/2014/main" xmlns="" id="{16886CDA-6096-41F6-B7BD-23A7E263D5D8}"/>
               </a:ext>
             </a:extLst>
           </p:cNvPr>
@@ -3989,7 +3989,7 @@
           <p:cNvPr id="5" name="Picture 4">
             <a:extLst>
               <a:ext uri="{FF2B5EF4-FFF2-40B4-BE49-F238E27FC236}">
-                <a16:creationId xmlns:a16="http://schemas.microsoft.com/office/drawing/2014/main" id="{92E768B7-432E-4290-870C-A3CBC572B511}"/>
+                <a16:creationId xmlns:a16="http://schemas.microsoft.com/office/drawing/2014/main" xmlns="" id="{92E768B7-432E-4290-870C-A3CBC572B511}"/>
               </a:ext>
             </a:extLst>
           </p:cNvPr>
@@ -4055,7 +4055,7 @@
           <p:cNvPr id="2" name="Title 1">
             <a:extLst>
               <a:ext uri="{FF2B5EF4-FFF2-40B4-BE49-F238E27FC236}">
-                <a16:creationId xmlns:a16="http://schemas.microsoft.com/office/drawing/2014/main" id="{9DECECB0-722B-48B7-B594-715261BF81FA}"/>
+                <a16:creationId xmlns:a16="http://schemas.microsoft.com/office/drawing/2014/main" xmlns="" id="{9DECECB0-722B-48B7-B594-715261BF81FA}"/>
               </a:ext>
             </a:extLst>
           </p:cNvPr>
@@ -4083,7 +4083,7 @@
           <p:cNvPr id="3" name="Content Placeholder 2">
             <a:extLst>
               <a:ext uri="{FF2B5EF4-FFF2-40B4-BE49-F238E27FC236}">
-                <a16:creationId xmlns:a16="http://schemas.microsoft.com/office/drawing/2014/main" id="{16886CDA-6096-41F6-B7BD-23A7E263D5D8}"/>
+                <a16:creationId xmlns:a16="http://schemas.microsoft.com/office/drawing/2014/main" xmlns="" id="{16886CDA-6096-41F6-B7BD-23A7E263D5D8}"/>
               </a:ext>
             </a:extLst>
           </p:cNvPr>
@@ -4140,7 +4140,7 @@
           <p:cNvPr id="6" name="Picture 5">
             <a:extLst>
               <a:ext uri="{FF2B5EF4-FFF2-40B4-BE49-F238E27FC236}">
-                <a16:creationId xmlns:a16="http://schemas.microsoft.com/office/drawing/2014/main" id="{F74D5C9C-89B0-432E-8048-964A263AA8AE}"/>
+                <a16:creationId xmlns:a16="http://schemas.microsoft.com/office/drawing/2014/main" xmlns="" id="{F74D5C9C-89B0-432E-8048-964A263AA8AE}"/>
               </a:ext>
             </a:extLst>
           </p:cNvPr>
@@ -4206,7 +4206,7 @@
           <p:cNvPr id="2" name="Title 1">
             <a:extLst>
               <a:ext uri="{FF2B5EF4-FFF2-40B4-BE49-F238E27FC236}">
-                <a16:creationId xmlns:a16="http://schemas.microsoft.com/office/drawing/2014/main" id="{F32E7F94-BAB9-469B-BDCF-BCA269B960BB}"/>
+                <a16:creationId xmlns:a16="http://schemas.microsoft.com/office/drawing/2014/main" xmlns="" id="{F32E7F94-BAB9-469B-BDCF-BCA269B960BB}"/>
               </a:ext>
             </a:extLst>
           </p:cNvPr>
@@ -4234,7 +4234,7 @@
           <p:cNvPr id="3" name="Content Placeholder 2">
             <a:extLst>
               <a:ext uri="{FF2B5EF4-FFF2-40B4-BE49-F238E27FC236}">
-                <a16:creationId xmlns:a16="http://schemas.microsoft.com/office/drawing/2014/main" id="{4592BB39-4879-4813-AB6B-AA8318C5624D}"/>
+                <a16:creationId xmlns:a16="http://schemas.microsoft.com/office/drawing/2014/main" xmlns="" id="{4592BB39-4879-4813-AB6B-AA8318C5624D}"/>
               </a:ext>
             </a:extLst>
           </p:cNvPr>
@@ -4287,7 +4287,7 @@
           <p:cNvPr id="5" name="Picture 4">
             <a:extLst>
               <a:ext uri="{FF2B5EF4-FFF2-40B4-BE49-F238E27FC236}">
-                <a16:creationId xmlns:a16="http://schemas.microsoft.com/office/drawing/2014/main" id="{A3C986DD-16CF-4B1B-BB8C-26C17D0710AB}"/>
+                <a16:creationId xmlns:a16="http://schemas.microsoft.com/office/drawing/2014/main" xmlns="" id="{A3C986DD-16CF-4B1B-BB8C-26C17D0710AB}"/>
               </a:ext>
             </a:extLst>
           </p:cNvPr>
@@ -4353,7 +4353,7 @@
           <p:cNvPr id="2" name="Title 1">
             <a:extLst>
               <a:ext uri="{FF2B5EF4-FFF2-40B4-BE49-F238E27FC236}">
-                <a16:creationId xmlns:a16="http://schemas.microsoft.com/office/drawing/2014/main" id="{1BD854FC-0CEB-44B1-ABCD-2D263E1D8F51}"/>
+                <a16:creationId xmlns:a16="http://schemas.microsoft.com/office/drawing/2014/main" xmlns="" id="{1BD854FC-0CEB-44B1-ABCD-2D263E1D8F51}"/>
               </a:ext>
             </a:extLst>
           </p:cNvPr>
@@ -4381,7 +4381,7 @@
           <p:cNvPr id="3" name="Content Placeholder 2">
             <a:extLst>
               <a:ext uri="{FF2B5EF4-FFF2-40B4-BE49-F238E27FC236}">
-                <a16:creationId xmlns:a16="http://schemas.microsoft.com/office/drawing/2014/main" id="{C83374B7-8AFF-4B23-AB28-29B6E715E948}"/>
+                <a16:creationId xmlns:a16="http://schemas.microsoft.com/office/drawing/2014/main" xmlns="" id="{C83374B7-8AFF-4B23-AB28-29B6E715E948}"/>
               </a:ext>
             </a:extLst>
           </p:cNvPr>
@@ -4414,7 +4414,7 @@
           <p:cNvPr id="8" name="Picture 7" descr="A screenshot of a cell phone&#10;&#10;Description automatically generated">
             <a:extLst>
               <a:ext uri="{FF2B5EF4-FFF2-40B4-BE49-F238E27FC236}">
-                <a16:creationId xmlns:a16="http://schemas.microsoft.com/office/drawing/2014/main" id="{2434F7B0-725D-446D-873A-366EC1165BE8}"/>
+                <a16:creationId xmlns:a16="http://schemas.microsoft.com/office/drawing/2014/main" xmlns="" id="{2434F7B0-725D-446D-873A-366EC1165BE8}"/>
               </a:ext>
             </a:extLst>
           </p:cNvPr>
@@ -4479,7 +4479,7 @@
           <p:cNvPr id="2" name="Title 1">
             <a:extLst>
               <a:ext uri="{FF2B5EF4-FFF2-40B4-BE49-F238E27FC236}">
-                <a16:creationId xmlns:a16="http://schemas.microsoft.com/office/drawing/2014/main" id="{02B9226A-1F20-48AB-8BE4-E0AFB9F935C7}"/>
+                <a16:creationId xmlns:a16="http://schemas.microsoft.com/office/drawing/2014/main" xmlns="" id="{02B9226A-1F20-48AB-8BE4-E0AFB9F935C7}"/>
               </a:ext>
             </a:extLst>
           </p:cNvPr>
@@ -4507,7 +4507,7 @@
           <p:cNvPr id="3" name="Content Placeholder 2">
             <a:extLst>
               <a:ext uri="{FF2B5EF4-FFF2-40B4-BE49-F238E27FC236}">
-                <a16:creationId xmlns:a16="http://schemas.microsoft.com/office/drawing/2014/main" id="{92EC6163-9092-469C-821C-E58ED958991B}"/>
+                <a16:creationId xmlns:a16="http://schemas.microsoft.com/office/drawing/2014/main" xmlns="" id="{92EC6163-9092-469C-821C-E58ED958991B}"/>
               </a:ext>
             </a:extLst>
           </p:cNvPr>
@@ -4602,7 +4602,7 @@
           <p:cNvPr id="7" name="Picture 6">
             <a:extLst>
               <a:ext uri="{FF2B5EF4-FFF2-40B4-BE49-F238E27FC236}">
-                <a16:creationId xmlns:a16="http://schemas.microsoft.com/office/drawing/2014/main" id="{3C5B5C01-DE1B-4B50-8960-0E5F8DC5DDEC}"/>
+                <a16:creationId xmlns:a16="http://schemas.microsoft.com/office/drawing/2014/main" xmlns="" id="{3C5B5C01-DE1B-4B50-8960-0E5F8DC5DDEC}"/>
               </a:ext>
             </a:extLst>
           </p:cNvPr>
@@ -4668,7 +4668,7 @@
           <p:cNvPr id="2" name="Title 1">
             <a:extLst>
               <a:ext uri="{FF2B5EF4-FFF2-40B4-BE49-F238E27FC236}">
-                <a16:creationId xmlns:a16="http://schemas.microsoft.com/office/drawing/2014/main" id="{02B9226A-1F20-48AB-8BE4-E0AFB9F935C7}"/>
+                <a16:creationId xmlns:a16="http://schemas.microsoft.com/office/drawing/2014/main" xmlns="" id="{02B9226A-1F20-48AB-8BE4-E0AFB9F935C7}"/>
               </a:ext>
             </a:extLst>
           </p:cNvPr>
@@ -4696,7 +4696,7 @@
           <p:cNvPr id="3" name="Content Placeholder 2">
             <a:extLst>
               <a:ext uri="{FF2B5EF4-FFF2-40B4-BE49-F238E27FC236}">
-                <a16:creationId xmlns:a16="http://schemas.microsoft.com/office/drawing/2014/main" id="{92EC6163-9092-469C-821C-E58ED958991B}"/>
+                <a16:creationId xmlns:a16="http://schemas.microsoft.com/office/drawing/2014/main" xmlns="" id="{92EC6163-9092-469C-821C-E58ED958991B}"/>
               </a:ext>
             </a:extLst>
           </p:cNvPr>
@@ -4797,7 +4797,7 @@
           <p:cNvPr id="5" name="Picture 4">
             <a:extLst>
               <a:ext uri="{FF2B5EF4-FFF2-40B4-BE49-F238E27FC236}">
-                <a16:creationId xmlns:a16="http://schemas.microsoft.com/office/drawing/2014/main" id="{1CA7BEA0-E779-4A3C-8CD6-200B454F3108}"/>
+                <a16:creationId xmlns:a16="http://schemas.microsoft.com/office/drawing/2014/main" xmlns="" id="{1CA7BEA0-E779-4A3C-8CD6-200B454F3108}"/>
               </a:ext>
             </a:extLst>
           </p:cNvPr>
@@ -4863,7 +4863,7 @@
           <p:cNvPr id="2" name="Title 1">
             <a:extLst>
               <a:ext uri="{FF2B5EF4-FFF2-40B4-BE49-F238E27FC236}">
-                <a16:creationId xmlns:a16="http://schemas.microsoft.com/office/drawing/2014/main" id="{0086CA1F-39CF-4CF4-9871-25C69948A483}"/>
+                <a16:creationId xmlns:a16="http://schemas.microsoft.com/office/drawing/2014/main" xmlns="" id="{0086CA1F-39CF-4CF4-9871-25C69948A483}"/>
               </a:ext>
             </a:extLst>
           </p:cNvPr>
@@ -4891,7 +4891,7 @@
           <p:cNvPr id="3" name="Content Placeholder 2">
             <a:extLst>
               <a:ext uri="{FF2B5EF4-FFF2-40B4-BE49-F238E27FC236}">
-                <a16:creationId xmlns:a16="http://schemas.microsoft.com/office/drawing/2014/main" id="{869AD60C-5E6D-441F-9F3A-0860E311D2FC}"/>
+                <a16:creationId xmlns:a16="http://schemas.microsoft.com/office/drawing/2014/main" xmlns="" id="{869AD60C-5E6D-441F-9F3A-0860E311D2FC}"/>
               </a:ext>
             </a:extLst>
           </p:cNvPr>
@@ -4937,7 +4937,7 @@
           <p:cNvPr id="5" name="Picture 4">
             <a:extLst>
               <a:ext uri="{FF2B5EF4-FFF2-40B4-BE49-F238E27FC236}">
-                <a16:creationId xmlns:a16="http://schemas.microsoft.com/office/drawing/2014/main" id="{6EA6DC72-E436-47A7-8579-F332A92E789E}"/>
+                <a16:creationId xmlns:a16="http://schemas.microsoft.com/office/drawing/2014/main" xmlns="" id="{6EA6DC72-E436-47A7-8579-F332A92E789E}"/>
               </a:ext>
             </a:extLst>
           </p:cNvPr>
@@ -5003,7 +5003,7 @@
           <p:cNvPr id="2" name="Title 1">
             <a:extLst>
               <a:ext uri="{FF2B5EF4-FFF2-40B4-BE49-F238E27FC236}">
-                <a16:creationId xmlns:a16="http://schemas.microsoft.com/office/drawing/2014/main" id="{0086CA1F-39CF-4CF4-9871-25C69948A483}"/>
+                <a16:creationId xmlns:a16="http://schemas.microsoft.com/office/drawing/2014/main" xmlns="" id="{0086CA1F-39CF-4CF4-9871-25C69948A483}"/>
               </a:ext>
             </a:extLst>
           </p:cNvPr>
@@ -5031,7 +5031,7 @@
           <p:cNvPr id="3" name="Content Placeholder 2">
             <a:extLst>
               <a:ext uri="{FF2B5EF4-FFF2-40B4-BE49-F238E27FC236}">
-                <a16:creationId xmlns:a16="http://schemas.microsoft.com/office/drawing/2014/main" id="{869AD60C-5E6D-441F-9F3A-0860E311D2FC}"/>
+                <a16:creationId xmlns:a16="http://schemas.microsoft.com/office/drawing/2014/main" xmlns="" id="{869AD60C-5E6D-441F-9F3A-0860E311D2FC}"/>
               </a:ext>
             </a:extLst>
           </p:cNvPr>
@@ -5097,7 +5097,7 @@
           <p:cNvPr id="6" name="Picture 5">
             <a:extLst>
               <a:ext uri="{FF2B5EF4-FFF2-40B4-BE49-F238E27FC236}">
-                <a16:creationId xmlns:a16="http://schemas.microsoft.com/office/drawing/2014/main" id="{25A8118B-F080-4329-9F70-08E387372D5B}"/>
+                <a16:creationId xmlns:a16="http://schemas.microsoft.com/office/drawing/2014/main" xmlns="" id="{25A8118B-F080-4329-9F70-08E387372D5B}"/>
               </a:ext>
             </a:extLst>
           </p:cNvPr>
@@ -5163,7 +5163,7 @@
           <p:cNvPr id="2" name="Title 1">
             <a:extLst>
               <a:ext uri="{FF2B5EF4-FFF2-40B4-BE49-F238E27FC236}">
-                <a16:creationId xmlns:a16="http://schemas.microsoft.com/office/drawing/2014/main" id="{1C3C35BF-AEED-40BC-A1C5-00012C1F83DE}"/>
+                <a16:creationId xmlns:a16="http://schemas.microsoft.com/office/drawing/2014/main" xmlns="" id="{1C3C35BF-AEED-40BC-A1C5-00012C1F83DE}"/>
               </a:ext>
             </a:extLst>
           </p:cNvPr>
@@ -5191,7 +5191,7 @@
           <p:cNvPr id="3" name="Content Placeholder 2">
             <a:extLst>
               <a:ext uri="{FF2B5EF4-FFF2-40B4-BE49-F238E27FC236}">
-                <a16:creationId xmlns:a16="http://schemas.microsoft.com/office/drawing/2014/main" id="{39350942-E1C3-4C40-B5BC-75B412E04180}"/>
+                <a16:creationId xmlns:a16="http://schemas.microsoft.com/office/drawing/2014/main" xmlns="" id="{39350942-E1C3-4C40-B5BC-75B412E04180}"/>
               </a:ext>
             </a:extLst>
           </p:cNvPr>
@@ -5260,7 +5260,7 @@
           <p:cNvPr id="7" name="Picture 6">
             <a:extLst>
               <a:ext uri="{FF2B5EF4-FFF2-40B4-BE49-F238E27FC236}">
-                <a16:creationId xmlns:a16="http://schemas.microsoft.com/office/drawing/2014/main" id="{9DF45EA0-21E0-4089-B634-10093C62D2A8}"/>
+                <a16:creationId xmlns:a16="http://schemas.microsoft.com/office/drawing/2014/main" xmlns="" id="{9DF45EA0-21E0-4089-B634-10093C62D2A8}"/>
               </a:ext>
             </a:extLst>
           </p:cNvPr>
@@ -5326,7 +5326,7 @@
           <p:cNvPr id="2" name="Title 1">
             <a:extLst>
               <a:ext uri="{FF2B5EF4-FFF2-40B4-BE49-F238E27FC236}">
-                <a16:creationId xmlns:a16="http://schemas.microsoft.com/office/drawing/2014/main" id="{1C3C35BF-AEED-40BC-A1C5-00012C1F83DE}"/>
+                <a16:creationId xmlns:a16="http://schemas.microsoft.com/office/drawing/2014/main" xmlns="" id="{1C3C35BF-AEED-40BC-A1C5-00012C1F83DE}"/>
               </a:ext>
             </a:extLst>
           </p:cNvPr>
@@ -5354,7 +5354,7 @@
           <p:cNvPr id="3" name="Content Placeholder 2">
             <a:extLst>
               <a:ext uri="{FF2B5EF4-FFF2-40B4-BE49-F238E27FC236}">
-                <a16:creationId xmlns:a16="http://schemas.microsoft.com/office/drawing/2014/main" id="{39350942-E1C3-4C40-B5BC-75B412E04180}"/>
+                <a16:creationId xmlns:a16="http://schemas.microsoft.com/office/drawing/2014/main" xmlns="" id="{39350942-E1C3-4C40-B5BC-75B412E04180}"/>
               </a:ext>
             </a:extLst>
           </p:cNvPr>
@@ -5432,7 +5432,7 @@
           <p:cNvPr id="5" name="Picture 4">
             <a:extLst>
               <a:ext uri="{FF2B5EF4-FFF2-40B4-BE49-F238E27FC236}">
-                <a16:creationId xmlns:a16="http://schemas.microsoft.com/office/drawing/2014/main" id="{5962A78B-D2C2-451D-9072-19BC408E2B26}"/>
+                <a16:creationId xmlns:a16="http://schemas.microsoft.com/office/drawing/2014/main" xmlns="" id="{5962A78B-D2C2-451D-9072-19BC408E2B26}"/>
               </a:ext>
             </a:extLst>
           </p:cNvPr>
@@ -5498,7 +5498,7 @@
           <p:cNvPr id="2" name="Title 1">
             <a:extLst>
               <a:ext uri="{FF2B5EF4-FFF2-40B4-BE49-F238E27FC236}">
-                <a16:creationId xmlns:a16="http://schemas.microsoft.com/office/drawing/2014/main" id="{9B3F8442-422C-463B-B47A-4093FCDF3013}"/>
+                <a16:creationId xmlns:a16="http://schemas.microsoft.com/office/drawing/2014/main" xmlns="" id="{9B3F8442-422C-463B-B47A-4093FCDF3013}"/>
               </a:ext>
             </a:extLst>
           </p:cNvPr>
@@ -5526,7 +5526,7 @@
           <p:cNvPr id="3" name="Content Placeholder 2">
             <a:extLst>
               <a:ext uri="{FF2B5EF4-FFF2-40B4-BE49-F238E27FC236}">
-                <a16:creationId xmlns:a16="http://schemas.microsoft.com/office/drawing/2014/main" id="{6AB39684-CE4E-4FF8-ADE9-CFC2B3DF6186}"/>
+                <a16:creationId xmlns:a16="http://schemas.microsoft.com/office/drawing/2014/main" xmlns="" id="{6AB39684-CE4E-4FF8-ADE9-CFC2B3DF6186}"/>
               </a:ext>
             </a:extLst>
           </p:cNvPr>
@@ -5608,7 +5608,7 @@
           <p:cNvPr id="2" name="Title 1">
             <a:extLst>
               <a:ext uri="{FF2B5EF4-FFF2-40B4-BE49-F238E27FC236}">
-                <a16:creationId xmlns:a16="http://schemas.microsoft.com/office/drawing/2014/main" id="{97BD8F2B-DDAE-44E7-B784-1D8182643932}"/>
+                <a16:creationId xmlns:a16="http://schemas.microsoft.com/office/drawing/2014/main" xmlns="" id="{97BD8F2B-DDAE-44E7-B784-1D8182643932}"/>
               </a:ext>
             </a:extLst>
           </p:cNvPr>
@@ -5636,7 +5636,7 @@
           <p:cNvPr id="3" name="Content Placeholder 2">
             <a:extLst>
               <a:ext uri="{FF2B5EF4-FFF2-40B4-BE49-F238E27FC236}">
-                <a16:creationId xmlns:a16="http://schemas.microsoft.com/office/drawing/2014/main" id="{F2D0DE00-99D5-4A9D-AB63-3B4640EDD23B}"/>
+                <a16:creationId xmlns:a16="http://schemas.microsoft.com/office/drawing/2014/main" xmlns="" id="{F2D0DE00-99D5-4A9D-AB63-3B4640EDD23B}"/>
               </a:ext>
             </a:extLst>
           </p:cNvPr>
@@ -5719,7 +5719,7 @@
           <p:cNvPr id="2" name="Title 1">
             <a:extLst>
               <a:ext uri="{FF2B5EF4-FFF2-40B4-BE49-F238E27FC236}">
-                <a16:creationId xmlns:a16="http://schemas.microsoft.com/office/drawing/2014/main" id="{97BD8F2B-DDAE-44E7-B784-1D8182643932}"/>
+                <a16:creationId xmlns:a16="http://schemas.microsoft.com/office/drawing/2014/main" xmlns="" id="{97BD8F2B-DDAE-44E7-B784-1D8182643932}"/>
               </a:ext>
             </a:extLst>
           </p:cNvPr>
@@ -5747,7 +5747,7 @@
           <p:cNvPr id="3" name="Content Placeholder 2">
             <a:extLst>
               <a:ext uri="{FF2B5EF4-FFF2-40B4-BE49-F238E27FC236}">
-                <a16:creationId xmlns:a16="http://schemas.microsoft.com/office/drawing/2014/main" id="{F2D0DE00-99D5-4A9D-AB63-3B4640EDD23B}"/>
+                <a16:creationId xmlns:a16="http://schemas.microsoft.com/office/drawing/2014/main" xmlns="" id="{F2D0DE00-99D5-4A9D-AB63-3B4640EDD23B}"/>
               </a:ext>
             </a:extLst>
           </p:cNvPr>
@@ -5814,7 +5814,7 @@
           <p:cNvPr id="5" name="Picture 4">
             <a:extLst>
               <a:ext uri="{FF2B5EF4-FFF2-40B4-BE49-F238E27FC236}">
-                <a16:creationId xmlns:a16="http://schemas.microsoft.com/office/drawing/2014/main" id="{4531F03F-6C3F-450A-A6B2-91DDAC7CAFE4}"/>
+                <a16:creationId xmlns:a16="http://schemas.microsoft.com/office/drawing/2014/main" xmlns="" id="{4531F03F-6C3F-450A-A6B2-91DDAC7CAFE4}"/>
               </a:ext>
             </a:extLst>
           </p:cNvPr>
@@ -5880,7 +5880,7 @@
           <p:cNvPr id="2" name="Title 1">
             <a:extLst>
               <a:ext uri="{FF2B5EF4-FFF2-40B4-BE49-F238E27FC236}">
-                <a16:creationId xmlns:a16="http://schemas.microsoft.com/office/drawing/2014/main" id="{97BD8F2B-DDAE-44E7-B784-1D8182643932}"/>
+                <a16:creationId xmlns:a16="http://schemas.microsoft.com/office/drawing/2014/main" xmlns="" id="{97BD8F2B-DDAE-44E7-B784-1D8182643932}"/>
               </a:ext>
             </a:extLst>
           </p:cNvPr>
@@ -5908,7 +5908,7 @@
           <p:cNvPr id="3" name="Content Placeholder 2">
             <a:extLst>
               <a:ext uri="{FF2B5EF4-FFF2-40B4-BE49-F238E27FC236}">
-                <a16:creationId xmlns:a16="http://schemas.microsoft.com/office/drawing/2014/main" id="{F2D0DE00-99D5-4A9D-AB63-3B4640EDD23B}"/>
+                <a16:creationId xmlns:a16="http://schemas.microsoft.com/office/drawing/2014/main" xmlns="" id="{F2D0DE00-99D5-4A9D-AB63-3B4640EDD23B}"/>
               </a:ext>
             </a:extLst>
           </p:cNvPr>
@@ -5975,7 +5975,7 @@
           <p:cNvPr id="6" name="Picture 5">
             <a:extLst>
               <a:ext uri="{FF2B5EF4-FFF2-40B4-BE49-F238E27FC236}">
-                <a16:creationId xmlns:a16="http://schemas.microsoft.com/office/drawing/2014/main" id="{C24D9E0D-1A98-44EF-A312-37155CA03C95}"/>
+                <a16:creationId xmlns:a16="http://schemas.microsoft.com/office/drawing/2014/main" xmlns="" id="{C24D9E0D-1A98-44EF-A312-37155CA03C95}"/>
               </a:ext>
             </a:extLst>
           </p:cNvPr>
@@ -6041,7 +6041,7 @@
           <p:cNvPr id="2" name="Title 1">
             <a:extLst>
               <a:ext uri="{FF2B5EF4-FFF2-40B4-BE49-F238E27FC236}">
-                <a16:creationId xmlns:a16="http://schemas.microsoft.com/office/drawing/2014/main" id="{9B3F8442-422C-463B-B47A-4093FCDF3013}"/>
+                <a16:creationId xmlns:a16="http://schemas.microsoft.com/office/drawing/2014/main" xmlns="" id="{9B3F8442-422C-463B-B47A-4093FCDF3013}"/>
               </a:ext>
             </a:extLst>
           </p:cNvPr>
@@ -6069,7 +6069,7 @@
           <p:cNvPr id="3" name="Content Placeholder 2">
             <a:extLst>
               <a:ext uri="{FF2B5EF4-FFF2-40B4-BE49-F238E27FC236}">
-                <a16:creationId xmlns:a16="http://schemas.microsoft.com/office/drawing/2014/main" id="{6AB39684-CE4E-4FF8-ADE9-CFC2B3DF6186}"/>
+                <a16:creationId xmlns:a16="http://schemas.microsoft.com/office/drawing/2014/main" xmlns="" id="{6AB39684-CE4E-4FF8-ADE9-CFC2B3DF6186}"/>
               </a:ext>
             </a:extLst>
           </p:cNvPr>
@@ -6175,7 +6175,7 @@
           <p:cNvPr id="2" name="Title 1">
             <a:extLst>
               <a:ext uri="{FF2B5EF4-FFF2-40B4-BE49-F238E27FC236}">
-                <a16:creationId xmlns:a16="http://schemas.microsoft.com/office/drawing/2014/main" id="{A792A411-9C2F-44D4-8251-61F1A41DCE7F}"/>
+                <a16:creationId xmlns:a16="http://schemas.microsoft.com/office/drawing/2014/main" xmlns="" id="{A792A411-9C2F-44D4-8251-61F1A41DCE7F}"/>
               </a:ext>
             </a:extLst>
           </p:cNvPr>
@@ -6203,7 +6203,7 @@
           <p:cNvPr id="3" name="Content Placeholder 2">
             <a:extLst>
               <a:ext uri="{FF2B5EF4-FFF2-40B4-BE49-F238E27FC236}">
-                <a16:creationId xmlns:a16="http://schemas.microsoft.com/office/drawing/2014/main" id="{D48A90F3-3225-4484-B08A-C1A862B49712}"/>
+                <a16:creationId xmlns:a16="http://schemas.microsoft.com/office/drawing/2014/main" xmlns="" id="{D48A90F3-3225-4484-B08A-C1A862B49712}"/>
               </a:ext>
             </a:extLst>
           </p:cNvPr>
@@ -6287,7 +6287,7 @@
           <p:cNvPr id="2" name="Title 1">
             <a:extLst>
               <a:ext uri="{FF2B5EF4-FFF2-40B4-BE49-F238E27FC236}">
-                <a16:creationId xmlns:a16="http://schemas.microsoft.com/office/drawing/2014/main" id="{F9DB6EF8-7B53-4C77-838F-B7F2E9BC172D}"/>
+                <a16:creationId xmlns:a16="http://schemas.microsoft.com/office/drawing/2014/main" xmlns="" id="{F9DB6EF8-7B53-4C77-838F-B7F2E9BC172D}"/>
               </a:ext>
             </a:extLst>
           </p:cNvPr>
@@ -6323,7 +6323,7 @@
           <p:cNvPr id="3" name="Content Placeholder 2">
             <a:extLst>
               <a:ext uri="{FF2B5EF4-FFF2-40B4-BE49-F238E27FC236}">
-                <a16:creationId xmlns:a16="http://schemas.microsoft.com/office/drawing/2014/main" id="{1AA4655D-0830-46C1-B2A7-EA1F6340CD1B}"/>
+                <a16:creationId xmlns:a16="http://schemas.microsoft.com/office/drawing/2014/main" xmlns="" id="{1AA4655D-0830-46C1-B2A7-EA1F6340CD1B}"/>
               </a:ext>
             </a:extLst>
           </p:cNvPr>
@@ -6359,7 +6359,7 @@
           <p:cNvPr id="5" name="Picture 4" descr="A screenshot of a social media post&#10;&#10;Description automatically generated">
             <a:extLst>
               <a:ext uri="{FF2B5EF4-FFF2-40B4-BE49-F238E27FC236}">
-                <a16:creationId xmlns:a16="http://schemas.microsoft.com/office/drawing/2014/main" id="{71919FEF-2C89-4BE0-839C-E902F3B0F809}"/>
+                <a16:creationId xmlns:a16="http://schemas.microsoft.com/office/drawing/2014/main" xmlns="" id="{71919FEF-2C89-4BE0-839C-E902F3B0F809}"/>
               </a:ext>
             </a:extLst>
           </p:cNvPr>
@@ -6395,7 +6395,7 @@
           <p:cNvPr id="6" name="Content Placeholder 2">
             <a:extLst>
               <a:ext uri="{FF2B5EF4-FFF2-40B4-BE49-F238E27FC236}">
-                <a16:creationId xmlns:a16="http://schemas.microsoft.com/office/drawing/2014/main" id="{D05ECF13-05E3-4A3D-A5C1-B5324988638C}"/>
+                <a16:creationId xmlns:a16="http://schemas.microsoft.com/office/drawing/2014/main" xmlns="" id="{D05ECF13-05E3-4A3D-A5C1-B5324988638C}"/>
               </a:ext>
             </a:extLst>
           </p:cNvPr>
@@ -6651,7 +6651,7 @@
           <p:cNvPr id="2" name="Title 1">
             <a:extLst>
               <a:ext uri="{FF2B5EF4-FFF2-40B4-BE49-F238E27FC236}">
-                <a16:creationId xmlns:a16="http://schemas.microsoft.com/office/drawing/2014/main" id="{16736D8D-518D-4570-9E97-F0F2211368FC}"/>
+                <a16:creationId xmlns:a16="http://schemas.microsoft.com/office/drawing/2014/main" xmlns="" id="{16736D8D-518D-4570-9E97-F0F2211368FC}"/>
               </a:ext>
             </a:extLst>
           </p:cNvPr>
@@ -6679,7 +6679,7 @@
           <p:cNvPr id="3" name="Content Placeholder 2">
             <a:extLst>
               <a:ext uri="{FF2B5EF4-FFF2-40B4-BE49-F238E27FC236}">
-                <a16:creationId xmlns:a16="http://schemas.microsoft.com/office/drawing/2014/main" id="{01B81E6F-BA60-4D2E-AF7A-654D3CF731F3}"/>
+                <a16:creationId xmlns:a16="http://schemas.microsoft.com/office/drawing/2014/main" xmlns="" id="{01B81E6F-BA60-4D2E-AF7A-654D3CF731F3}"/>
               </a:ext>
             </a:extLst>
           </p:cNvPr>
@@ -6777,7 +6777,7 @@
           <p:cNvPr id="2" name="Title 1">
             <a:extLst>
               <a:ext uri="{FF2B5EF4-FFF2-40B4-BE49-F238E27FC236}">
-                <a16:creationId xmlns:a16="http://schemas.microsoft.com/office/drawing/2014/main" id="{A959905F-8DC0-49CD-89C6-67E184C2A7F1}"/>
+                <a16:creationId xmlns:a16="http://schemas.microsoft.com/office/drawing/2014/main" xmlns="" id="{A959905F-8DC0-49CD-89C6-67E184C2A7F1}"/>
               </a:ext>
             </a:extLst>
           </p:cNvPr>
@@ -6805,7 +6805,7 @@
           <p:cNvPr id="3" name="Content Placeholder 2">
             <a:extLst>
               <a:ext uri="{FF2B5EF4-FFF2-40B4-BE49-F238E27FC236}">
-                <a16:creationId xmlns:a16="http://schemas.microsoft.com/office/drawing/2014/main" id="{2E95C742-8441-4AC5-9D8F-36B085F743AA}"/>
+                <a16:creationId xmlns:a16="http://schemas.microsoft.com/office/drawing/2014/main" xmlns="" id="{2E95C742-8441-4AC5-9D8F-36B085F743AA}"/>
               </a:ext>
             </a:extLst>
           </p:cNvPr>
@@ -6967,7 +6967,7 @@
           <p:cNvPr id="2" name="Title 1">
             <a:extLst>
               <a:ext uri="{FF2B5EF4-FFF2-40B4-BE49-F238E27FC236}">
-                <a16:creationId xmlns:a16="http://schemas.microsoft.com/office/drawing/2014/main" id="{C7BECE2C-58B9-445A-9A4D-3D177EAA3735}"/>
+                <a16:creationId xmlns:a16="http://schemas.microsoft.com/office/drawing/2014/main" xmlns="" id="{C7BECE2C-58B9-445A-9A4D-3D177EAA3735}"/>
               </a:ext>
             </a:extLst>
           </p:cNvPr>
@@ -6990,14 +6990,14 @@
           </a:p>
         </p:txBody>
       </p:sp>
-      <mc:AlternateContent xmlns:mc="http://schemas.openxmlformats.org/markup-compatibility/2006">
-        <mc:Choice xmlns:a14="http://schemas.microsoft.com/office/drawing/2010/main" Requires="a14">
+      <mc:AlternateContent xmlns:mc="http://schemas.openxmlformats.org/markup-compatibility/2006" xmlns:a14="http://schemas.microsoft.com/office/drawing/2010/main">
+        <mc:Choice Requires="a14">
           <p:sp>
             <p:nvSpPr>
               <p:cNvPr id="3" name="Content Placeholder 2">
                 <a:extLst>
                   <a:ext uri="{FF2B5EF4-FFF2-40B4-BE49-F238E27FC236}">
-                    <a16:creationId xmlns:a16="http://schemas.microsoft.com/office/drawing/2014/main" id="{191F400C-4F61-4D8F-BE1A-E191CDC9AB95}"/>
+                    <a16:creationId xmlns:a16="http://schemas.microsoft.com/office/drawing/2014/main" xmlns="" id="{191F400C-4F61-4D8F-BE1A-E191CDC9AB95}"/>
                   </a:ext>
                 </a:extLst>
               </p:cNvPr>
@@ -7031,7 +7031,7 @@
                   <a:t>Linear: </a:t>
                 </a:r>
                 <a14:m>
-                  <m:oMath xmlns:m="http://schemas.openxmlformats.org/officeDocument/2006/math">
+                  <m:oMath xmlns:m="http://schemas.openxmlformats.org/officeDocument/2006/math" xmlns="">
                     <m:r>
                       <a:rPr lang="en-US" b="0" i="1" smtClean="0">
                         <a:latin typeface="Cambria Math" panose="02040503050406030204" pitchFamily="18" charset="0"/>
@@ -7055,7 +7055,7 @@
                   <a:t>Inverse: </a:t>
                 </a:r>
                 <a14:m>
-                  <m:oMath xmlns:m="http://schemas.openxmlformats.org/officeDocument/2006/math">
+                  <m:oMath xmlns:m="http://schemas.openxmlformats.org/officeDocument/2006/math" xmlns="">
                     <m:f>
                       <m:fPr>
                         <m:ctrlPr>
@@ -7092,7 +7092,7 @@
                   <a:t>Exponential Decay: </a:t>
                 </a:r>
                 <a14:m>
-                  <m:oMath xmlns:m="http://schemas.openxmlformats.org/officeDocument/2006/math">
+                  <m:oMath xmlns:m="http://schemas.openxmlformats.org/officeDocument/2006/math" xmlns="">
                     <m:sSup>
                       <m:sSupPr>
                         <m:ctrlPr>
@@ -7157,7 +7157,7 @@
             </p:txBody>
           </p:sp>
         </mc:Choice>
-        <mc:Fallback>
+        <mc:Fallback xmlns="">
           <p:sp>
             <p:nvSpPr>
               <p:cNvPr id="3" name="Content Placeholder 2">
@@ -7232,7 +7232,7 @@
           <p:cNvPr id="2" name="Title 1">
             <a:extLst>
               <a:ext uri="{FF2B5EF4-FFF2-40B4-BE49-F238E27FC236}">
-                <a16:creationId xmlns:a16="http://schemas.microsoft.com/office/drawing/2014/main" id="{3F549D80-A38B-47FC-B6CF-09EB3343D24B}"/>
+                <a16:creationId xmlns:a16="http://schemas.microsoft.com/office/drawing/2014/main" xmlns="" id="{3F549D80-A38B-47FC-B6CF-09EB3343D24B}"/>
               </a:ext>
             </a:extLst>
           </p:cNvPr>
@@ -7260,7 +7260,7 @@
           <p:cNvPr id="3" name="Content Placeholder 2">
             <a:extLst>
               <a:ext uri="{FF2B5EF4-FFF2-40B4-BE49-F238E27FC236}">
-                <a16:creationId xmlns:a16="http://schemas.microsoft.com/office/drawing/2014/main" id="{6121BA8C-861D-4624-BF1B-0E996B3F84C7}"/>
+                <a16:creationId xmlns:a16="http://schemas.microsoft.com/office/drawing/2014/main" xmlns="" id="{6121BA8C-861D-4624-BF1B-0E996B3F84C7}"/>
               </a:ext>
             </a:extLst>
           </p:cNvPr>
@@ -7365,7 +7365,7 @@
           <p:cNvPr id="2" name="Title 1">
             <a:extLst>
               <a:ext uri="{FF2B5EF4-FFF2-40B4-BE49-F238E27FC236}">
-                <a16:creationId xmlns:a16="http://schemas.microsoft.com/office/drawing/2014/main" id="{9B3F8442-422C-463B-B47A-4093FCDF3013}"/>
+                <a16:creationId xmlns:a16="http://schemas.microsoft.com/office/drawing/2014/main" xmlns="" id="{9B3F8442-422C-463B-B47A-4093FCDF3013}"/>
               </a:ext>
             </a:extLst>
           </p:cNvPr>
@@ -7393,7 +7393,7 @@
           <p:cNvPr id="3" name="Content Placeholder 2">
             <a:extLst>
               <a:ext uri="{FF2B5EF4-FFF2-40B4-BE49-F238E27FC236}">
-                <a16:creationId xmlns:a16="http://schemas.microsoft.com/office/drawing/2014/main" id="{6AB39684-CE4E-4FF8-ADE9-CFC2B3DF6186}"/>
+                <a16:creationId xmlns:a16="http://schemas.microsoft.com/office/drawing/2014/main" xmlns="" id="{6AB39684-CE4E-4FF8-ADE9-CFC2B3DF6186}"/>
               </a:ext>
             </a:extLst>
           </p:cNvPr>
@@ -7499,7 +7499,7 @@
           <p:cNvPr id="2" name="Title 1">
             <a:extLst>
               <a:ext uri="{FF2B5EF4-FFF2-40B4-BE49-F238E27FC236}">
-                <a16:creationId xmlns:a16="http://schemas.microsoft.com/office/drawing/2014/main" id="{94F26024-C604-4E0B-B933-EBB93B4A285B}"/>
+                <a16:creationId xmlns:a16="http://schemas.microsoft.com/office/drawing/2014/main" xmlns="" id="{94F26024-C604-4E0B-B933-EBB93B4A285B}"/>
               </a:ext>
             </a:extLst>
           </p:cNvPr>
@@ -7527,7 +7527,7 @@
           <p:cNvPr id="3" name="Content Placeholder 2">
             <a:extLst>
               <a:ext uri="{FF2B5EF4-FFF2-40B4-BE49-F238E27FC236}">
-                <a16:creationId xmlns:a16="http://schemas.microsoft.com/office/drawing/2014/main" id="{B5B0D36D-83EA-4C65-8696-1D2FC8A467CB}"/>
+                <a16:creationId xmlns:a16="http://schemas.microsoft.com/office/drawing/2014/main" xmlns="" id="{B5B0D36D-83EA-4C65-8696-1D2FC8A467CB}"/>
               </a:ext>
             </a:extLst>
           </p:cNvPr>
@@ -7617,7 +7617,7 @@
           <p:cNvPr id="2" name="Title 1">
             <a:extLst>
               <a:ext uri="{FF2B5EF4-FFF2-40B4-BE49-F238E27FC236}">
-                <a16:creationId xmlns:a16="http://schemas.microsoft.com/office/drawing/2014/main" id="{BAA0B20E-11C6-4F22-826A-16A734EE3A63}"/>
+                <a16:creationId xmlns:a16="http://schemas.microsoft.com/office/drawing/2014/main" xmlns="" id="{BAA0B20E-11C6-4F22-826A-16A734EE3A63}"/>
               </a:ext>
             </a:extLst>
           </p:cNvPr>
@@ -7645,7 +7645,7 @@
           <p:cNvPr id="3" name="Content Placeholder 2">
             <a:extLst>
               <a:ext uri="{FF2B5EF4-FFF2-40B4-BE49-F238E27FC236}">
-                <a16:creationId xmlns:a16="http://schemas.microsoft.com/office/drawing/2014/main" id="{937C7A15-3356-487A-883E-597D20AE20BB}"/>
+                <a16:creationId xmlns:a16="http://schemas.microsoft.com/office/drawing/2014/main" xmlns="" id="{937C7A15-3356-487A-883E-597D20AE20BB}"/>
               </a:ext>
             </a:extLst>
           </p:cNvPr>
@@ -7747,7 +7747,7 @@
           <p:cNvPr id="2" name="Title 1">
             <a:extLst>
               <a:ext uri="{FF2B5EF4-FFF2-40B4-BE49-F238E27FC236}">
-                <a16:creationId xmlns:a16="http://schemas.microsoft.com/office/drawing/2014/main" id="{B2FD0545-8F19-4B75-A224-608967039821}"/>
+                <a16:creationId xmlns:a16="http://schemas.microsoft.com/office/drawing/2014/main" xmlns="" id="{B2FD0545-8F19-4B75-A224-608967039821}"/>
               </a:ext>
             </a:extLst>
           </p:cNvPr>
@@ -7775,7 +7775,7 @@
           <p:cNvPr id="3" name="Content Placeholder 2">
             <a:extLst>
               <a:ext uri="{FF2B5EF4-FFF2-40B4-BE49-F238E27FC236}">
-                <a16:creationId xmlns:a16="http://schemas.microsoft.com/office/drawing/2014/main" id="{4BF36D45-455A-4AF5-9A65-1C26FBD6FF13}"/>
+                <a16:creationId xmlns:a16="http://schemas.microsoft.com/office/drawing/2014/main" xmlns="" id="{4BF36D45-455A-4AF5-9A65-1C26FBD6FF13}"/>
               </a:ext>
             </a:extLst>
           </p:cNvPr>
@@ -7829,7 +7829,7 @@
           <p:cNvPr id="4" name="Table 3">
             <a:extLst>
               <a:ext uri="{FF2B5EF4-FFF2-40B4-BE49-F238E27FC236}">
-                <a16:creationId xmlns:a16="http://schemas.microsoft.com/office/drawing/2014/main" id="{A0688F38-6E26-4033-B8DF-B56A6160F475}"/>
+                <a16:creationId xmlns:a16="http://schemas.microsoft.com/office/drawing/2014/main" xmlns="" id="{A0688F38-6E26-4033-B8DF-B56A6160F475}"/>
               </a:ext>
             </a:extLst>
           </p:cNvPr>
@@ -7858,28 +7858,28 @@
                 <a:gridCol w="1518987">
                   <a:extLst>
                     <a:ext uri="{9D8B030D-6E8A-4147-A177-3AD203B41FA5}">
-                      <a16:colId xmlns:a16="http://schemas.microsoft.com/office/drawing/2014/main" val="1932336925"/>
+                      <a16:colId xmlns:a16="http://schemas.microsoft.com/office/drawing/2014/main" xmlns="" val="1932336925"/>
                     </a:ext>
                   </a:extLst>
                 </a:gridCol>
                 <a:gridCol w="1518987">
                   <a:extLst>
                     <a:ext uri="{9D8B030D-6E8A-4147-A177-3AD203B41FA5}">
-                      <a16:colId xmlns:a16="http://schemas.microsoft.com/office/drawing/2014/main" val="976667985"/>
+                      <a16:colId xmlns:a16="http://schemas.microsoft.com/office/drawing/2014/main" xmlns="" val="976667985"/>
                     </a:ext>
                   </a:extLst>
                 </a:gridCol>
                 <a:gridCol w="1518987">
                   <a:extLst>
                     <a:ext uri="{9D8B030D-6E8A-4147-A177-3AD203B41FA5}">
-                      <a16:colId xmlns:a16="http://schemas.microsoft.com/office/drawing/2014/main" val="1701535771"/>
+                      <a16:colId xmlns:a16="http://schemas.microsoft.com/office/drawing/2014/main" xmlns="" val="1701535771"/>
                     </a:ext>
                   </a:extLst>
                 </a:gridCol>
                 <a:gridCol w="1518987">
                   <a:extLst>
                     <a:ext uri="{9D8B030D-6E8A-4147-A177-3AD203B41FA5}">
-                      <a16:colId xmlns:a16="http://schemas.microsoft.com/office/drawing/2014/main" val="2550466864"/>
+                      <a16:colId xmlns:a16="http://schemas.microsoft.com/office/drawing/2014/main" xmlns="" val="2550466864"/>
                     </a:ext>
                   </a:extLst>
                 </a:gridCol>
@@ -7939,7 +7939,7 @@
                 </a:tc>
                 <a:extLst>
                   <a:ext uri="{0D108BD9-81ED-4DB2-BD59-A6C34878D82A}">
-                    <a16:rowId xmlns:a16="http://schemas.microsoft.com/office/drawing/2014/main" val="2816782959"/>
+                    <a16:rowId xmlns:a16="http://schemas.microsoft.com/office/drawing/2014/main" xmlns="" val="2816782959"/>
                   </a:ext>
                 </a:extLst>
               </a:tr>
@@ -7998,7 +7998,7 @@
                 </a:tc>
                 <a:extLst>
                   <a:ext uri="{0D108BD9-81ED-4DB2-BD59-A6C34878D82A}">
-                    <a16:rowId xmlns:a16="http://schemas.microsoft.com/office/drawing/2014/main" val="3642739071"/>
+                    <a16:rowId xmlns:a16="http://schemas.microsoft.com/office/drawing/2014/main" xmlns="" val="3642739071"/>
                   </a:ext>
                 </a:extLst>
               </a:tr>
@@ -8057,7 +8057,7 @@
                 </a:tc>
                 <a:extLst>
                   <a:ext uri="{0D108BD9-81ED-4DB2-BD59-A6C34878D82A}">
-                    <a16:rowId xmlns:a16="http://schemas.microsoft.com/office/drawing/2014/main" val="3864750204"/>
+                    <a16:rowId xmlns:a16="http://schemas.microsoft.com/office/drawing/2014/main" xmlns="" val="3864750204"/>
                   </a:ext>
                 </a:extLst>
               </a:tr>
@@ -8116,7 +8116,7 @@
                 </a:tc>
                 <a:extLst>
                   <a:ext uri="{0D108BD9-81ED-4DB2-BD59-A6C34878D82A}">
-                    <a16:rowId xmlns:a16="http://schemas.microsoft.com/office/drawing/2014/main" val="2507215571"/>
+                    <a16:rowId xmlns:a16="http://schemas.microsoft.com/office/drawing/2014/main" xmlns="" val="2507215571"/>
                   </a:ext>
                 </a:extLst>
               </a:tr>
@@ -8159,7 +8159,7 @@
           <p:cNvPr id="2" name="Title 1">
             <a:extLst>
               <a:ext uri="{FF2B5EF4-FFF2-40B4-BE49-F238E27FC236}">
-                <a16:creationId xmlns:a16="http://schemas.microsoft.com/office/drawing/2014/main" id="{55714D9C-94AA-401C-9098-1AEB708601D9}"/>
+                <a16:creationId xmlns:a16="http://schemas.microsoft.com/office/drawing/2014/main" xmlns="" id="{55714D9C-94AA-401C-9098-1AEB708601D9}"/>
               </a:ext>
             </a:extLst>
           </p:cNvPr>
@@ -8187,7 +8187,7 @@
           <p:cNvPr id="3" name="Content Placeholder 2">
             <a:extLst>
               <a:ext uri="{FF2B5EF4-FFF2-40B4-BE49-F238E27FC236}">
-                <a16:creationId xmlns:a16="http://schemas.microsoft.com/office/drawing/2014/main" id="{F36FB479-B46F-49C8-A9EB-F5E25073D4F0}"/>
+                <a16:creationId xmlns:a16="http://schemas.microsoft.com/office/drawing/2014/main" xmlns="" id="{F36FB479-B46F-49C8-A9EB-F5E25073D4F0}"/>
               </a:ext>
             </a:extLst>
           </p:cNvPr>
@@ -8252,7 +8252,7 @@
           <p:cNvPr id="4" name="Table 3">
             <a:extLst>
               <a:ext uri="{FF2B5EF4-FFF2-40B4-BE49-F238E27FC236}">
-                <a16:creationId xmlns:a16="http://schemas.microsoft.com/office/drawing/2014/main" id="{1C0B5D78-72BE-41E1-8196-15AE3CED22BB}"/>
+                <a16:creationId xmlns:a16="http://schemas.microsoft.com/office/drawing/2014/main" xmlns="" id="{1C0B5D78-72BE-41E1-8196-15AE3CED22BB}"/>
               </a:ext>
             </a:extLst>
           </p:cNvPr>
@@ -8281,28 +8281,28 @@
                 <a:gridCol w="1518987">
                   <a:extLst>
                     <a:ext uri="{9D8B030D-6E8A-4147-A177-3AD203B41FA5}">
-                      <a16:colId xmlns:a16="http://schemas.microsoft.com/office/drawing/2014/main" val="1932336925"/>
+                      <a16:colId xmlns:a16="http://schemas.microsoft.com/office/drawing/2014/main" xmlns="" val="1932336925"/>
                     </a:ext>
                   </a:extLst>
                 </a:gridCol>
                 <a:gridCol w="1518987">
                   <a:extLst>
                     <a:ext uri="{9D8B030D-6E8A-4147-A177-3AD203B41FA5}">
-                      <a16:colId xmlns:a16="http://schemas.microsoft.com/office/drawing/2014/main" val="976667985"/>
+                      <a16:colId xmlns:a16="http://schemas.microsoft.com/office/drawing/2014/main" xmlns="" val="976667985"/>
                     </a:ext>
                   </a:extLst>
                 </a:gridCol>
                 <a:gridCol w="1518987">
                   <a:extLst>
                     <a:ext uri="{9D8B030D-6E8A-4147-A177-3AD203B41FA5}">
-                      <a16:colId xmlns:a16="http://schemas.microsoft.com/office/drawing/2014/main" val="1701535771"/>
+                      <a16:colId xmlns:a16="http://schemas.microsoft.com/office/drawing/2014/main" xmlns="" val="1701535771"/>
                     </a:ext>
                   </a:extLst>
                 </a:gridCol>
                 <a:gridCol w="1518987">
                   <a:extLst>
                     <a:ext uri="{9D8B030D-6E8A-4147-A177-3AD203B41FA5}">
-                      <a16:colId xmlns:a16="http://schemas.microsoft.com/office/drawing/2014/main" val="2550466864"/>
+                      <a16:colId xmlns:a16="http://schemas.microsoft.com/office/drawing/2014/main" xmlns="" val="2550466864"/>
                     </a:ext>
                   </a:extLst>
                 </a:gridCol>
@@ -8362,7 +8362,7 @@
                 </a:tc>
                 <a:extLst>
                   <a:ext uri="{0D108BD9-81ED-4DB2-BD59-A6C34878D82A}">
-                    <a16:rowId xmlns:a16="http://schemas.microsoft.com/office/drawing/2014/main" val="2816782959"/>
+                    <a16:rowId xmlns:a16="http://schemas.microsoft.com/office/drawing/2014/main" xmlns="" val="2816782959"/>
                   </a:ext>
                 </a:extLst>
               </a:tr>
@@ -8421,7 +8421,7 @@
                 </a:tc>
                 <a:extLst>
                   <a:ext uri="{0D108BD9-81ED-4DB2-BD59-A6C34878D82A}">
-                    <a16:rowId xmlns:a16="http://schemas.microsoft.com/office/drawing/2014/main" val="3642739071"/>
+                    <a16:rowId xmlns:a16="http://schemas.microsoft.com/office/drawing/2014/main" xmlns="" val="3642739071"/>
                   </a:ext>
                 </a:extLst>
               </a:tr>
@@ -8480,7 +8480,7 @@
                 </a:tc>
                 <a:extLst>
                   <a:ext uri="{0D108BD9-81ED-4DB2-BD59-A6C34878D82A}">
-                    <a16:rowId xmlns:a16="http://schemas.microsoft.com/office/drawing/2014/main" val="3864750204"/>
+                    <a16:rowId xmlns:a16="http://schemas.microsoft.com/office/drawing/2014/main" xmlns="" val="3864750204"/>
                   </a:ext>
                 </a:extLst>
               </a:tr>
@@ -8539,7 +8539,7 @@
                 </a:tc>
                 <a:extLst>
                   <a:ext uri="{0D108BD9-81ED-4DB2-BD59-A6C34878D82A}">
-                    <a16:rowId xmlns:a16="http://schemas.microsoft.com/office/drawing/2014/main" val="2507215571"/>
+                    <a16:rowId xmlns:a16="http://schemas.microsoft.com/office/drawing/2014/main" xmlns="" val="2507215571"/>
                   </a:ext>
                 </a:extLst>
               </a:tr>
@@ -8582,7 +8582,7 @@
           <p:cNvPr id="2" name="Title 1">
             <a:extLst>
               <a:ext uri="{FF2B5EF4-FFF2-40B4-BE49-F238E27FC236}">
-                <a16:creationId xmlns:a16="http://schemas.microsoft.com/office/drawing/2014/main" id="{43965EB4-7309-40E5-B1F4-AC683429CC8A}"/>
+                <a16:creationId xmlns:a16="http://schemas.microsoft.com/office/drawing/2014/main" xmlns="" id="{43965EB4-7309-40E5-B1F4-AC683429CC8A}"/>
               </a:ext>
             </a:extLst>
           </p:cNvPr>
@@ -8610,7 +8610,7 @@
           <p:cNvPr id="3" name="Content Placeholder 2">
             <a:extLst>
               <a:ext uri="{FF2B5EF4-FFF2-40B4-BE49-F238E27FC236}">
-                <a16:creationId xmlns:a16="http://schemas.microsoft.com/office/drawing/2014/main" id="{7B19EF6A-37BF-48B5-9F8C-5537BF117BBA}"/>
+                <a16:creationId xmlns:a16="http://schemas.microsoft.com/office/drawing/2014/main" xmlns="" id="{7B19EF6A-37BF-48B5-9F8C-5537BF117BBA}"/>
               </a:ext>
             </a:extLst>
           </p:cNvPr>
@@ -8700,7 +8700,7 @@
           <p:cNvPr id="2" name="Title 1">
             <a:extLst>
               <a:ext uri="{FF2B5EF4-FFF2-40B4-BE49-F238E27FC236}">
-                <a16:creationId xmlns:a16="http://schemas.microsoft.com/office/drawing/2014/main" id="{C6CDEF65-762A-440A-B321-4C3EF1287C1B}"/>
+                <a16:creationId xmlns:a16="http://schemas.microsoft.com/office/drawing/2014/main" xmlns="" id="{C6CDEF65-762A-440A-B321-4C3EF1287C1B}"/>
               </a:ext>
             </a:extLst>
           </p:cNvPr>
@@ -8728,7 +8728,7 @@
           <p:cNvPr id="3" name="Content Placeholder 2">
             <a:extLst>
               <a:ext uri="{FF2B5EF4-FFF2-40B4-BE49-F238E27FC236}">
-                <a16:creationId xmlns:a16="http://schemas.microsoft.com/office/drawing/2014/main" id="{2E74B224-4716-4143-87CB-426A4023F8E5}"/>
+                <a16:creationId xmlns:a16="http://schemas.microsoft.com/office/drawing/2014/main" xmlns="" id="{2E74B224-4716-4143-87CB-426A4023F8E5}"/>
               </a:ext>
             </a:extLst>
           </p:cNvPr>
@@ -8776,7 +8776,7 @@
           <p:cNvPr id="4" name="Table 3">
             <a:extLst>
               <a:ext uri="{FF2B5EF4-FFF2-40B4-BE49-F238E27FC236}">
-                <a16:creationId xmlns:a16="http://schemas.microsoft.com/office/drawing/2014/main" id="{6F6DE2E7-2FD1-4A9A-BBC7-BBD0C15D4A3E}"/>
+                <a16:creationId xmlns:a16="http://schemas.microsoft.com/office/drawing/2014/main" xmlns="" id="{6F6DE2E7-2FD1-4A9A-BBC7-BBD0C15D4A3E}"/>
               </a:ext>
             </a:extLst>
           </p:cNvPr>
@@ -8805,28 +8805,28 @@
                 <a:gridCol w="1518987">
                   <a:extLst>
                     <a:ext uri="{9D8B030D-6E8A-4147-A177-3AD203B41FA5}">
-                      <a16:colId xmlns:a16="http://schemas.microsoft.com/office/drawing/2014/main" val="1932336925"/>
+                      <a16:colId xmlns:a16="http://schemas.microsoft.com/office/drawing/2014/main" xmlns="" val="1932336925"/>
                     </a:ext>
                   </a:extLst>
                 </a:gridCol>
                 <a:gridCol w="1518987">
                   <a:extLst>
                     <a:ext uri="{9D8B030D-6E8A-4147-A177-3AD203B41FA5}">
-                      <a16:colId xmlns:a16="http://schemas.microsoft.com/office/drawing/2014/main" val="976667985"/>
+                      <a16:colId xmlns:a16="http://schemas.microsoft.com/office/drawing/2014/main" xmlns="" val="976667985"/>
                     </a:ext>
                   </a:extLst>
                 </a:gridCol>
                 <a:gridCol w="1518987">
                   <a:extLst>
                     <a:ext uri="{9D8B030D-6E8A-4147-A177-3AD203B41FA5}">
-                      <a16:colId xmlns:a16="http://schemas.microsoft.com/office/drawing/2014/main" val="1701535771"/>
+                      <a16:colId xmlns:a16="http://schemas.microsoft.com/office/drawing/2014/main" xmlns="" val="1701535771"/>
                     </a:ext>
                   </a:extLst>
                 </a:gridCol>
                 <a:gridCol w="1518987">
                   <a:extLst>
                     <a:ext uri="{9D8B030D-6E8A-4147-A177-3AD203B41FA5}">
-                      <a16:colId xmlns:a16="http://schemas.microsoft.com/office/drawing/2014/main" val="2550466864"/>
+                      <a16:colId xmlns:a16="http://schemas.microsoft.com/office/drawing/2014/main" xmlns="" val="2550466864"/>
                     </a:ext>
                   </a:extLst>
                 </a:gridCol>
@@ -8886,7 +8886,7 @@
                 </a:tc>
                 <a:extLst>
                   <a:ext uri="{0D108BD9-81ED-4DB2-BD59-A6C34878D82A}">
-                    <a16:rowId xmlns:a16="http://schemas.microsoft.com/office/drawing/2014/main" val="2816782959"/>
+                    <a16:rowId xmlns:a16="http://schemas.microsoft.com/office/drawing/2014/main" xmlns="" val="2816782959"/>
                   </a:ext>
                 </a:extLst>
               </a:tr>
@@ -8945,7 +8945,7 @@
                 </a:tc>
                 <a:extLst>
                   <a:ext uri="{0D108BD9-81ED-4DB2-BD59-A6C34878D82A}">
-                    <a16:rowId xmlns:a16="http://schemas.microsoft.com/office/drawing/2014/main" val="3642739071"/>
+                    <a16:rowId xmlns:a16="http://schemas.microsoft.com/office/drawing/2014/main" xmlns="" val="3642739071"/>
                   </a:ext>
                 </a:extLst>
               </a:tr>
@@ -9004,7 +9004,7 @@
                 </a:tc>
                 <a:extLst>
                   <a:ext uri="{0D108BD9-81ED-4DB2-BD59-A6C34878D82A}">
-                    <a16:rowId xmlns:a16="http://schemas.microsoft.com/office/drawing/2014/main" val="3864750204"/>
+                    <a16:rowId xmlns:a16="http://schemas.microsoft.com/office/drawing/2014/main" xmlns="" val="3864750204"/>
                   </a:ext>
                 </a:extLst>
               </a:tr>
@@ -9063,7 +9063,7 @@
                 </a:tc>
                 <a:extLst>
                   <a:ext uri="{0D108BD9-81ED-4DB2-BD59-A6C34878D82A}">
-                    <a16:rowId xmlns:a16="http://schemas.microsoft.com/office/drawing/2014/main" val="2507215571"/>
+                    <a16:rowId xmlns:a16="http://schemas.microsoft.com/office/drawing/2014/main" xmlns="" val="2507215571"/>
                   </a:ext>
                 </a:extLst>
               </a:tr>
@@ -9106,7 +9106,7 @@
           <p:cNvPr id="2" name="Title 1">
             <a:extLst>
               <a:ext uri="{FF2B5EF4-FFF2-40B4-BE49-F238E27FC236}">
-                <a16:creationId xmlns:a16="http://schemas.microsoft.com/office/drawing/2014/main" id="{98F2B36B-E6BD-4989-89B0-8B3D6CFE1685}"/>
+                <a16:creationId xmlns:a16="http://schemas.microsoft.com/office/drawing/2014/main" xmlns="" id="{98F2B36B-E6BD-4989-89B0-8B3D6CFE1685}"/>
               </a:ext>
             </a:extLst>
           </p:cNvPr>
@@ -9134,7 +9134,7 @@
           <p:cNvPr id="3" name="Content Placeholder 2">
             <a:extLst>
               <a:ext uri="{FF2B5EF4-FFF2-40B4-BE49-F238E27FC236}">
-                <a16:creationId xmlns:a16="http://schemas.microsoft.com/office/drawing/2014/main" id="{36A350CC-5921-467E-A178-B846F58438B9}"/>
+                <a16:creationId xmlns:a16="http://schemas.microsoft.com/office/drawing/2014/main" xmlns="" id="{36A350CC-5921-467E-A178-B846F58438B9}"/>
               </a:ext>
             </a:extLst>
           </p:cNvPr>
@@ -9202,7 +9202,7 @@
           <p:cNvPr id="4" name="Table 3">
             <a:extLst>
               <a:ext uri="{FF2B5EF4-FFF2-40B4-BE49-F238E27FC236}">
-                <a16:creationId xmlns:a16="http://schemas.microsoft.com/office/drawing/2014/main" id="{EA4103D8-AA86-4BA0-80BB-5107A2445CF7}"/>
+                <a16:creationId xmlns:a16="http://schemas.microsoft.com/office/drawing/2014/main" xmlns="" id="{EA4103D8-AA86-4BA0-80BB-5107A2445CF7}"/>
               </a:ext>
             </a:extLst>
           </p:cNvPr>
@@ -9231,28 +9231,28 @@
                 <a:gridCol w="1518987">
                   <a:extLst>
                     <a:ext uri="{9D8B030D-6E8A-4147-A177-3AD203B41FA5}">
-                      <a16:colId xmlns:a16="http://schemas.microsoft.com/office/drawing/2014/main" val="1932336925"/>
+                      <a16:colId xmlns:a16="http://schemas.microsoft.com/office/drawing/2014/main" xmlns="" val="1932336925"/>
                     </a:ext>
                   </a:extLst>
                 </a:gridCol>
                 <a:gridCol w="1518987">
                   <a:extLst>
                     <a:ext uri="{9D8B030D-6E8A-4147-A177-3AD203B41FA5}">
-                      <a16:colId xmlns:a16="http://schemas.microsoft.com/office/drawing/2014/main" val="976667985"/>
+                      <a16:colId xmlns:a16="http://schemas.microsoft.com/office/drawing/2014/main" xmlns="" val="976667985"/>
                     </a:ext>
                   </a:extLst>
                 </a:gridCol>
                 <a:gridCol w="1518987">
                   <a:extLst>
                     <a:ext uri="{9D8B030D-6E8A-4147-A177-3AD203B41FA5}">
-                      <a16:colId xmlns:a16="http://schemas.microsoft.com/office/drawing/2014/main" val="1701535771"/>
+                      <a16:colId xmlns:a16="http://schemas.microsoft.com/office/drawing/2014/main" xmlns="" val="1701535771"/>
                     </a:ext>
                   </a:extLst>
                 </a:gridCol>
                 <a:gridCol w="1518987">
                   <a:extLst>
                     <a:ext uri="{9D8B030D-6E8A-4147-A177-3AD203B41FA5}">
-                      <a16:colId xmlns:a16="http://schemas.microsoft.com/office/drawing/2014/main" val="2550466864"/>
+                      <a16:colId xmlns:a16="http://schemas.microsoft.com/office/drawing/2014/main" xmlns="" val="2550466864"/>
                     </a:ext>
                   </a:extLst>
                 </a:gridCol>
@@ -9312,7 +9312,7 @@
                 </a:tc>
                 <a:extLst>
                   <a:ext uri="{0D108BD9-81ED-4DB2-BD59-A6C34878D82A}">
-                    <a16:rowId xmlns:a16="http://schemas.microsoft.com/office/drawing/2014/main" val="2816782959"/>
+                    <a16:rowId xmlns:a16="http://schemas.microsoft.com/office/drawing/2014/main" xmlns="" val="2816782959"/>
                   </a:ext>
                 </a:extLst>
               </a:tr>
@@ -9371,7 +9371,7 @@
                 </a:tc>
                 <a:extLst>
                   <a:ext uri="{0D108BD9-81ED-4DB2-BD59-A6C34878D82A}">
-                    <a16:rowId xmlns:a16="http://schemas.microsoft.com/office/drawing/2014/main" val="3642739071"/>
+                    <a16:rowId xmlns:a16="http://schemas.microsoft.com/office/drawing/2014/main" xmlns="" val="3642739071"/>
                   </a:ext>
                 </a:extLst>
               </a:tr>
@@ -9430,7 +9430,7 @@
                 </a:tc>
                 <a:extLst>
                   <a:ext uri="{0D108BD9-81ED-4DB2-BD59-A6C34878D82A}">
-                    <a16:rowId xmlns:a16="http://schemas.microsoft.com/office/drawing/2014/main" val="3864750204"/>
+                    <a16:rowId xmlns:a16="http://schemas.microsoft.com/office/drawing/2014/main" xmlns="" val="3864750204"/>
                   </a:ext>
                 </a:extLst>
               </a:tr>
@@ -9489,7 +9489,7 @@
                 </a:tc>
                 <a:extLst>
                   <a:ext uri="{0D108BD9-81ED-4DB2-BD59-A6C34878D82A}">
-                    <a16:rowId xmlns:a16="http://schemas.microsoft.com/office/drawing/2014/main" val="2507215571"/>
+                    <a16:rowId xmlns:a16="http://schemas.microsoft.com/office/drawing/2014/main" xmlns="" val="2507215571"/>
                   </a:ext>
                 </a:extLst>
               </a:tr>
@@ -9532,7 +9532,7 @@
           <p:cNvPr id="2" name="Title 1">
             <a:extLst>
               <a:ext uri="{FF2B5EF4-FFF2-40B4-BE49-F238E27FC236}">
-                <a16:creationId xmlns:a16="http://schemas.microsoft.com/office/drawing/2014/main" id="{F899F1ED-A587-4D62-9D5A-FA14215620BC}"/>
+                <a16:creationId xmlns:a16="http://schemas.microsoft.com/office/drawing/2014/main" xmlns="" id="{F899F1ED-A587-4D62-9D5A-FA14215620BC}"/>
               </a:ext>
             </a:extLst>
           </p:cNvPr>
@@ -9565,7 +9565,7 @@
           <p:cNvPr id="7" name="Picture 6" descr="A screenshot of a cell phone&#10;&#10;Description automatically generated">
             <a:extLst>
               <a:ext uri="{FF2B5EF4-FFF2-40B4-BE49-F238E27FC236}">
-                <a16:creationId xmlns:a16="http://schemas.microsoft.com/office/drawing/2014/main" id="{FB1463FF-FF0C-43E5-B6A8-AA4CB6438BFE}"/>
+                <a16:creationId xmlns:a16="http://schemas.microsoft.com/office/drawing/2014/main" xmlns="" id="{FB1463FF-FF0C-43E5-B6A8-AA4CB6438BFE}"/>
               </a:ext>
             </a:extLst>
           </p:cNvPr>
@@ -9631,7 +9631,7 @@
           <p:cNvPr id="2" name="Title 1">
             <a:extLst>
               <a:ext uri="{FF2B5EF4-FFF2-40B4-BE49-F238E27FC236}">
-                <a16:creationId xmlns:a16="http://schemas.microsoft.com/office/drawing/2014/main" id="{D8CABD32-ACC2-4575-8569-504C4716F1EC}"/>
+                <a16:creationId xmlns:a16="http://schemas.microsoft.com/office/drawing/2014/main" xmlns="" id="{D8CABD32-ACC2-4575-8569-504C4716F1EC}"/>
               </a:ext>
             </a:extLst>
           </p:cNvPr>
@@ -9659,7 +9659,7 @@
           <p:cNvPr id="3" name="Content Placeholder 2">
             <a:extLst>
               <a:ext uri="{FF2B5EF4-FFF2-40B4-BE49-F238E27FC236}">
-                <a16:creationId xmlns:a16="http://schemas.microsoft.com/office/drawing/2014/main" id="{22AFF66F-2125-4B79-BDC6-1F1475DA5F76}"/>
+                <a16:creationId xmlns:a16="http://schemas.microsoft.com/office/drawing/2014/main" xmlns="" id="{22AFF66F-2125-4B79-BDC6-1F1475DA5F76}"/>
               </a:ext>
             </a:extLst>
           </p:cNvPr>
@@ -9758,7 +9758,7 @@
           <p:cNvPr id="2" name="Title 1">
             <a:extLst>
               <a:ext uri="{FF2B5EF4-FFF2-40B4-BE49-F238E27FC236}">
-                <a16:creationId xmlns:a16="http://schemas.microsoft.com/office/drawing/2014/main" id="{C3BE36CB-FCEF-4CDD-8548-4CABF2EA60E3}"/>
+                <a16:creationId xmlns:a16="http://schemas.microsoft.com/office/drawing/2014/main" xmlns="" id="{C3BE36CB-FCEF-4CDD-8548-4CABF2EA60E3}"/>
               </a:ext>
             </a:extLst>
           </p:cNvPr>
@@ -9786,7 +9786,7 @@
           <p:cNvPr id="3" name="Content Placeholder 2">
             <a:extLst>
               <a:ext uri="{FF2B5EF4-FFF2-40B4-BE49-F238E27FC236}">
-                <a16:creationId xmlns:a16="http://schemas.microsoft.com/office/drawing/2014/main" id="{91608BD0-5497-46C2-AB7D-BC7FB328123F}"/>
+                <a16:creationId xmlns:a16="http://schemas.microsoft.com/office/drawing/2014/main" xmlns="" id="{91608BD0-5497-46C2-AB7D-BC7FB328123F}"/>
               </a:ext>
             </a:extLst>
           </p:cNvPr>
@@ -9847,7 +9847,7 @@
           <p:cNvPr id="5" name="Picture 4" descr="A picture containing screenshot&#10;&#10;Description automatically generated">
             <a:extLst>
               <a:ext uri="{FF2B5EF4-FFF2-40B4-BE49-F238E27FC236}">
-                <a16:creationId xmlns:a16="http://schemas.microsoft.com/office/drawing/2014/main" id="{54A07093-AFF1-4695-8353-A5B02C600ECE}"/>
+                <a16:creationId xmlns:a16="http://schemas.microsoft.com/office/drawing/2014/main" xmlns="" id="{54A07093-AFF1-4695-8353-A5B02C600ECE}"/>
               </a:ext>
             </a:extLst>
           </p:cNvPr>
@@ -9913,7 +9913,7 @@
           <p:cNvPr id="2" name="Title 1">
             <a:extLst>
               <a:ext uri="{FF2B5EF4-FFF2-40B4-BE49-F238E27FC236}">
-                <a16:creationId xmlns:a16="http://schemas.microsoft.com/office/drawing/2014/main" id="{B1BE3FDE-2B81-44DB-A225-B715EEE27F2E}"/>
+                <a16:creationId xmlns:a16="http://schemas.microsoft.com/office/drawing/2014/main" xmlns="" id="{B1BE3FDE-2B81-44DB-A225-B715EEE27F2E}"/>
               </a:ext>
             </a:extLst>
           </p:cNvPr>
@@ -9941,7 +9941,7 @@
           <p:cNvPr id="3" name="Content Placeholder 2">
             <a:extLst>
               <a:ext uri="{FF2B5EF4-FFF2-40B4-BE49-F238E27FC236}">
-                <a16:creationId xmlns:a16="http://schemas.microsoft.com/office/drawing/2014/main" id="{78D684A6-14C8-4161-B428-1F108D0A1884}"/>
+                <a16:creationId xmlns:a16="http://schemas.microsoft.com/office/drawing/2014/main" xmlns="" id="{78D684A6-14C8-4161-B428-1F108D0A1884}"/>
               </a:ext>
             </a:extLst>
           </p:cNvPr>
@@ -10008,7 +10008,7 @@
           <p:cNvPr id="5" name="Picture 4">
             <a:extLst>
               <a:ext uri="{FF2B5EF4-FFF2-40B4-BE49-F238E27FC236}">
-                <a16:creationId xmlns:a16="http://schemas.microsoft.com/office/drawing/2014/main" id="{63B50D4F-F1EF-4773-B2BE-C09B7AAEC68C}"/>
+                <a16:creationId xmlns:a16="http://schemas.microsoft.com/office/drawing/2014/main" xmlns="" id="{63B50D4F-F1EF-4773-B2BE-C09B7AAEC68C}"/>
               </a:ext>
             </a:extLst>
           </p:cNvPr>
@@ -10074,7 +10074,7 @@
           <p:cNvPr id="2" name="Title 1">
             <a:extLst>
               <a:ext uri="{FF2B5EF4-FFF2-40B4-BE49-F238E27FC236}">
-                <a16:creationId xmlns:a16="http://schemas.microsoft.com/office/drawing/2014/main" id="{F4A7765E-3EE8-4145-974F-61D6E0B352C2}"/>
+                <a16:creationId xmlns:a16="http://schemas.microsoft.com/office/drawing/2014/main" xmlns="" id="{F4A7765E-3EE8-4145-974F-61D6E0B352C2}"/>
               </a:ext>
             </a:extLst>
           </p:cNvPr>
@@ -10102,7 +10102,7 @@
           <p:cNvPr id="3" name="Content Placeholder 2">
             <a:extLst>
               <a:ext uri="{FF2B5EF4-FFF2-40B4-BE49-F238E27FC236}">
-                <a16:creationId xmlns:a16="http://schemas.microsoft.com/office/drawing/2014/main" id="{1555966A-91FB-4C78-ABE2-A3BD9F507B6A}"/>
+                <a16:creationId xmlns:a16="http://schemas.microsoft.com/office/drawing/2014/main" xmlns="" id="{1555966A-91FB-4C78-ABE2-A3BD9F507B6A}"/>
               </a:ext>
             </a:extLst>
           </p:cNvPr>
@@ -10148,7 +10148,7 @@
           <p:cNvPr id="5" name="Picture 4" descr="A screenshot of a cell phone&#10;&#10;Description automatically generated">
             <a:extLst>
               <a:ext uri="{FF2B5EF4-FFF2-40B4-BE49-F238E27FC236}">
-                <a16:creationId xmlns:a16="http://schemas.microsoft.com/office/drawing/2014/main" id="{6512ECF8-2D84-4A5F-B8A7-8018AC198A17}"/>
+                <a16:creationId xmlns:a16="http://schemas.microsoft.com/office/drawing/2014/main" xmlns="" id="{6512ECF8-2D84-4A5F-B8A7-8018AC198A17}"/>
               </a:ext>
             </a:extLst>
           </p:cNvPr>
@@ -10214,7 +10214,7 @@
           <p:cNvPr id="2" name="Title 1">
             <a:extLst>
               <a:ext uri="{FF2B5EF4-FFF2-40B4-BE49-F238E27FC236}">
-                <a16:creationId xmlns:a16="http://schemas.microsoft.com/office/drawing/2014/main" id="{9B3F8442-422C-463B-B47A-4093FCDF3013}"/>
+                <a16:creationId xmlns:a16="http://schemas.microsoft.com/office/drawing/2014/main" xmlns="" id="{9B3F8442-422C-463B-B47A-4093FCDF3013}"/>
               </a:ext>
             </a:extLst>
           </p:cNvPr>
@@ -10242,7 +10242,7 @@
           <p:cNvPr id="3" name="Content Placeholder 2">
             <a:extLst>
               <a:ext uri="{FF2B5EF4-FFF2-40B4-BE49-F238E27FC236}">
-                <a16:creationId xmlns:a16="http://schemas.microsoft.com/office/drawing/2014/main" id="{6AB39684-CE4E-4FF8-ADE9-CFC2B3DF6186}"/>
+                <a16:creationId xmlns:a16="http://schemas.microsoft.com/office/drawing/2014/main" xmlns="" id="{6AB39684-CE4E-4FF8-ADE9-CFC2B3DF6186}"/>
               </a:ext>
             </a:extLst>
           </p:cNvPr>
@@ -10348,7 +10348,7 @@
           <p:cNvPr id="2" name="Title 1">
             <a:extLst>
               <a:ext uri="{FF2B5EF4-FFF2-40B4-BE49-F238E27FC236}">
-                <a16:creationId xmlns:a16="http://schemas.microsoft.com/office/drawing/2014/main" id="{44B6FC54-2A2E-4F5F-AADE-18EA5CA36490}"/>
+                <a16:creationId xmlns:a16="http://schemas.microsoft.com/office/drawing/2014/main" xmlns="" id="{44B6FC54-2A2E-4F5F-AADE-18EA5CA36490}"/>
               </a:ext>
             </a:extLst>
           </p:cNvPr>
@@ -10376,7 +10376,7 @@
           <p:cNvPr id="3" name="Content Placeholder 2">
             <a:extLst>
               <a:ext uri="{FF2B5EF4-FFF2-40B4-BE49-F238E27FC236}">
-                <a16:creationId xmlns:a16="http://schemas.microsoft.com/office/drawing/2014/main" id="{0ADE0118-02BA-470F-BB1A-BA4E0EC2DD43}"/>
+                <a16:creationId xmlns:a16="http://schemas.microsoft.com/office/drawing/2014/main" xmlns="" id="{0ADE0118-02BA-470F-BB1A-BA4E0EC2DD43}"/>
               </a:ext>
             </a:extLst>
           </p:cNvPr>
@@ -10478,7 +10478,7 @@
           <p:cNvPr id="2" name="Title 1">
             <a:extLst>
               <a:ext uri="{FF2B5EF4-FFF2-40B4-BE49-F238E27FC236}">
-                <a16:creationId xmlns:a16="http://schemas.microsoft.com/office/drawing/2014/main" id="{D0D900CC-3B42-4DBF-B2A8-A47986F07C3D}"/>
+                <a16:creationId xmlns:a16="http://schemas.microsoft.com/office/drawing/2014/main" xmlns="" id="{D0D900CC-3B42-4DBF-B2A8-A47986F07C3D}"/>
               </a:ext>
             </a:extLst>
           </p:cNvPr>
@@ -10506,7 +10506,7 @@
           <p:cNvPr id="3" name="Content Placeholder 2">
             <a:extLst>
               <a:ext uri="{FF2B5EF4-FFF2-40B4-BE49-F238E27FC236}">
-                <a16:creationId xmlns:a16="http://schemas.microsoft.com/office/drawing/2014/main" id="{1D20F651-EA75-456B-8E98-F1C6FEA61843}"/>
+                <a16:creationId xmlns:a16="http://schemas.microsoft.com/office/drawing/2014/main" xmlns="" id="{1D20F651-EA75-456B-8E98-F1C6FEA61843}"/>
               </a:ext>
             </a:extLst>
           </p:cNvPr>
@@ -10536,8 +10536,27 @@
           <a:p>
             <a:r>
               <a:rPr lang="en-US" dirty="0"/>
-              <a:t>Use sentiment scores better</a:t>
-            </a:r>
+              <a:t>Use sentiment </a:t>
+            </a:r>
+            <a:r>
+              <a:rPr lang="en-US" dirty="0" smtClean="0"/>
+              <a:t>scores better</a:t>
+            </a:r>
+          </a:p>
+          <a:p>
+            <a:r>
+              <a:rPr lang="en-US" dirty="0" smtClean="0"/>
+              <a:t>Log-scale </a:t>
+            </a:r>
+            <a:r>
+              <a:rPr lang="en-US" dirty="0" err="1" smtClean="0"/>
+              <a:t>retweets</a:t>
+            </a:r>
+            <a:r>
+              <a:rPr lang="en-US" dirty="0" smtClean="0"/>
+              <a:t> and retry linear regression</a:t>
+            </a:r>
+            <a:endParaRPr lang="en-US" dirty="0"/>
           </a:p>
           <a:p>
             <a:r>
@@ -10594,7 +10613,7 @@
           <p:cNvPr id="2" name="Title 1">
             <a:extLst>
               <a:ext uri="{FF2B5EF4-FFF2-40B4-BE49-F238E27FC236}">
-                <a16:creationId xmlns:a16="http://schemas.microsoft.com/office/drawing/2014/main" id="{96C2C9E2-411A-4C39-8595-B713F7DBC667}"/>
+                <a16:creationId xmlns:a16="http://schemas.microsoft.com/office/drawing/2014/main" xmlns="" id="{96C2C9E2-411A-4C39-8595-B713F7DBC667}"/>
               </a:ext>
             </a:extLst>
           </p:cNvPr>
@@ -10622,7 +10641,7 @@
           <p:cNvPr id="3" name="Content Placeholder 2">
             <a:extLst>
               <a:ext uri="{FF2B5EF4-FFF2-40B4-BE49-F238E27FC236}">
-                <a16:creationId xmlns:a16="http://schemas.microsoft.com/office/drawing/2014/main" id="{DA830073-0891-4878-99CE-EB4169CB412E}"/>
+                <a16:creationId xmlns:a16="http://schemas.microsoft.com/office/drawing/2014/main" xmlns="" id="{DA830073-0891-4878-99CE-EB4169CB412E}"/>
               </a:ext>
             </a:extLst>
           </p:cNvPr>
@@ -10740,7 +10759,7 @@
           <p:cNvPr id="2" name="Title 1">
             <a:extLst>
               <a:ext uri="{FF2B5EF4-FFF2-40B4-BE49-F238E27FC236}">
-                <a16:creationId xmlns:a16="http://schemas.microsoft.com/office/drawing/2014/main" id="{9B3F8442-422C-463B-B47A-4093FCDF3013}"/>
+                <a16:creationId xmlns:a16="http://schemas.microsoft.com/office/drawing/2014/main" xmlns="" id="{9B3F8442-422C-463B-B47A-4093FCDF3013}"/>
               </a:ext>
             </a:extLst>
           </p:cNvPr>
@@ -10768,7 +10787,7 @@
           <p:cNvPr id="3" name="Content Placeholder 2">
             <a:extLst>
               <a:ext uri="{FF2B5EF4-FFF2-40B4-BE49-F238E27FC236}">
-                <a16:creationId xmlns:a16="http://schemas.microsoft.com/office/drawing/2014/main" id="{6AB39684-CE4E-4FF8-ADE9-CFC2B3DF6186}"/>
+                <a16:creationId xmlns:a16="http://schemas.microsoft.com/office/drawing/2014/main" xmlns="" id="{6AB39684-CE4E-4FF8-ADE9-CFC2B3DF6186}"/>
               </a:ext>
             </a:extLst>
           </p:cNvPr>
@@ -10874,7 +10893,7 @@
           <p:cNvPr id="2" name="Title 1">
             <a:extLst>
               <a:ext uri="{FF2B5EF4-FFF2-40B4-BE49-F238E27FC236}">
-                <a16:creationId xmlns:a16="http://schemas.microsoft.com/office/drawing/2014/main" id="{E3EB30D8-F948-4BDE-A565-8890903527AE}"/>
+                <a16:creationId xmlns:a16="http://schemas.microsoft.com/office/drawing/2014/main" xmlns="" id="{E3EB30D8-F948-4BDE-A565-8890903527AE}"/>
               </a:ext>
             </a:extLst>
           </p:cNvPr>
@@ -10902,7 +10921,7 @@
           <p:cNvPr id="3" name="Content Placeholder 2">
             <a:extLst>
               <a:ext uri="{FF2B5EF4-FFF2-40B4-BE49-F238E27FC236}">
-                <a16:creationId xmlns:a16="http://schemas.microsoft.com/office/drawing/2014/main" id="{D2438423-7929-4597-BCAC-05904D7B1268}"/>
+                <a16:creationId xmlns:a16="http://schemas.microsoft.com/office/drawing/2014/main" xmlns="" id="{D2438423-7929-4597-BCAC-05904D7B1268}"/>
               </a:ext>
             </a:extLst>
           </p:cNvPr>
@@ -11023,7 +11042,7 @@
           <p:cNvPr id="2" name="Title 1">
             <a:extLst>
               <a:ext uri="{FF2B5EF4-FFF2-40B4-BE49-F238E27FC236}">
-                <a16:creationId xmlns:a16="http://schemas.microsoft.com/office/drawing/2014/main" id="{4E37B3DC-0DB0-4E57-A3DC-ABC0F2247089}"/>
+                <a16:creationId xmlns:a16="http://schemas.microsoft.com/office/drawing/2014/main" xmlns="" id="{4E37B3DC-0DB0-4E57-A3DC-ABC0F2247089}"/>
               </a:ext>
             </a:extLst>
           </p:cNvPr>
@@ -11051,7 +11070,7 @@
           <p:cNvPr id="3" name="Content Placeholder 2">
             <a:extLst>
               <a:ext uri="{FF2B5EF4-FFF2-40B4-BE49-F238E27FC236}">
-                <a16:creationId xmlns:a16="http://schemas.microsoft.com/office/drawing/2014/main" id="{A61B1CF1-E899-4E60-A2C0-D01D9E225955}"/>
+                <a16:creationId xmlns:a16="http://schemas.microsoft.com/office/drawing/2014/main" xmlns="" id="{A61B1CF1-E899-4E60-A2C0-D01D9E225955}"/>
               </a:ext>
             </a:extLst>
           </p:cNvPr>
@@ -11146,7 +11165,7 @@
           <p:cNvPr id="2" name="Title 1">
             <a:extLst>
               <a:ext uri="{FF2B5EF4-FFF2-40B4-BE49-F238E27FC236}">
-                <a16:creationId xmlns:a16="http://schemas.microsoft.com/office/drawing/2014/main" id="{9B3F8442-422C-463B-B47A-4093FCDF3013}"/>
+                <a16:creationId xmlns:a16="http://schemas.microsoft.com/office/drawing/2014/main" xmlns="" id="{9B3F8442-422C-463B-B47A-4093FCDF3013}"/>
               </a:ext>
             </a:extLst>
           </p:cNvPr>
@@ -11174,7 +11193,7 @@
           <p:cNvPr id="3" name="Content Placeholder 2">
             <a:extLst>
               <a:ext uri="{FF2B5EF4-FFF2-40B4-BE49-F238E27FC236}">
-                <a16:creationId xmlns:a16="http://schemas.microsoft.com/office/drawing/2014/main" id="{6AB39684-CE4E-4FF8-ADE9-CFC2B3DF6186}"/>
+                <a16:creationId xmlns:a16="http://schemas.microsoft.com/office/drawing/2014/main" xmlns="" id="{6AB39684-CE4E-4FF8-ADE9-CFC2B3DF6186}"/>
               </a:ext>
             </a:extLst>
           </p:cNvPr>
@@ -11301,7 +11320,7 @@
     </a:clrScheme>
     <a:fontScheme name="Office">
       <a:majorFont>
-        <a:latin typeface="Calibri Light" panose="020F0302020204030204"/>
+        <a:latin typeface="Calibri Light"/>
         <a:ea typeface=""/>
         <a:cs typeface=""/>
         <a:font script="Jpan" typeface="游ゴシック Light"/>
@@ -11353,7 +11372,7 @@
         <a:font script="Tfng" typeface="Ebrima"/>
       </a:majorFont>
       <a:minorFont>
-        <a:latin typeface="Calibri" panose="020F0502020204030204"/>
+        <a:latin typeface="Calibri"/>
         <a:ea typeface=""/>
         <a:cs typeface=""/>
         <a:font script="Jpan" typeface="游ゴシック"/>
@@ -11547,7 +11566,7 @@
   <a:extraClrSchemeLst/>
   <a:extLst>
     <a:ext uri="{05A4C25C-085E-4340-85A3-A5531E510DB2}">
-      <thm15:themeFamily xmlns:thm15="http://schemas.microsoft.com/office/thememl/2012/main" name="Office Theme" id="{62F939B6-93AF-4DB8-9C6B-D6C7DFDC589F}" vid="{4A3C46E8-61CC-4603-A589-7422A47A8E4A}"/>
+      <thm15:themeFamily xmlns:thm15="http://schemas.microsoft.com/office/thememl/2012/main" xmlns="" name="Office Theme" id="{62F939B6-93AF-4DB8-9C6B-D6C7DFDC589F}" vid="{4A3C46E8-61CC-4603-A589-7422A47A8E4A}"/>
     </a:ext>
   </a:extLst>
 </a:theme>
@@ -11596,7 +11615,7 @@
     </a:clrScheme>
     <a:fontScheme name="Office">
       <a:majorFont>
-        <a:latin typeface="Calibri Light" panose="020F0302020204030204"/>
+        <a:latin typeface="Calibri Light"/>
         <a:ea typeface=""/>
         <a:cs typeface=""/>
         <a:font script="Jpan" typeface="游ゴシック Light"/>
@@ -11648,7 +11667,7 @@
         <a:font script="Tfng" typeface="Ebrima"/>
       </a:majorFont>
       <a:minorFont>
-        <a:latin typeface="Calibri" panose="020F0502020204030204"/>
+        <a:latin typeface="Calibri"/>
         <a:ea typeface=""/>
         <a:cs typeface=""/>
         <a:font script="Jpan" typeface="游ゴシック"/>
@@ -11842,7 +11861,7 @@
   <a:extraClrSchemeLst/>
   <a:extLst>
     <a:ext uri="{05A4C25C-085E-4340-85A3-A5531E510DB2}">
-      <thm15:themeFamily xmlns:thm15="http://schemas.microsoft.com/office/thememl/2012/main" name="Office Theme" id="{62F939B6-93AF-4DB8-9C6B-D6C7DFDC589F}" vid="{4A3C46E8-61CC-4603-A589-7422A47A8E4A}"/>
+      <thm15:themeFamily xmlns:thm15="http://schemas.microsoft.com/office/thememl/2012/main" xmlns="" name="Office Theme" id="{62F939B6-93AF-4DB8-9C6B-D6C7DFDC589F}" vid="{4A3C46E8-61CC-4603-A589-7422A47A8E4A}"/>
     </a:ext>
   </a:extLst>
 </a:theme>
